--- a/presentations/Introduction to Angular Unit Testing.pptx
+++ b/presentations/Introduction to Angular Unit Testing.pptx
@@ -7,24 +7,20 @@
   <p:sldIdLst>
     <p:sldId id="256" r:id="rId2"/>
     <p:sldId id="257" r:id="rId3"/>
-    <p:sldId id="258" r:id="rId4"/>
+    <p:sldId id="261" r:id="rId4"/>
     <p:sldId id="259" r:id="rId5"/>
     <p:sldId id="260" r:id="rId6"/>
-    <p:sldId id="261" r:id="rId7"/>
-    <p:sldId id="262" r:id="rId8"/>
-    <p:sldId id="263" r:id="rId9"/>
-    <p:sldId id="264" r:id="rId10"/>
+    <p:sldId id="262" r:id="rId7"/>
+    <p:sldId id="263" r:id="rId8"/>
+    <p:sldId id="264" r:id="rId9"/>
+    <p:sldId id="258" r:id="rId10"/>
     <p:sldId id="265" r:id="rId11"/>
     <p:sldId id="266" r:id="rId12"/>
     <p:sldId id="267" r:id="rId13"/>
     <p:sldId id="275" r:id="rId14"/>
     <p:sldId id="268" r:id="rId15"/>
     <p:sldId id="269" r:id="rId16"/>
-    <p:sldId id="270" r:id="rId17"/>
-    <p:sldId id="271" r:id="rId18"/>
-    <p:sldId id="272" r:id="rId19"/>
-    <p:sldId id="273" r:id="rId20"/>
-    <p:sldId id="274" r:id="rId21"/>
+    <p:sldId id="279" r:id="rId17"/>
   </p:sldIdLst>
   <p:sldSz cx="12192000" cy="6858000"/>
   <p:notesSz cx="6858000" cy="9144000"/>
@@ -278,7 +274,7 @@
           <a:p>
             <a:fld id="{B38EF465-D677-F140-82CD-891C0463380E}" type="datetimeFigureOut">
               <a:rPr lang="en-US" smtClean="0"/>
-              <a:t>11/9/21</a:t>
+              <a:t>11/16/21</a:t>
             </a:fld>
             <a:endParaRPr lang="en-US"/>
           </a:p>
@@ -476,7 +472,7 @@
           <a:p>
             <a:fld id="{B38EF465-D677-F140-82CD-891C0463380E}" type="datetimeFigureOut">
               <a:rPr lang="en-US" smtClean="0"/>
-              <a:t>11/9/21</a:t>
+              <a:t>11/16/21</a:t>
             </a:fld>
             <a:endParaRPr lang="en-US"/>
           </a:p>
@@ -684,7 +680,7 @@
           <a:p>
             <a:fld id="{B38EF465-D677-F140-82CD-891C0463380E}" type="datetimeFigureOut">
               <a:rPr lang="en-US" smtClean="0"/>
-              <a:t>11/9/21</a:t>
+              <a:t>11/16/21</a:t>
             </a:fld>
             <a:endParaRPr lang="en-US"/>
           </a:p>
@@ -882,7 +878,7 @@
           <a:p>
             <a:fld id="{B38EF465-D677-F140-82CD-891C0463380E}" type="datetimeFigureOut">
               <a:rPr lang="en-US" smtClean="0"/>
-              <a:t>11/9/21</a:t>
+              <a:t>11/16/21</a:t>
             </a:fld>
             <a:endParaRPr lang="en-US"/>
           </a:p>
@@ -1157,7 +1153,7 @@
           <a:p>
             <a:fld id="{B38EF465-D677-F140-82CD-891C0463380E}" type="datetimeFigureOut">
               <a:rPr lang="en-US" smtClean="0"/>
-              <a:t>11/9/21</a:t>
+              <a:t>11/16/21</a:t>
             </a:fld>
             <a:endParaRPr lang="en-US"/>
           </a:p>
@@ -1422,7 +1418,7 @@
           <a:p>
             <a:fld id="{B38EF465-D677-F140-82CD-891C0463380E}" type="datetimeFigureOut">
               <a:rPr lang="en-US" smtClean="0"/>
-              <a:t>11/9/21</a:t>
+              <a:t>11/16/21</a:t>
             </a:fld>
             <a:endParaRPr lang="en-US"/>
           </a:p>
@@ -1834,7 +1830,7 @@
           <a:p>
             <a:fld id="{B38EF465-D677-F140-82CD-891C0463380E}" type="datetimeFigureOut">
               <a:rPr lang="en-US" smtClean="0"/>
-              <a:t>11/9/21</a:t>
+              <a:t>11/16/21</a:t>
             </a:fld>
             <a:endParaRPr lang="en-US"/>
           </a:p>
@@ -1975,7 +1971,7 @@
           <a:p>
             <a:fld id="{B38EF465-D677-F140-82CD-891C0463380E}" type="datetimeFigureOut">
               <a:rPr lang="en-US" smtClean="0"/>
-              <a:t>11/9/21</a:t>
+              <a:t>11/16/21</a:t>
             </a:fld>
             <a:endParaRPr lang="en-US"/>
           </a:p>
@@ -2088,7 +2084,7 @@
           <a:p>
             <a:fld id="{B38EF465-D677-F140-82CD-891C0463380E}" type="datetimeFigureOut">
               <a:rPr lang="en-US" smtClean="0"/>
-              <a:t>11/9/21</a:t>
+              <a:t>11/16/21</a:t>
             </a:fld>
             <a:endParaRPr lang="en-US"/>
           </a:p>
@@ -2399,7 +2395,7 @@
           <a:p>
             <a:fld id="{B38EF465-D677-F140-82CD-891C0463380E}" type="datetimeFigureOut">
               <a:rPr lang="en-US" smtClean="0"/>
-              <a:t>11/9/21</a:t>
+              <a:t>11/16/21</a:t>
             </a:fld>
             <a:endParaRPr lang="en-US"/>
           </a:p>
@@ -2687,7 +2683,7 @@
           <a:p>
             <a:fld id="{B38EF465-D677-F140-82CD-891C0463380E}" type="datetimeFigureOut">
               <a:rPr lang="en-US" smtClean="0"/>
-              <a:t>11/9/21</a:t>
+              <a:t>11/16/21</a:t>
             </a:fld>
             <a:endParaRPr lang="en-US"/>
           </a:p>
@@ -2928,7 +2924,7 @@
           <a:p>
             <a:fld id="{B38EF465-D677-F140-82CD-891C0463380E}" type="datetimeFigureOut">
               <a:rPr lang="en-US" smtClean="0"/>
-              <a:t>11/9/21</a:t>
+              <a:t>11/16/21</a:t>
             </a:fld>
             <a:endParaRPr lang="en-US"/>
           </a:p>
@@ -3460,10 +3456,14 @@
           <a:lstStyle/>
           <a:p>
             <a:r>
-              <a:rPr lang="en-US" dirty="0" err="1"/>
+              <a:rPr lang="en-US" dirty="0" err="1">
+                <a:latin typeface="Courier" pitchFamily="2" charset="0"/>
+              </a:rPr>
               <a:t>ComponentFixture</a:t>
             </a:r>
-            <a:endParaRPr lang="en-US" dirty="0"/>
+            <a:endParaRPr lang="en-US" dirty="0">
+              <a:latin typeface="Courier" pitchFamily="2" charset="0"/>
+            </a:endParaRPr>
           </a:p>
         </p:txBody>
       </p:sp>
@@ -3493,6 +3493,84 @@
               <a:t>Test harness for interacting with the created component and its corresponding element.</a:t>
             </a:r>
           </a:p>
+          <a:p>
+            <a:r>
+              <a:rPr lang="en-US" dirty="0"/>
+              <a:t>Has a number of functions and properties that are useful for testing:</a:t>
+            </a:r>
+          </a:p>
+          <a:p>
+            <a:pPr lvl="1"/>
+            <a:r>
+              <a:rPr lang="en-US" dirty="0" err="1">
+                <a:latin typeface="Courier" pitchFamily="2" charset="0"/>
+              </a:rPr>
+              <a:t>componentInstance</a:t>
+            </a:r>
+            <a:r>
+              <a:rPr lang="en-US" dirty="0"/>
+              <a:t> property</a:t>
+            </a:r>
+          </a:p>
+          <a:p>
+            <a:pPr lvl="1"/>
+            <a:r>
+              <a:rPr lang="en-US" dirty="0" err="1">
+                <a:latin typeface="Courier" pitchFamily="2" charset="0"/>
+              </a:rPr>
+              <a:t>debugElement</a:t>
+            </a:r>
+            <a:r>
+              <a:rPr lang="en-US" dirty="0"/>
+              <a:t> property</a:t>
+            </a:r>
+          </a:p>
+          <a:p>
+            <a:pPr lvl="1"/>
+            <a:r>
+              <a:rPr lang="en-US" dirty="0" err="1">
+                <a:latin typeface="Courier" pitchFamily="2" charset="0"/>
+              </a:rPr>
+              <a:t>nativeElement</a:t>
+            </a:r>
+            <a:r>
+              <a:rPr lang="en-US" dirty="0"/>
+              <a:t> property</a:t>
+            </a:r>
+          </a:p>
+          <a:p>
+            <a:pPr lvl="1"/>
+            <a:r>
+              <a:rPr lang="en-US" dirty="0" err="1">
+                <a:latin typeface="Courier" pitchFamily="2" charset="0"/>
+              </a:rPr>
+              <a:t>detectChanges</a:t>
+            </a:r>
+            <a:r>
+              <a:rPr lang="en-US" dirty="0">
+                <a:latin typeface="Courier" pitchFamily="2" charset="0"/>
+              </a:rPr>
+              <a:t>()</a:t>
+            </a:r>
+          </a:p>
+          <a:p>
+            <a:pPr lvl="1"/>
+            <a:r>
+              <a:rPr lang="en-US" dirty="0" err="1">
+                <a:latin typeface="Courier" pitchFamily="2" charset="0"/>
+              </a:rPr>
+              <a:t>checkNoChanges</a:t>
+            </a:r>
+            <a:r>
+              <a:rPr lang="en-US" dirty="0">
+                <a:latin typeface="Courier" pitchFamily="2" charset="0"/>
+              </a:rPr>
+              <a:t>()</a:t>
+            </a:r>
+          </a:p>
+          <a:p>
+            <a:endParaRPr lang="en-US" dirty="0"/>
+          </a:p>
         </p:txBody>
       </p:sp>
     </p:spTree>
@@ -3505,6 +3583,292 @@
   <p:clrMapOvr>
     <a:masterClrMapping/>
   </p:clrMapOvr>
+  <p:timing>
+    <p:tnLst>
+      <p:par>
+        <p:cTn id="1" dur="indefinite" restart="never" nodeType="tmRoot">
+          <p:childTnLst>
+            <p:seq concurrent="1" nextAc="seek">
+              <p:cTn id="2" dur="indefinite" nodeType="mainSeq">
+                <p:childTnLst>
+                  <p:par>
+                    <p:cTn id="3" fill="hold">
+                      <p:stCondLst>
+                        <p:cond delay="indefinite"/>
+                      </p:stCondLst>
+                      <p:childTnLst>
+                        <p:par>
+                          <p:cTn id="4" fill="hold">
+                            <p:stCondLst>
+                              <p:cond delay="0"/>
+                            </p:stCondLst>
+                            <p:childTnLst>
+                              <p:par>
+                                <p:cTn id="5" presetID="1" presetClass="entr" presetSubtype="0" fill="hold" grpId="0" nodeType="clickEffect">
+                                  <p:stCondLst>
+                                    <p:cond delay="0"/>
+                                  </p:stCondLst>
+                                  <p:childTnLst>
+                                    <p:set>
+                                      <p:cBhvr>
+                                        <p:cTn id="6" dur="1" fill="hold">
+                                          <p:stCondLst>
+                                            <p:cond delay="0"/>
+                                          </p:stCondLst>
+                                        </p:cTn>
+                                        <p:tgtEl>
+                                          <p:spTgt spid="3">
+                                            <p:txEl>
+                                              <p:pRg st="0" end="0"/>
+                                            </p:txEl>
+                                          </p:spTgt>
+                                        </p:tgtEl>
+                                        <p:attrNameLst>
+                                          <p:attrName>style.visibility</p:attrName>
+                                        </p:attrNameLst>
+                                      </p:cBhvr>
+                                      <p:to>
+                                        <p:strVal val="visible"/>
+                                      </p:to>
+                                    </p:set>
+                                  </p:childTnLst>
+                                </p:cTn>
+                              </p:par>
+                            </p:childTnLst>
+                          </p:cTn>
+                        </p:par>
+                      </p:childTnLst>
+                    </p:cTn>
+                  </p:par>
+                  <p:par>
+                    <p:cTn id="7" fill="hold">
+                      <p:stCondLst>
+                        <p:cond delay="indefinite"/>
+                      </p:stCondLst>
+                      <p:childTnLst>
+                        <p:par>
+                          <p:cTn id="8" fill="hold">
+                            <p:stCondLst>
+                              <p:cond delay="0"/>
+                            </p:stCondLst>
+                            <p:childTnLst>
+                              <p:par>
+                                <p:cTn id="9" presetID="1" presetClass="entr" presetSubtype="0" fill="hold" grpId="0" nodeType="clickEffect">
+                                  <p:stCondLst>
+                                    <p:cond delay="0"/>
+                                  </p:stCondLst>
+                                  <p:childTnLst>
+                                    <p:set>
+                                      <p:cBhvr>
+                                        <p:cTn id="10" dur="1" fill="hold">
+                                          <p:stCondLst>
+                                            <p:cond delay="0"/>
+                                          </p:stCondLst>
+                                        </p:cTn>
+                                        <p:tgtEl>
+                                          <p:spTgt spid="3">
+                                            <p:txEl>
+                                              <p:pRg st="1" end="1"/>
+                                            </p:txEl>
+                                          </p:spTgt>
+                                        </p:tgtEl>
+                                        <p:attrNameLst>
+                                          <p:attrName>style.visibility</p:attrName>
+                                        </p:attrNameLst>
+                                      </p:cBhvr>
+                                      <p:to>
+                                        <p:strVal val="visible"/>
+                                      </p:to>
+                                    </p:set>
+                                  </p:childTnLst>
+                                </p:cTn>
+                              </p:par>
+                              <p:par>
+                                <p:cTn id="11" presetID="1" presetClass="entr" presetSubtype="0" fill="hold" grpId="0" nodeType="withEffect">
+                                  <p:stCondLst>
+                                    <p:cond delay="0"/>
+                                  </p:stCondLst>
+                                  <p:childTnLst>
+                                    <p:set>
+                                      <p:cBhvr>
+                                        <p:cTn id="12" dur="1" fill="hold">
+                                          <p:stCondLst>
+                                            <p:cond delay="0"/>
+                                          </p:stCondLst>
+                                        </p:cTn>
+                                        <p:tgtEl>
+                                          <p:spTgt spid="3">
+                                            <p:txEl>
+                                              <p:pRg st="2" end="2"/>
+                                            </p:txEl>
+                                          </p:spTgt>
+                                        </p:tgtEl>
+                                        <p:attrNameLst>
+                                          <p:attrName>style.visibility</p:attrName>
+                                        </p:attrNameLst>
+                                      </p:cBhvr>
+                                      <p:to>
+                                        <p:strVal val="visible"/>
+                                      </p:to>
+                                    </p:set>
+                                  </p:childTnLst>
+                                </p:cTn>
+                              </p:par>
+                              <p:par>
+                                <p:cTn id="13" presetID="1" presetClass="entr" presetSubtype="0" fill="hold" grpId="0" nodeType="withEffect">
+                                  <p:stCondLst>
+                                    <p:cond delay="0"/>
+                                  </p:stCondLst>
+                                  <p:childTnLst>
+                                    <p:set>
+                                      <p:cBhvr>
+                                        <p:cTn id="14" dur="1" fill="hold">
+                                          <p:stCondLst>
+                                            <p:cond delay="0"/>
+                                          </p:stCondLst>
+                                        </p:cTn>
+                                        <p:tgtEl>
+                                          <p:spTgt spid="3">
+                                            <p:txEl>
+                                              <p:pRg st="3" end="3"/>
+                                            </p:txEl>
+                                          </p:spTgt>
+                                        </p:tgtEl>
+                                        <p:attrNameLst>
+                                          <p:attrName>style.visibility</p:attrName>
+                                        </p:attrNameLst>
+                                      </p:cBhvr>
+                                      <p:to>
+                                        <p:strVal val="visible"/>
+                                      </p:to>
+                                    </p:set>
+                                  </p:childTnLst>
+                                </p:cTn>
+                              </p:par>
+                              <p:par>
+                                <p:cTn id="15" presetID="1" presetClass="entr" presetSubtype="0" fill="hold" grpId="0" nodeType="withEffect">
+                                  <p:stCondLst>
+                                    <p:cond delay="0"/>
+                                  </p:stCondLst>
+                                  <p:childTnLst>
+                                    <p:set>
+                                      <p:cBhvr>
+                                        <p:cTn id="16" dur="1" fill="hold">
+                                          <p:stCondLst>
+                                            <p:cond delay="0"/>
+                                          </p:stCondLst>
+                                        </p:cTn>
+                                        <p:tgtEl>
+                                          <p:spTgt spid="3">
+                                            <p:txEl>
+                                              <p:pRg st="4" end="4"/>
+                                            </p:txEl>
+                                          </p:spTgt>
+                                        </p:tgtEl>
+                                        <p:attrNameLst>
+                                          <p:attrName>style.visibility</p:attrName>
+                                        </p:attrNameLst>
+                                      </p:cBhvr>
+                                      <p:to>
+                                        <p:strVal val="visible"/>
+                                      </p:to>
+                                    </p:set>
+                                  </p:childTnLst>
+                                </p:cTn>
+                              </p:par>
+                              <p:par>
+                                <p:cTn id="17" presetID="1" presetClass="entr" presetSubtype="0" fill="hold" grpId="0" nodeType="withEffect">
+                                  <p:stCondLst>
+                                    <p:cond delay="0"/>
+                                  </p:stCondLst>
+                                  <p:childTnLst>
+                                    <p:set>
+                                      <p:cBhvr>
+                                        <p:cTn id="18" dur="1" fill="hold">
+                                          <p:stCondLst>
+                                            <p:cond delay="0"/>
+                                          </p:stCondLst>
+                                        </p:cTn>
+                                        <p:tgtEl>
+                                          <p:spTgt spid="3">
+                                            <p:txEl>
+                                              <p:pRg st="5" end="5"/>
+                                            </p:txEl>
+                                          </p:spTgt>
+                                        </p:tgtEl>
+                                        <p:attrNameLst>
+                                          <p:attrName>style.visibility</p:attrName>
+                                        </p:attrNameLst>
+                                      </p:cBhvr>
+                                      <p:to>
+                                        <p:strVal val="visible"/>
+                                      </p:to>
+                                    </p:set>
+                                  </p:childTnLst>
+                                </p:cTn>
+                              </p:par>
+                              <p:par>
+                                <p:cTn id="19" presetID="1" presetClass="entr" presetSubtype="0" fill="hold" grpId="0" nodeType="withEffect">
+                                  <p:stCondLst>
+                                    <p:cond delay="0"/>
+                                  </p:stCondLst>
+                                  <p:childTnLst>
+                                    <p:set>
+                                      <p:cBhvr>
+                                        <p:cTn id="20" dur="1" fill="hold">
+                                          <p:stCondLst>
+                                            <p:cond delay="0"/>
+                                          </p:stCondLst>
+                                        </p:cTn>
+                                        <p:tgtEl>
+                                          <p:spTgt spid="3">
+                                            <p:txEl>
+                                              <p:pRg st="6" end="6"/>
+                                            </p:txEl>
+                                          </p:spTgt>
+                                        </p:tgtEl>
+                                        <p:attrNameLst>
+                                          <p:attrName>style.visibility</p:attrName>
+                                        </p:attrNameLst>
+                                      </p:cBhvr>
+                                      <p:to>
+                                        <p:strVal val="visible"/>
+                                      </p:to>
+                                    </p:set>
+                                  </p:childTnLst>
+                                </p:cTn>
+                              </p:par>
+                            </p:childTnLst>
+                          </p:cTn>
+                        </p:par>
+                      </p:childTnLst>
+                    </p:cTn>
+                  </p:par>
+                </p:childTnLst>
+              </p:cTn>
+              <p:prevCondLst>
+                <p:cond evt="onPrev" delay="0">
+                  <p:tgtEl>
+                    <p:sldTgt/>
+                  </p:tgtEl>
+                </p:cond>
+              </p:prevCondLst>
+              <p:nextCondLst>
+                <p:cond evt="onNext" delay="0">
+                  <p:tgtEl>
+                    <p:sldTgt/>
+                  </p:tgtEl>
+                </p:cond>
+              </p:nextCondLst>
+            </p:seq>
+          </p:childTnLst>
+        </p:cTn>
+      </p:par>
+    </p:tnLst>
+    <p:bldLst>
+      <p:bldP spid="3" grpId="0" build="p"/>
+    </p:bldLst>
+  </p:timing>
 </p:sld>
 </file>
 
@@ -3572,7 +3936,7 @@
         <p:spPr/>
         <p:txBody>
           <a:bodyPr>
-            <a:normAutofit/>
+            <a:normAutofit fontScale="85000" lnSpcReduction="20000"/>
           </a:bodyPr>
           <a:lstStyle/>
           <a:p>
@@ -3633,53 +3997,171 @@
             <a:r>
               <a:rPr lang="en-US" sz="2400" b="1" dirty="0" err="1">
                 <a:solidFill>
-                  <a:schemeClr val="accent5">
+                  <a:srgbClr val="7030A0"/>
+                </a:solidFill>
+                <a:latin typeface="Courier" pitchFamily="2" charset="0"/>
+              </a:rPr>
+              <a:t>ComponentFixture</a:t>
+            </a:r>
+            <a:r>
+              <a:rPr lang="en-US" sz="2400" dirty="0">
+                <a:latin typeface="Courier" pitchFamily="2" charset="0"/>
+              </a:rPr>
+              <a:t>&lt;</a:t>
+            </a:r>
+            <a:r>
+              <a:rPr lang="en-US" sz="2400" dirty="0" err="1">
+                <a:latin typeface="Courier" pitchFamily="2" charset="0"/>
+              </a:rPr>
+              <a:t>MyAwesomeComponent</a:t>
+            </a:r>
+            <a:r>
+              <a:rPr lang="en-US" sz="2400" dirty="0">
+                <a:latin typeface="Courier" pitchFamily="2" charset="0"/>
+              </a:rPr>
+              <a:t>&gt;;</a:t>
+            </a:r>
+            <a:br>
+              <a:rPr lang="en-US" sz="2400" dirty="0">
+                <a:latin typeface="Courier" pitchFamily="2" charset="0"/>
+              </a:rPr>
+            </a:br>
+            <a:br>
+              <a:rPr lang="en-US" sz="2400" dirty="0">
+                <a:latin typeface="Courier" pitchFamily="2" charset="0"/>
+              </a:rPr>
+            </a:br>
+            <a:r>
+              <a:rPr lang="en-US" sz="2400" dirty="0" err="1">
+                <a:solidFill>
+                  <a:schemeClr val="accent1">
                     <a:lumMod val="75000"/>
                   </a:schemeClr>
                 </a:solidFill>
                 <a:latin typeface="Courier" pitchFamily="2" charset="0"/>
               </a:rPr>
-              <a:t>ComponentFixture</a:t>
+              <a:t>beforeEach</a:t>
             </a:r>
             <a:r>
               <a:rPr lang="en-US" sz="2400" dirty="0">
                 <a:latin typeface="Courier" pitchFamily="2" charset="0"/>
               </a:rPr>
-              <a:t>&lt;</a:t>
+              <a:t>(</a:t>
             </a:r>
             <a:r>
               <a:rPr lang="en-US" sz="2400" dirty="0" err="1">
                 <a:latin typeface="Courier" pitchFamily="2" charset="0"/>
               </a:rPr>
-              <a:t>MyAwesomeComponent</a:t>
+              <a:t>waitForAsync</a:t>
             </a:r>
             <a:r>
               <a:rPr lang="en-US" sz="2400" dirty="0">
                 <a:latin typeface="Courier" pitchFamily="2" charset="0"/>
               </a:rPr>
-              <a:t>&gt;;</a:t>
+              <a:t>(function() {</a:t>
             </a:r>
             <a:br>
               <a:rPr lang="en-US" sz="2400" dirty="0">
                 <a:latin typeface="Courier" pitchFamily="2" charset="0"/>
               </a:rPr>
             </a:br>
+            <a:r>
+              <a:rPr lang="en-US" sz="2400" dirty="0">
+                <a:latin typeface="Courier" pitchFamily="2" charset="0"/>
+              </a:rPr>
+              <a:t>      </a:t>
+            </a:r>
+            <a:r>
+              <a:rPr lang="en-US" sz="2400" dirty="0" err="1">
+                <a:latin typeface="Courier" pitchFamily="2" charset="0"/>
+              </a:rPr>
+              <a:t>TestBed.configureTestingModule</a:t>
+            </a:r>
+            <a:r>
+              <a:rPr lang="en-US" sz="2400" dirty="0">
+                <a:latin typeface="Courier" pitchFamily="2" charset="0"/>
+              </a:rPr>
+              <a:t>({</a:t>
+            </a:r>
+          </a:p>
+          <a:p>
+            <a:pPr marL="0" indent="0">
+              <a:buNone/>
+            </a:pPr>
+            <a:r>
+              <a:rPr lang="en-US" sz="2400" dirty="0">
+                <a:latin typeface="Courier" pitchFamily="2" charset="0"/>
+              </a:rPr>
+              <a:t>         declarations:[</a:t>
+            </a:r>
+            <a:r>
+              <a:rPr lang="en-US" sz="2400" dirty="0" err="1">
+                <a:latin typeface="Courier" pitchFamily="2" charset="0"/>
+              </a:rPr>
+              <a:t>MyAwesomeComponent</a:t>
+            </a:r>
+            <a:r>
+              <a:rPr lang="en-US" sz="2400" dirty="0">
+                <a:latin typeface="Courier" pitchFamily="2" charset="0"/>
+              </a:rPr>
+              <a:t>],</a:t>
+            </a:r>
             <a:br>
               <a:rPr lang="en-US" sz="2400" dirty="0">
                 <a:latin typeface="Courier" pitchFamily="2" charset="0"/>
               </a:rPr>
             </a:br>
             <a:r>
+              <a:rPr lang="en-US" sz="2400" dirty="0">
+                <a:latin typeface="Courier" pitchFamily="2" charset="0"/>
+              </a:rPr>
+              <a:t>         providers: [</a:t>
+            </a:r>
+            <a:r>
               <a:rPr lang="en-US" sz="2400" dirty="0" err="1">
                 <a:latin typeface="Courier" pitchFamily="2" charset="0"/>
               </a:rPr>
-              <a:t>beforeEach</a:t>
+              <a:t>MyAwesomeService</a:t>
             </a:r>
             <a:r>
               <a:rPr lang="en-US" sz="2400" dirty="0">
                 <a:latin typeface="Courier" pitchFamily="2" charset="0"/>
               </a:rPr>
-              <a:t>(() =&gt; {</a:t>
+              <a:t>]</a:t>
+            </a:r>
+          </a:p>
+          <a:p>
+            <a:pPr marL="0" indent="0">
+              <a:buNone/>
+            </a:pPr>
+            <a:r>
+              <a:rPr lang="en-US" sz="2400" dirty="0">
+                <a:latin typeface="Courier" pitchFamily="2" charset="0"/>
+              </a:rPr>
+              <a:t>      }).</a:t>
+            </a:r>
+            <a:r>
+              <a:rPr lang="en-US" sz="2400" dirty="0" err="1">
+                <a:latin typeface="Courier" pitchFamily="2" charset="0"/>
+              </a:rPr>
+              <a:t>compileComponents</a:t>
+            </a:r>
+            <a:r>
+              <a:rPr lang="en-US" sz="2400" dirty="0">
+                <a:latin typeface="Courier" pitchFamily="2" charset="0"/>
+              </a:rPr>
+              <a:t>();</a:t>
+            </a:r>
+          </a:p>
+          <a:p>
+            <a:pPr marL="0" indent="0">
+              <a:buNone/>
+            </a:pPr>
+            <a:r>
+              <a:rPr lang="en-US" sz="2400" dirty="0">
+                <a:latin typeface="Courier" pitchFamily="2" charset="0"/>
+              </a:rPr>
+              <a:t>   })</a:t>
             </a:r>
             <a:br>
               <a:rPr lang="en-US" sz="2400" dirty="0">
@@ -3690,82 +4172,59 @@
               <a:rPr lang="en-US" sz="2400" dirty="0">
                 <a:latin typeface="Courier" pitchFamily="2" charset="0"/>
               </a:rPr>
-              <a:t>   </a:t>
-            </a:r>
-            <a:r>
-              <a:rPr lang="en-US" sz="2400" dirty="0" err="1">
-                <a:latin typeface="Courier" pitchFamily="2" charset="0"/>
-              </a:rPr>
-              <a:t>TestBed.configureTestingModule</a:t>
-            </a:r>
-            <a:r>
-              <a:rPr lang="en-US" sz="2400" dirty="0">
-                <a:latin typeface="Courier" pitchFamily="2" charset="0"/>
-              </a:rPr>
-              <a:t>({</a:t>
-            </a:r>
+              <a:t>);</a:t>
+            </a:r>
+          </a:p>
+          <a:p>
+            <a:pPr marL="0" indent="0">
+              <a:buNone/>
+            </a:pPr>
             <a:br>
               <a:rPr lang="en-US" sz="2400" dirty="0">
                 <a:latin typeface="Courier" pitchFamily="2" charset="0"/>
               </a:rPr>
             </a:br>
             <a:r>
-              <a:rPr lang="en-US" sz="2400" dirty="0">
-                <a:latin typeface="Courier" pitchFamily="2" charset="0"/>
-              </a:rPr>
-              <a:t>      declarations: [</a:t>
-            </a:r>
-            <a:r>
               <a:rPr lang="en-US" sz="2400" dirty="0" err="1">
-                <a:latin typeface="Courier" pitchFamily="2" charset="0"/>
-              </a:rPr>
-              <a:t>MyAwesomeComponent</a:t>
-            </a:r>
-            <a:r>
-              <a:rPr lang="en-US" sz="2400" dirty="0">
-                <a:latin typeface="Courier" pitchFamily="2" charset="0"/>
-              </a:rPr>
-              <a:t>]</a:t>
-            </a:r>
-            <a:br>
-              <a:rPr lang="en-US" sz="2400" dirty="0">
-                <a:latin typeface="Courier" pitchFamily="2" charset="0"/>
-              </a:rPr>
-            </a:br>
-            <a:r>
-              <a:rPr lang="en-US" sz="2400" dirty="0">
-                <a:latin typeface="Courier" pitchFamily="2" charset="0"/>
-              </a:rPr>
-              <a:t>   }); </a:t>
-            </a:r>
-            <a:br>
-              <a:rPr lang="en-US" sz="2400" dirty="0">
-                <a:latin typeface="Courier" pitchFamily="2" charset="0"/>
-              </a:rPr>
-            </a:br>
-            <a:r>
-              <a:rPr lang="en-US" sz="2400" dirty="0">
-                <a:latin typeface="Courier" pitchFamily="2" charset="0"/>
-              </a:rPr>
-              <a:t>   fixture = </a:t>
-            </a:r>
-            <a:r>
-              <a:rPr lang="en-US" sz="2400" b="1" dirty="0" err="1">
                 <a:solidFill>
-                  <a:schemeClr val="accent5">
+                  <a:schemeClr val="accent1">
                     <a:lumMod val="75000"/>
                   </a:schemeClr>
                 </a:solidFill>
                 <a:latin typeface="Courier" pitchFamily="2" charset="0"/>
               </a:rPr>
+              <a:t>beforeEach</a:t>
+            </a:r>
+            <a:r>
+              <a:rPr lang="en-US" sz="2400" dirty="0">
+                <a:latin typeface="Courier" pitchFamily="2" charset="0"/>
+              </a:rPr>
+              <a:t>(function() {</a:t>
+            </a:r>
+            <a:br>
+              <a:rPr lang="en-US" sz="2400" dirty="0">
+                <a:latin typeface="Courier" pitchFamily="2" charset="0"/>
+              </a:rPr>
+            </a:br>
+            <a:r>
+              <a:rPr lang="en-US" sz="2400" dirty="0">
+                <a:latin typeface="Courier" pitchFamily="2" charset="0"/>
+              </a:rPr>
+              <a:t>   fixture = </a:t>
+            </a:r>
+            <a:r>
+              <a:rPr lang="en-US" sz="2400" b="1" dirty="0" err="1">
+                <a:solidFill>
+                  <a:srgbClr val="7030A0"/>
+                </a:solidFill>
+                <a:latin typeface="Courier" pitchFamily="2" charset="0"/>
+              </a:rPr>
               <a:t>TestBed</a:t>
             </a:r>
             <a:br>
               <a:rPr lang="en-US" sz="2400" b="1" dirty="0">
                 <a:solidFill>
-                  <a:schemeClr val="accent5">
-                    <a:lumMod val="75000"/>
-                  </a:schemeClr>
+                  <a:srgbClr val="7030A0"/>
                 </a:solidFill>
                 <a:latin typeface="Courier" pitchFamily="2" charset="0"/>
               </a:rPr>
@@ -3773,20 +4232,16 @@
             <a:r>
               <a:rPr lang="en-US" sz="2400" b="1" dirty="0">
                 <a:solidFill>
-                  <a:schemeClr val="accent5">
-                    <a:lumMod val="75000"/>
-                  </a:schemeClr>
+                  <a:srgbClr val="7030A0"/>
                 </a:solidFill>
                 <a:latin typeface="Courier" pitchFamily="2" charset="0"/>
               </a:rPr>
-              <a:t>      .</a:t>
+              <a:t>                .</a:t>
             </a:r>
             <a:r>
               <a:rPr lang="en-US" sz="2400" b="1" dirty="0" err="1">
                 <a:solidFill>
-                  <a:schemeClr val="accent5">
-                    <a:lumMod val="75000"/>
-                  </a:schemeClr>
+                  <a:srgbClr val="7030A0"/>
                 </a:solidFill>
                 <a:latin typeface="Courier" pitchFamily="2" charset="0"/>
               </a:rPr>
@@ -3824,9 +4279,7 @@
             <a:r>
               <a:rPr lang="en-US" sz="2400" b="1" dirty="0" err="1">
                 <a:solidFill>
-                  <a:schemeClr val="accent5">
-                    <a:lumMod val="75000"/>
-                  </a:schemeClr>
+                  <a:srgbClr val="7030A0"/>
                 </a:solidFill>
                 <a:latin typeface="Courier" pitchFamily="2" charset="0"/>
               </a:rPr>
@@ -3904,9 +4357,14 @@
           <a:lstStyle/>
           <a:p>
             <a:r>
-              <a:rPr lang="en-US" dirty="0"/>
-              <a:t>Accessing the component’s DOM element</a:t>
-            </a:r>
+              <a:rPr lang="en-US" dirty="0" err="1">
+                <a:latin typeface="Courier" pitchFamily="2" charset="0"/>
+              </a:rPr>
+              <a:t>HTMLElement</a:t>
+            </a:r>
+            <a:endParaRPr lang="en-US" dirty="0">
+              <a:latin typeface="Courier" pitchFamily="2" charset="0"/>
+            </a:endParaRPr>
           </a:p>
         </p:txBody>
       </p:sp>
@@ -4055,6 +4513,168 @@
   <p:clrMapOvr>
     <a:masterClrMapping/>
   </p:clrMapOvr>
+  <p:timing>
+    <p:tnLst>
+      <p:par>
+        <p:cTn id="1" dur="indefinite" restart="never" nodeType="tmRoot">
+          <p:childTnLst>
+            <p:seq concurrent="1" nextAc="seek">
+              <p:cTn id="2" dur="indefinite" nodeType="mainSeq">
+                <p:childTnLst>
+                  <p:par>
+                    <p:cTn id="3" fill="hold">
+                      <p:stCondLst>
+                        <p:cond delay="indefinite"/>
+                      </p:stCondLst>
+                      <p:childTnLst>
+                        <p:par>
+                          <p:cTn id="4" fill="hold">
+                            <p:stCondLst>
+                              <p:cond delay="0"/>
+                            </p:stCondLst>
+                            <p:childTnLst>
+                              <p:par>
+                                <p:cTn id="5" presetID="1" presetClass="entr" presetSubtype="0" fill="hold" grpId="0" nodeType="clickEffect">
+                                  <p:stCondLst>
+                                    <p:cond delay="0"/>
+                                  </p:stCondLst>
+                                  <p:childTnLst>
+                                    <p:set>
+                                      <p:cBhvr>
+                                        <p:cTn id="6" dur="1" fill="hold">
+                                          <p:stCondLst>
+                                            <p:cond delay="0"/>
+                                          </p:stCondLst>
+                                        </p:cTn>
+                                        <p:tgtEl>
+                                          <p:spTgt spid="3">
+                                            <p:txEl>
+                                              <p:pRg st="0" end="0"/>
+                                            </p:txEl>
+                                          </p:spTgt>
+                                        </p:tgtEl>
+                                        <p:attrNameLst>
+                                          <p:attrName>style.visibility</p:attrName>
+                                        </p:attrNameLst>
+                                      </p:cBhvr>
+                                      <p:to>
+                                        <p:strVal val="visible"/>
+                                      </p:to>
+                                    </p:set>
+                                  </p:childTnLst>
+                                </p:cTn>
+                              </p:par>
+                              <p:par>
+                                <p:cTn id="7" presetID="1" presetClass="entr" presetSubtype="0" fill="hold" grpId="0" nodeType="withEffect">
+                                  <p:stCondLst>
+                                    <p:cond delay="0"/>
+                                  </p:stCondLst>
+                                  <p:childTnLst>
+                                    <p:set>
+                                      <p:cBhvr>
+                                        <p:cTn id="8" dur="1" fill="hold">
+                                          <p:stCondLst>
+                                            <p:cond delay="0"/>
+                                          </p:stCondLst>
+                                        </p:cTn>
+                                        <p:tgtEl>
+                                          <p:spTgt spid="3">
+                                            <p:txEl>
+                                              <p:pRg st="1" end="1"/>
+                                            </p:txEl>
+                                          </p:spTgt>
+                                        </p:tgtEl>
+                                        <p:attrNameLst>
+                                          <p:attrName>style.visibility</p:attrName>
+                                        </p:attrNameLst>
+                                      </p:cBhvr>
+                                      <p:to>
+                                        <p:strVal val="visible"/>
+                                      </p:to>
+                                    </p:set>
+                                  </p:childTnLst>
+                                </p:cTn>
+                              </p:par>
+                            </p:childTnLst>
+                          </p:cTn>
+                        </p:par>
+                      </p:childTnLst>
+                    </p:cTn>
+                  </p:par>
+                  <p:par>
+                    <p:cTn id="9" fill="hold">
+                      <p:stCondLst>
+                        <p:cond delay="indefinite"/>
+                      </p:stCondLst>
+                      <p:childTnLst>
+                        <p:par>
+                          <p:cTn id="10" fill="hold">
+                            <p:stCondLst>
+                              <p:cond delay="0"/>
+                            </p:stCondLst>
+                            <p:childTnLst>
+                              <p:par>
+                                <p:cTn id="11" presetID="1" presetClass="entr" presetSubtype="0" fill="hold" grpId="0" nodeType="clickEffect">
+                                  <p:stCondLst>
+                                    <p:cond delay="0"/>
+                                  </p:stCondLst>
+                                  <p:childTnLst>
+                                    <p:set>
+                                      <p:cBhvr>
+                                        <p:cTn id="12" dur="1" fill="hold">
+                                          <p:stCondLst>
+                                            <p:cond delay="0"/>
+                                          </p:stCondLst>
+                                        </p:cTn>
+                                        <p:tgtEl>
+                                          <p:spTgt spid="3">
+                                            <p:txEl>
+                                              <p:pRg st="2" end="2"/>
+                                            </p:txEl>
+                                          </p:spTgt>
+                                        </p:tgtEl>
+                                        <p:attrNameLst>
+                                          <p:attrName>style.visibility</p:attrName>
+                                        </p:attrNameLst>
+                                      </p:cBhvr>
+                                      <p:to>
+                                        <p:strVal val="visible"/>
+                                      </p:to>
+                                    </p:set>
+                                  </p:childTnLst>
+                                </p:cTn>
+                              </p:par>
+                            </p:childTnLst>
+                          </p:cTn>
+                        </p:par>
+                      </p:childTnLst>
+                    </p:cTn>
+                  </p:par>
+                </p:childTnLst>
+              </p:cTn>
+              <p:prevCondLst>
+                <p:cond evt="onPrev" delay="0">
+                  <p:tgtEl>
+                    <p:sldTgt/>
+                  </p:tgtEl>
+                </p:cond>
+              </p:prevCondLst>
+              <p:nextCondLst>
+                <p:cond evt="onNext" delay="0">
+                  <p:tgtEl>
+                    <p:sldTgt/>
+                  </p:tgtEl>
+                </p:cond>
+              </p:nextCondLst>
+            </p:seq>
+          </p:childTnLst>
+        </p:cTn>
+      </p:par>
+    </p:tnLst>
+    <p:bldLst>
+      <p:bldP spid="3" grpId="0" build="p"/>
+    </p:bldLst>
+  </p:timing>
 </p:sld>
 </file>
 
@@ -4097,10 +4717,14 @@
           <a:lstStyle/>
           <a:p>
             <a:r>
-              <a:rPr lang="en-US" dirty="0" err="1"/>
+              <a:rPr lang="en-US" dirty="0" err="1">
+                <a:latin typeface="Courier" pitchFamily="2" charset="0"/>
+              </a:rPr>
               <a:t>DebugElement</a:t>
             </a:r>
-            <a:endParaRPr lang="en-US" dirty="0"/>
+            <a:endParaRPr lang="en-US" dirty="0">
+              <a:latin typeface="Courier" pitchFamily="2" charset="0"/>
+            </a:endParaRPr>
           </a:p>
         </p:txBody>
       </p:sp>
@@ -4232,6 +4856,199 @@
   <p:clrMapOvr>
     <a:masterClrMapping/>
   </p:clrMapOvr>
+  <p:timing>
+    <p:tnLst>
+      <p:par>
+        <p:cTn id="1" dur="indefinite" restart="never" nodeType="tmRoot">
+          <p:childTnLst>
+            <p:seq concurrent="1" nextAc="seek">
+              <p:cTn id="2" dur="indefinite" nodeType="mainSeq">
+                <p:childTnLst>
+                  <p:par>
+                    <p:cTn id="3" fill="hold">
+                      <p:stCondLst>
+                        <p:cond delay="indefinite"/>
+                      </p:stCondLst>
+                      <p:childTnLst>
+                        <p:par>
+                          <p:cTn id="4" fill="hold">
+                            <p:stCondLst>
+                              <p:cond delay="0"/>
+                            </p:stCondLst>
+                            <p:childTnLst>
+                              <p:par>
+                                <p:cTn id="5" presetID="1" presetClass="entr" presetSubtype="0" fill="hold" grpId="0" nodeType="clickEffect">
+                                  <p:stCondLst>
+                                    <p:cond delay="0"/>
+                                  </p:stCondLst>
+                                  <p:childTnLst>
+                                    <p:set>
+                                      <p:cBhvr>
+                                        <p:cTn id="6" dur="1" fill="hold">
+                                          <p:stCondLst>
+                                            <p:cond delay="0"/>
+                                          </p:stCondLst>
+                                        </p:cTn>
+                                        <p:tgtEl>
+                                          <p:spTgt spid="3">
+                                            <p:txEl>
+                                              <p:pRg st="0" end="0"/>
+                                            </p:txEl>
+                                          </p:spTgt>
+                                        </p:tgtEl>
+                                        <p:attrNameLst>
+                                          <p:attrName>style.visibility</p:attrName>
+                                        </p:attrNameLst>
+                                      </p:cBhvr>
+                                      <p:to>
+                                        <p:strVal val="visible"/>
+                                      </p:to>
+                                    </p:set>
+                                  </p:childTnLst>
+                                </p:cTn>
+                              </p:par>
+                            </p:childTnLst>
+                          </p:cTn>
+                        </p:par>
+                      </p:childTnLst>
+                    </p:cTn>
+                  </p:par>
+                  <p:par>
+                    <p:cTn id="7" fill="hold">
+                      <p:stCondLst>
+                        <p:cond delay="indefinite"/>
+                      </p:stCondLst>
+                      <p:childTnLst>
+                        <p:par>
+                          <p:cTn id="8" fill="hold">
+                            <p:stCondLst>
+                              <p:cond delay="0"/>
+                            </p:stCondLst>
+                            <p:childTnLst>
+                              <p:par>
+                                <p:cTn id="9" presetID="1" presetClass="entr" presetSubtype="0" fill="hold" grpId="0" nodeType="clickEffect">
+                                  <p:stCondLst>
+                                    <p:cond delay="0"/>
+                                  </p:stCondLst>
+                                  <p:childTnLst>
+                                    <p:set>
+                                      <p:cBhvr>
+                                        <p:cTn id="10" dur="1" fill="hold">
+                                          <p:stCondLst>
+                                            <p:cond delay="0"/>
+                                          </p:stCondLst>
+                                        </p:cTn>
+                                        <p:tgtEl>
+                                          <p:spTgt spid="3">
+                                            <p:txEl>
+                                              <p:pRg st="1" end="1"/>
+                                            </p:txEl>
+                                          </p:spTgt>
+                                        </p:tgtEl>
+                                        <p:attrNameLst>
+                                          <p:attrName>style.visibility</p:attrName>
+                                        </p:attrNameLst>
+                                      </p:cBhvr>
+                                      <p:to>
+                                        <p:strVal val="visible"/>
+                                      </p:to>
+                                    </p:set>
+                                  </p:childTnLst>
+                                </p:cTn>
+                              </p:par>
+                              <p:par>
+                                <p:cTn id="11" presetID="1" presetClass="entr" presetSubtype="0" fill="hold" grpId="0" nodeType="withEffect">
+                                  <p:stCondLst>
+                                    <p:cond delay="0"/>
+                                  </p:stCondLst>
+                                  <p:childTnLst>
+                                    <p:set>
+                                      <p:cBhvr>
+                                        <p:cTn id="12" dur="1" fill="hold">
+                                          <p:stCondLst>
+                                            <p:cond delay="0"/>
+                                          </p:stCondLst>
+                                        </p:cTn>
+                                        <p:tgtEl>
+                                          <p:spTgt spid="3">
+                                            <p:txEl>
+                                              <p:pRg st="2" end="2"/>
+                                            </p:txEl>
+                                          </p:spTgt>
+                                        </p:tgtEl>
+                                        <p:attrNameLst>
+                                          <p:attrName>style.visibility</p:attrName>
+                                        </p:attrNameLst>
+                                      </p:cBhvr>
+                                      <p:to>
+                                        <p:strVal val="visible"/>
+                                      </p:to>
+                                    </p:set>
+                                  </p:childTnLst>
+                                </p:cTn>
+                              </p:par>
+                              <p:par>
+                                <p:cTn id="13" presetID="1" presetClass="entr" presetSubtype="0" fill="hold" grpId="0" nodeType="withEffect">
+                                  <p:stCondLst>
+                                    <p:cond delay="0"/>
+                                  </p:stCondLst>
+                                  <p:childTnLst>
+                                    <p:set>
+                                      <p:cBhvr>
+                                        <p:cTn id="14" dur="1" fill="hold">
+                                          <p:stCondLst>
+                                            <p:cond delay="0"/>
+                                          </p:stCondLst>
+                                        </p:cTn>
+                                        <p:tgtEl>
+                                          <p:spTgt spid="3">
+                                            <p:txEl>
+                                              <p:pRg st="3" end="3"/>
+                                            </p:txEl>
+                                          </p:spTgt>
+                                        </p:tgtEl>
+                                        <p:attrNameLst>
+                                          <p:attrName>style.visibility</p:attrName>
+                                        </p:attrNameLst>
+                                      </p:cBhvr>
+                                      <p:to>
+                                        <p:strVal val="visible"/>
+                                      </p:to>
+                                    </p:set>
+                                  </p:childTnLst>
+                                </p:cTn>
+                              </p:par>
+                            </p:childTnLst>
+                          </p:cTn>
+                        </p:par>
+                      </p:childTnLst>
+                    </p:cTn>
+                  </p:par>
+                </p:childTnLst>
+              </p:cTn>
+              <p:prevCondLst>
+                <p:cond evt="onPrev" delay="0">
+                  <p:tgtEl>
+                    <p:sldTgt/>
+                  </p:tgtEl>
+                </p:cond>
+              </p:prevCondLst>
+              <p:nextCondLst>
+                <p:cond evt="onNext" delay="0">
+                  <p:tgtEl>
+                    <p:sldTgt/>
+                  </p:tgtEl>
+                </p:cond>
+              </p:nextCondLst>
+            </p:seq>
+          </p:childTnLst>
+        </p:cTn>
+      </p:par>
+    </p:tnLst>
+    <p:bldLst>
+      <p:bldP spid="3" grpId="0" build="p"/>
+    </p:bldLst>
+  </p:timing>
 </p:sld>
 </file>
 
@@ -4365,7 +5182,7 @@
               <a:rPr lang="en-US" dirty="0">
                 <a:latin typeface="Courier" pitchFamily="2" charset="0"/>
               </a:rPr>
-              <a:t>import { By } from '@angular/platform-browser’;</a:t>
+              <a:t>import { By } from '@angular/platform-browser';</a:t>
             </a:r>
           </a:p>
           <a:p>
@@ -4446,6 +5263,310 @@
   <p:clrMapOvr>
     <a:masterClrMapping/>
   </p:clrMapOvr>
+  <p:timing>
+    <p:tnLst>
+      <p:par>
+        <p:cTn id="1" dur="indefinite" restart="never" nodeType="tmRoot">
+          <p:childTnLst>
+            <p:seq concurrent="1" nextAc="seek">
+              <p:cTn id="2" dur="indefinite" nodeType="mainSeq">
+                <p:childTnLst>
+                  <p:par>
+                    <p:cTn id="3" fill="hold">
+                      <p:stCondLst>
+                        <p:cond delay="indefinite"/>
+                      </p:stCondLst>
+                      <p:childTnLst>
+                        <p:par>
+                          <p:cTn id="4" fill="hold">
+                            <p:stCondLst>
+                              <p:cond delay="0"/>
+                            </p:stCondLst>
+                            <p:childTnLst>
+                              <p:par>
+                                <p:cTn id="5" presetID="1" presetClass="entr" presetSubtype="0" fill="hold" grpId="0" nodeType="clickEffect">
+                                  <p:stCondLst>
+                                    <p:cond delay="0"/>
+                                  </p:stCondLst>
+                                  <p:childTnLst>
+                                    <p:set>
+                                      <p:cBhvr>
+                                        <p:cTn id="6" dur="1" fill="hold">
+                                          <p:stCondLst>
+                                            <p:cond delay="0"/>
+                                          </p:stCondLst>
+                                        </p:cTn>
+                                        <p:tgtEl>
+                                          <p:spTgt spid="3">
+                                            <p:txEl>
+                                              <p:pRg st="0" end="0"/>
+                                            </p:txEl>
+                                          </p:spTgt>
+                                        </p:tgtEl>
+                                        <p:attrNameLst>
+                                          <p:attrName>style.visibility</p:attrName>
+                                        </p:attrNameLst>
+                                      </p:cBhvr>
+                                      <p:to>
+                                        <p:strVal val="visible"/>
+                                      </p:to>
+                                    </p:set>
+                                  </p:childTnLst>
+                                </p:cTn>
+                              </p:par>
+                              <p:par>
+                                <p:cTn id="7" presetID="1" presetClass="entr" presetSubtype="0" fill="hold" grpId="0" nodeType="withEffect">
+                                  <p:stCondLst>
+                                    <p:cond delay="0"/>
+                                  </p:stCondLst>
+                                  <p:childTnLst>
+                                    <p:set>
+                                      <p:cBhvr>
+                                        <p:cTn id="8" dur="1" fill="hold">
+                                          <p:stCondLst>
+                                            <p:cond delay="0"/>
+                                          </p:stCondLst>
+                                        </p:cTn>
+                                        <p:tgtEl>
+                                          <p:spTgt spid="3">
+                                            <p:txEl>
+                                              <p:pRg st="1" end="1"/>
+                                            </p:txEl>
+                                          </p:spTgt>
+                                        </p:tgtEl>
+                                        <p:attrNameLst>
+                                          <p:attrName>style.visibility</p:attrName>
+                                        </p:attrNameLst>
+                                      </p:cBhvr>
+                                      <p:to>
+                                        <p:strVal val="visible"/>
+                                      </p:to>
+                                    </p:set>
+                                  </p:childTnLst>
+                                </p:cTn>
+                              </p:par>
+                            </p:childTnLst>
+                          </p:cTn>
+                        </p:par>
+                      </p:childTnLst>
+                    </p:cTn>
+                  </p:par>
+                  <p:par>
+                    <p:cTn id="9" fill="hold">
+                      <p:stCondLst>
+                        <p:cond delay="indefinite"/>
+                      </p:stCondLst>
+                      <p:childTnLst>
+                        <p:par>
+                          <p:cTn id="10" fill="hold">
+                            <p:stCondLst>
+                              <p:cond delay="0"/>
+                            </p:stCondLst>
+                            <p:childTnLst>
+                              <p:par>
+                                <p:cTn id="11" presetID="1" presetClass="entr" presetSubtype="0" fill="hold" grpId="0" nodeType="clickEffect">
+                                  <p:stCondLst>
+                                    <p:cond delay="0"/>
+                                  </p:stCondLst>
+                                  <p:childTnLst>
+                                    <p:set>
+                                      <p:cBhvr>
+                                        <p:cTn id="12" dur="1" fill="hold">
+                                          <p:stCondLst>
+                                            <p:cond delay="0"/>
+                                          </p:stCondLst>
+                                        </p:cTn>
+                                        <p:tgtEl>
+                                          <p:spTgt spid="3">
+                                            <p:txEl>
+                                              <p:pRg st="2" end="2"/>
+                                            </p:txEl>
+                                          </p:spTgt>
+                                        </p:tgtEl>
+                                        <p:attrNameLst>
+                                          <p:attrName>style.visibility</p:attrName>
+                                        </p:attrNameLst>
+                                      </p:cBhvr>
+                                      <p:to>
+                                        <p:strVal val="visible"/>
+                                      </p:to>
+                                    </p:set>
+                                  </p:childTnLst>
+                                </p:cTn>
+                              </p:par>
+                              <p:par>
+                                <p:cTn id="13" presetID="1" presetClass="entr" presetSubtype="0" fill="hold" grpId="0" nodeType="withEffect">
+                                  <p:stCondLst>
+                                    <p:cond delay="0"/>
+                                  </p:stCondLst>
+                                  <p:childTnLst>
+                                    <p:set>
+                                      <p:cBhvr>
+                                        <p:cTn id="14" dur="1" fill="hold">
+                                          <p:stCondLst>
+                                            <p:cond delay="0"/>
+                                          </p:stCondLst>
+                                        </p:cTn>
+                                        <p:tgtEl>
+                                          <p:spTgt spid="3">
+                                            <p:txEl>
+                                              <p:pRg st="3" end="3"/>
+                                            </p:txEl>
+                                          </p:spTgt>
+                                        </p:tgtEl>
+                                        <p:attrNameLst>
+                                          <p:attrName>style.visibility</p:attrName>
+                                        </p:attrNameLst>
+                                      </p:cBhvr>
+                                      <p:to>
+                                        <p:strVal val="visible"/>
+                                      </p:to>
+                                    </p:set>
+                                  </p:childTnLst>
+                                </p:cTn>
+                              </p:par>
+                            </p:childTnLst>
+                          </p:cTn>
+                        </p:par>
+                      </p:childTnLst>
+                    </p:cTn>
+                  </p:par>
+                  <p:par>
+                    <p:cTn id="15" fill="hold">
+                      <p:stCondLst>
+                        <p:cond delay="indefinite"/>
+                      </p:stCondLst>
+                      <p:childTnLst>
+                        <p:par>
+                          <p:cTn id="16" fill="hold">
+                            <p:stCondLst>
+                              <p:cond delay="0"/>
+                            </p:stCondLst>
+                            <p:childTnLst>
+                              <p:par>
+                                <p:cTn id="17" presetID="1" presetClass="entr" presetSubtype="0" fill="hold" grpId="0" nodeType="clickEffect">
+                                  <p:stCondLst>
+                                    <p:cond delay="0"/>
+                                  </p:stCondLst>
+                                  <p:childTnLst>
+                                    <p:set>
+                                      <p:cBhvr>
+                                        <p:cTn id="18" dur="1" fill="hold">
+                                          <p:stCondLst>
+                                            <p:cond delay="0"/>
+                                          </p:stCondLst>
+                                        </p:cTn>
+                                        <p:tgtEl>
+                                          <p:spTgt spid="3">
+                                            <p:txEl>
+                                              <p:pRg st="4" end="4"/>
+                                            </p:txEl>
+                                          </p:spTgt>
+                                        </p:tgtEl>
+                                        <p:attrNameLst>
+                                          <p:attrName>style.visibility</p:attrName>
+                                        </p:attrNameLst>
+                                      </p:cBhvr>
+                                      <p:to>
+                                        <p:strVal val="visible"/>
+                                      </p:to>
+                                    </p:set>
+                                  </p:childTnLst>
+                                </p:cTn>
+                              </p:par>
+                              <p:par>
+                                <p:cTn id="19" presetID="1" presetClass="entr" presetSubtype="0" fill="hold" grpId="0" nodeType="withEffect">
+                                  <p:stCondLst>
+                                    <p:cond delay="0"/>
+                                  </p:stCondLst>
+                                  <p:childTnLst>
+                                    <p:set>
+                                      <p:cBhvr>
+                                        <p:cTn id="20" dur="1" fill="hold">
+                                          <p:stCondLst>
+                                            <p:cond delay="0"/>
+                                          </p:stCondLst>
+                                        </p:cTn>
+                                        <p:tgtEl>
+                                          <p:spTgt spid="3">
+                                            <p:txEl>
+                                              <p:pRg st="5" end="5"/>
+                                            </p:txEl>
+                                          </p:spTgt>
+                                        </p:tgtEl>
+                                        <p:attrNameLst>
+                                          <p:attrName>style.visibility</p:attrName>
+                                        </p:attrNameLst>
+                                      </p:cBhvr>
+                                      <p:to>
+                                        <p:strVal val="visible"/>
+                                      </p:to>
+                                    </p:set>
+                                  </p:childTnLst>
+                                </p:cTn>
+                              </p:par>
+                              <p:par>
+                                <p:cTn id="21" presetID="1" presetClass="entr" presetSubtype="0" fill="hold" grpId="0" nodeType="withEffect">
+                                  <p:stCondLst>
+                                    <p:cond delay="0"/>
+                                  </p:stCondLst>
+                                  <p:childTnLst>
+                                    <p:set>
+                                      <p:cBhvr>
+                                        <p:cTn id="22" dur="1" fill="hold">
+                                          <p:stCondLst>
+                                            <p:cond delay="0"/>
+                                          </p:stCondLst>
+                                        </p:cTn>
+                                        <p:tgtEl>
+                                          <p:spTgt spid="3">
+                                            <p:txEl>
+                                              <p:pRg st="6" end="6"/>
+                                            </p:txEl>
+                                          </p:spTgt>
+                                        </p:tgtEl>
+                                        <p:attrNameLst>
+                                          <p:attrName>style.visibility</p:attrName>
+                                        </p:attrNameLst>
+                                      </p:cBhvr>
+                                      <p:to>
+                                        <p:strVal val="visible"/>
+                                      </p:to>
+                                    </p:set>
+                                  </p:childTnLst>
+                                </p:cTn>
+                              </p:par>
+                            </p:childTnLst>
+                          </p:cTn>
+                        </p:par>
+                      </p:childTnLst>
+                    </p:cTn>
+                  </p:par>
+                </p:childTnLst>
+              </p:cTn>
+              <p:prevCondLst>
+                <p:cond evt="onPrev" delay="0">
+                  <p:tgtEl>
+                    <p:sldTgt/>
+                  </p:tgtEl>
+                </p:cond>
+              </p:prevCondLst>
+              <p:nextCondLst>
+                <p:cond evt="onNext" delay="0">
+                  <p:tgtEl>
+                    <p:sldTgt/>
+                  </p:tgtEl>
+                </p:cond>
+              </p:nextCondLst>
+            </p:seq>
+          </p:childTnLst>
+        </p:cTn>
+      </p:par>
+    </p:tnLst>
+    <p:bldLst>
+      <p:bldP spid="3" grpId="0" build="p"/>
+    </p:bldLst>
+  </p:timing>
 </p:sld>
 </file>
 
@@ -4613,6 +5734,248 @@
   <p:clrMapOvr>
     <a:masterClrMapping/>
   </p:clrMapOvr>
+  <p:timing>
+    <p:tnLst>
+      <p:par>
+        <p:cTn id="1" dur="indefinite" restart="never" nodeType="tmRoot">
+          <p:childTnLst>
+            <p:seq concurrent="1" nextAc="seek">
+              <p:cTn id="2" dur="indefinite" nodeType="mainSeq">
+                <p:childTnLst>
+                  <p:par>
+                    <p:cTn id="3" fill="hold">
+                      <p:stCondLst>
+                        <p:cond delay="indefinite"/>
+                      </p:stCondLst>
+                      <p:childTnLst>
+                        <p:par>
+                          <p:cTn id="4" fill="hold">
+                            <p:stCondLst>
+                              <p:cond delay="0"/>
+                            </p:stCondLst>
+                            <p:childTnLst>
+                              <p:par>
+                                <p:cTn id="5" presetID="1" presetClass="entr" presetSubtype="0" fill="hold" grpId="0" nodeType="clickEffect">
+                                  <p:stCondLst>
+                                    <p:cond delay="0"/>
+                                  </p:stCondLst>
+                                  <p:childTnLst>
+                                    <p:set>
+                                      <p:cBhvr>
+                                        <p:cTn id="6" dur="1" fill="hold">
+                                          <p:stCondLst>
+                                            <p:cond delay="0"/>
+                                          </p:stCondLst>
+                                        </p:cTn>
+                                        <p:tgtEl>
+                                          <p:spTgt spid="3">
+                                            <p:txEl>
+                                              <p:pRg st="0" end="0"/>
+                                            </p:txEl>
+                                          </p:spTgt>
+                                        </p:tgtEl>
+                                        <p:attrNameLst>
+                                          <p:attrName>style.visibility</p:attrName>
+                                        </p:attrNameLst>
+                                      </p:cBhvr>
+                                      <p:to>
+                                        <p:strVal val="visible"/>
+                                      </p:to>
+                                    </p:set>
+                                  </p:childTnLst>
+                                </p:cTn>
+                              </p:par>
+                              <p:par>
+                                <p:cTn id="7" presetID="1" presetClass="entr" presetSubtype="0" fill="hold" grpId="0" nodeType="withEffect">
+                                  <p:stCondLst>
+                                    <p:cond delay="0"/>
+                                  </p:stCondLst>
+                                  <p:childTnLst>
+                                    <p:set>
+                                      <p:cBhvr>
+                                        <p:cTn id="8" dur="1" fill="hold">
+                                          <p:stCondLst>
+                                            <p:cond delay="0"/>
+                                          </p:stCondLst>
+                                        </p:cTn>
+                                        <p:tgtEl>
+                                          <p:spTgt spid="3">
+                                            <p:txEl>
+                                              <p:pRg st="1" end="1"/>
+                                            </p:txEl>
+                                          </p:spTgt>
+                                        </p:tgtEl>
+                                        <p:attrNameLst>
+                                          <p:attrName>style.visibility</p:attrName>
+                                        </p:attrNameLst>
+                                      </p:cBhvr>
+                                      <p:to>
+                                        <p:strVal val="visible"/>
+                                      </p:to>
+                                    </p:set>
+                                  </p:childTnLst>
+                                </p:cTn>
+                              </p:par>
+                            </p:childTnLst>
+                          </p:cTn>
+                        </p:par>
+                      </p:childTnLst>
+                    </p:cTn>
+                  </p:par>
+                  <p:par>
+                    <p:cTn id="9" fill="hold">
+                      <p:stCondLst>
+                        <p:cond delay="indefinite"/>
+                      </p:stCondLst>
+                      <p:childTnLst>
+                        <p:par>
+                          <p:cTn id="10" fill="hold">
+                            <p:stCondLst>
+                              <p:cond delay="0"/>
+                            </p:stCondLst>
+                            <p:childTnLst>
+                              <p:par>
+                                <p:cTn id="11" presetID="1" presetClass="entr" presetSubtype="0" fill="hold" grpId="0" nodeType="clickEffect">
+                                  <p:stCondLst>
+                                    <p:cond delay="0"/>
+                                  </p:stCondLst>
+                                  <p:childTnLst>
+                                    <p:set>
+                                      <p:cBhvr>
+                                        <p:cTn id="12" dur="1" fill="hold">
+                                          <p:stCondLst>
+                                            <p:cond delay="0"/>
+                                          </p:stCondLst>
+                                        </p:cTn>
+                                        <p:tgtEl>
+                                          <p:spTgt spid="3">
+                                            <p:txEl>
+                                              <p:pRg st="2" end="2"/>
+                                            </p:txEl>
+                                          </p:spTgt>
+                                        </p:tgtEl>
+                                        <p:attrNameLst>
+                                          <p:attrName>style.visibility</p:attrName>
+                                        </p:attrNameLst>
+                                      </p:cBhvr>
+                                      <p:to>
+                                        <p:strVal val="visible"/>
+                                      </p:to>
+                                    </p:set>
+                                  </p:childTnLst>
+                                </p:cTn>
+                              </p:par>
+                            </p:childTnLst>
+                          </p:cTn>
+                        </p:par>
+                      </p:childTnLst>
+                    </p:cTn>
+                  </p:par>
+                  <p:par>
+                    <p:cTn id="13" fill="hold">
+                      <p:stCondLst>
+                        <p:cond delay="indefinite"/>
+                      </p:stCondLst>
+                      <p:childTnLst>
+                        <p:par>
+                          <p:cTn id="14" fill="hold">
+                            <p:stCondLst>
+                              <p:cond delay="0"/>
+                            </p:stCondLst>
+                            <p:childTnLst>
+                              <p:par>
+                                <p:cTn id="15" presetID="1" presetClass="entr" presetSubtype="0" fill="hold" grpId="0" nodeType="clickEffect">
+                                  <p:stCondLst>
+                                    <p:cond delay="0"/>
+                                  </p:stCondLst>
+                                  <p:childTnLst>
+                                    <p:set>
+                                      <p:cBhvr>
+                                        <p:cTn id="16" dur="1" fill="hold">
+                                          <p:stCondLst>
+                                            <p:cond delay="0"/>
+                                          </p:stCondLst>
+                                        </p:cTn>
+                                        <p:tgtEl>
+                                          <p:spTgt spid="3">
+                                            <p:txEl>
+                                              <p:pRg st="3" end="3"/>
+                                            </p:txEl>
+                                          </p:spTgt>
+                                        </p:tgtEl>
+                                        <p:attrNameLst>
+                                          <p:attrName>style.visibility</p:attrName>
+                                        </p:attrNameLst>
+                                      </p:cBhvr>
+                                      <p:to>
+                                        <p:strVal val="visible"/>
+                                      </p:to>
+                                    </p:set>
+                                  </p:childTnLst>
+                                </p:cTn>
+                              </p:par>
+                              <p:par>
+                                <p:cTn id="17" presetID="1" presetClass="entr" presetSubtype="0" fill="hold" grpId="0" nodeType="withEffect">
+                                  <p:stCondLst>
+                                    <p:cond delay="0"/>
+                                  </p:stCondLst>
+                                  <p:childTnLst>
+                                    <p:set>
+                                      <p:cBhvr>
+                                        <p:cTn id="18" dur="1" fill="hold">
+                                          <p:stCondLst>
+                                            <p:cond delay="0"/>
+                                          </p:stCondLst>
+                                        </p:cTn>
+                                        <p:tgtEl>
+                                          <p:spTgt spid="3">
+                                            <p:txEl>
+                                              <p:pRg st="4" end="4"/>
+                                            </p:txEl>
+                                          </p:spTgt>
+                                        </p:tgtEl>
+                                        <p:attrNameLst>
+                                          <p:attrName>style.visibility</p:attrName>
+                                        </p:attrNameLst>
+                                      </p:cBhvr>
+                                      <p:to>
+                                        <p:strVal val="visible"/>
+                                      </p:to>
+                                    </p:set>
+                                  </p:childTnLst>
+                                </p:cTn>
+                              </p:par>
+                            </p:childTnLst>
+                          </p:cTn>
+                        </p:par>
+                      </p:childTnLst>
+                    </p:cTn>
+                  </p:par>
+                </p:childTnLst>
+              </p:cTn>
+              <p:prevCondLst>
+                <p:cond evt="onPrev" delay="0">
+                  <p:tgtEl>
+                    <p:sldTgt/>
+                  </p:tgtEl>
+                </p:cond>
+              </p:prevCondLst>
+              <p:nextCondLst>
+                <p:cond evt="onNext" delay="0">
+                  <p:tgtEl>
+                    <p:sldTgt/>
+                  </p:tgtEl>
+                </p:cond>
+              </p:nextCondLst>
+            </p:seq>
+          </p:childTnLst>
+        </p:cTn>
+      </p:par>
+    </p:tnLst>
+    <p:bldLst>
+      <p:bldP spid="3" grpId="0" build="p"/>
+    </p:bldLst>
+  </p:timing>
 </p:sld>
 </file>
 
@@ -4679,260 +6042,107 @@
           <a:bodyPr/>
           <a:lstStyle/>
           <a:p>
-            <a:endParaRPr lang="en-US"/>
+            <a:endParaRPr lang="en-US" dirty="0"/>
           </a:p>
         </p:txBody>
       </p:sp>
     </p:spTree>
     <p:extLst>
       <p:ext uri="{BB962C8B-B14F-4D97-AF65-F5344CB8AC3E}">
-        <p14:creationId xmlns:p14="http://schemas.microsoft.com/office/powerpoint/2010/main" val="181106652"/>
+        <p14:creationId xmlns:p14="http://schemas.microsoft.com/office/powerpoint/2010/main" val="2895332702"/>
       </p:ext>
     </p:extLst>
   </p:cSld>
   <p:clrMapOvr>
     <a:masterClrMapping/>
   </p:clrMapOvr>
-</p:sld>
-</file>
-
-<file path=ppt/slides/slide17.xml><?xml version="1.0" encoding="utf-8"?>
-<p:sld xmlns:a="http://schemas.openxmlformats.org/drawingml/2006/main" xmlns:r="http://schemas.openxmlformats.org/officeDocument/2006/relationships" xmlns:p="http://schemas.openxmlformats.org/presentationml/2006/main">
-  <p:cSld>
-    <p:spTree>
-      <p:nvGrpSpPr>
-        <p:cNvPr id="1" name=""/>
-        <p:cNvGrpSpPr/>
-        <p:nvPr/>
-      </p:nvGrpSpPr>
-      <p:grpSpPr>
-        <a:xfrm>
-          <a:off x="0" y="0"/>
-          <a:ext cx="0" cy="0"/>
-          <a:chOff x="0" y="0"/>
-          <a:chExt cx="0" cy="0"/>
-        </a:xfrm>
-      </p:grpSpPr>
-      <p:sp>
-        <p:nvSpPr>
-          <p:cNvPr id="2" name="Title 1">
-            <a:extLst>
-              <a:ext uri="{FF2B5EF4-FFF2-40B4-BE49-F238E27FC236}">
-                <a16:creationId xmlns:a16="http://schemas.microsoft.com/office/drawing/2014/main" id="{B2C54165-ACA0-824C-AE70-28665D25AE96}"/>
-              </a:ext>
-            </a:extLst>
-          </p:cNvPr>
-          <p:cNvSpPr>
-            <a:spLocks noGrp="1"/>
-          </p:cNvSpPr>
-          <p:nvPr>
-            <p:ph type="title"/>
-          </p:nvPr>
-        </p:nvSpPr>
-        <p:spPr/>
-        <p:txBody>
-          <a:bodyPr/>
-          <a:lstStyle/>
-          <a:p>
-            <a:endParaRPr lang="en-US"/>
-          </a:p>
-        </p:txBody>
-      </p:sp>
-      <p:sp>
-        <p:nvSpPr>
-          <p:cNvPr id="3" name="Content Placeholder 2">
-            <a:extLst>
-              <a:ext uri="{FF2B5EF4-FFF2-40B4-BE49-F238E27FC236}">
-                <a16:creationId xmlns:a16="http://schemas.microsoft.com/office/drawing/2014/main" id="{3D0223D8-2EDF-B74E-8015-E56134B8098C}"/>
-              </a:ext>
-            </a:extLst>
-          </p:cNvPr>
-          <p:cNvSpPr>
-            <a:spLocks noGrp="1"/>
-          </p:cNvSpPr>
-          <p:nvPr>
-            <p:ph idx="1"/>
-          </p:nvPr>
-        </p:nvSpPr>
-        <p:spPr/>
-        <p:txBody>
-          <a:bodyPr/>
-          <a:lstStyle/>
-          <a:p>
-            <a:endParaRPr lang="en-US"/>
-          </a:p>
-        </p:txBody>
-      </p:sp>
-    </p:spTree>
-    <p:extLst>
-      <p:ext uri="{BB962C8B-B14F-4D97-AF65-F5344CB8AC3E}">
-        <p14:creationId xmlns:p14="http://schemas.microsoft.com/office/powerpoint/2010/main" val="168890394"/>
-      </p:ext>
-    </p:extLst>
-  </p:cSld>
-  <p:clrMapOvr>
-    <a:masterClrMapping/>
-  </p:clrMapOvr>
-</p:sld>
-</file>
-
-<file path=ppt/slides/slide18.xml><?xml version="1.0" encoding="utf-8"?>
-<p:sld xmlns:a="http://schemas.openxmlformats.org/drawingml/2006/main" xmlns:r="http://schemas.openxmlformats.org/officeDocument/2006/relationships" xmlns:p="http://schemas.openxmlformats.org/presentationml/2006/main">
-  <p:cSld>
-    <p:spTree>
-      <p:nvGrpSpPr>
-        <p:cNvPr id="1" name=""/>
-        <p:cNvGrpSpPr/>
-        <p:nvPr/>
-      </p:nvGrpSpPr>
-      <p:grpSpPr>
-        <a:xfrm>
-          <a:off x="0" y="0"/>
-          <a:ext cx="0" cy="0"/>
-          <a:chOff x="0" y="0"/>
-          <a:chExt cx="0" cy="0"/>
-        </a:xfrm>
-      </p:grpSpPr>
-      <p:sp>
-        <p:nvSpPr>
-          <p:cNvPr id="2" name="Title 1">
-            <a:extLst>
-              <a:ext uri="{FF2B5EF4-FFF2-40B4-BE49-F238E27FC236}">
-                <a16:creationId xmlns:a16="http://schemas.microsoft.com/office/drawing/2014/main" id="{B2C54165-ACA0-824C-AE70-28665D25AE96}"/>
-              </a:ext>
-            </a:extLst>
-          </p:cNvPr>
-          <p:cNvSpPr>
-            <a:spLocks noGrp="1"/>
-          </p:cNvSpPr>
-          <p:nvPr>
-            <p:ph type="title"/>
-          </p:nvPr>
-        </p:nvSpPr>
-        <p:spPr/>
-        <p:txBody>
-          <a:bodyPr/>
-          <a:lstStyle/>
-          <a:p>
-            <a:endParaRPr lang="en-US"/>
-          </a:p>
-        </p:txBody>
-      </p:sp>
-      <p:sp>
-        <p:nvSpPr>
-          <p:cNvPr id="3" name="Content Placeholder 2">
-            <a:extLst>
-              <a:ext uri="{FF2B5EF4-FFF2-40B4-BE49-F238E27FC236}">
-                <a16:creationId xmlns:a16="http://schemas.microsoft.com/office/drawing/2014/main" id="{3D0223D8-2EDF-B74E-8015-E56134B8098C}"/>
-              </a:ext>
-            </a:extLst>
-          </p:cNvPr>
-          <p:cNvSpPr>
-            <a:spLocks noGrp="1"/>
-          </p:cNvSpPr>
-          <p:nvPr>
-            <p:ph idx="1"/>
-          </p:nvPr>
-        </p:nvSpPr>
-        <p:spPr/>
-        <p:txBody>
-          <a:bodyPr/>
-          <a:lstStyle/>
-          <a:p>
-            <a:endParaRPr lang="en-US"/>
-          </a:p>
-        </p:txBody>
-      </p:sp>
-    </p:spTree>
-    <p:extLst>
-      <p:ext uri="{BB962C8B-B14F-4D97-AF65-F5344CB8AC3E}">
-        <p14:creationId xmlns:p14="http://schemas.microsoft.com/office/powerpoint/2010/main" val="685405502"/>
-      </p:ext>
-    </p:extLst>
-  </p:cSld>
-  <p:clrMapOvr>
-    <a:masterClrMapping/>
-  </p:clrMapOvr>
-</p:sld>
-</file>
-
-<file path=ppt/slides/slide19.xml><?xml version="1.0" encoding="utf-8"?>
-<p:sld xmlns:a="http://schemas.openxmlformats.org/drawingml/2006/main" xmlns:r="http://schemas.openxmlformats.org/officeDocument/2006/relationships" xmlns:p="http://schemas.openxmlformats.org/presentationml/2006/main">
-  <p:cSld>
-    <p:spTree>
-      <p:nvGrpSpPr>
-        <p:cNvPr id="1" name=""/>
-        <p:cNvGrpSpPr/>
-        <p:nvPr/>
-      </p:nvGrpSpPr>
-      <p:grpSpPr>
-        <a:xfrm>
-          <a:off x="0" y="0"/>
-          <a:ext cx="0" cy="0"/>
-          <a:chOff x="0" y="0"/>
-          <a:chExt cx="0" cy="0"/>
-        </a:xfrm>
-      </p:grpSpPr>
-      <p:sp>
-        <p:nvSpPr>
-          <p:cNvPr id="2" name="Title 1">
-            <a:extLst>
-              <a:ext uri="{FF2B5EF4-FFF2-40B4-BE49-F238E27FC236}">
-                <a16:creationId xmlns:a16="http://schemas.microsoft.com/office/drawing/2014/main" id="{B2C54165-ACA0-824C-AE70-28665D25AE96}"/>
-              </a:ext>
-            </a:extLst>
-          </p:cNvPr>
-          <p:cNvSpPr>
-            <a:spLocks noGrp="1"/>
-          </p:cNvSpPr>
-          <p:nvPr>
-            <p:ph type="title"/>
-          </p:nvPr>
-        </p:nvSpPr>
-        <p:spPr/>
-        <p:txBody>
-          <a:bodyPr/>
-          <a:lstStyle/>
-          <a:p>
-            <a:endParaRPr lang="en-US"/>
-          </a:p>
-        </p:txBody>
-      </p:sp>
-      <p:sp>
-        <p:nvSpPr>
-          <p:cNvPr id="3" name="Content Placeholder 2">
-            <a:extLst>
-              <a:ext uri="{FF2B5EF4-FFF2-40B4-BE49-F238E27FC236}">
-                <a16:creationId xmlns:a16="http://schemas.microsoft.com/office/drawing/2014/main" id="{3D0223D8-2EDF-B74E-8015-E56134B8098C}"/>
-              </a:ext>
-            </a:extLst>
-          </p:cNvPr>
-          <p:cNvSpPr>
-            <a:spLocks noGrp="1"/>
-          </p:cNvSpPr>
-          <p:nvPr>
-            <p:ph idx="1"/>
-          </p:nvPr>
-        </p:nvSpPr>
-        <p:spPr/>
-        <p:txBody>
-          <a:bodyPr/>
-          <a:lstStyle/>
-          <a:p>
-            <a:endParaRPr lang="en-US"/>
-          </a:p>
-        </p:txBody>
-      </p:sp>
-    </p:spTree>
-    <p:extLst>
-      <p:ext uri="{BB962C8B-B14F-4D97-AF65-F5344CB8AC3E}">
-        <p14:creationId xmlns:p14="http://schemas.microsoft.com/office/powerpoint/2010/main" val="4266757148"/>
-      </p:ext>
-    </p:extLst>
-  </p:cSld>
-  <p:clrMapOvr>
-    <a:masterClrMapping/>
-  </p:clrMapOvr>
+  <p:timing>
+    <p:tnLst>
+      <p:par>
+        <p:cTn id="1" dur="indefinite" restart="never" nodeType="tmRoot">
+          <p:childTnLst>
+            <p:seq concurrent="1" nextAc="seek">
+              <p:cTn id="2" dur="indefinite" nodeType="mainSeq">
+                <p:childTnLst>
+                  <p:par>
+                    <p:cTn id="3" fill="hold">
+                      <p:stCondLst>
+                        <p:cond delay="indefinite"/>
+                      </p:stCondLst>
+                      <p:childTnLst>
+                        <p:par>
+                          <p:cTn id="4" fill="hold">
+                            <p:stCondLst>
+                              <p:cond delay="0"/>
+                            </p:stCondLst>
+                            <p:childTnLst>
+                              <p:par>
+                                <p:cTn id="5" presetID="1" presetClass="entr" presetSubtype="0" fill="hold" grpId="0" nodeType="clickEffect" nodePh="1">
+                                  <p:stCondLst>
+                                    <p:cond delay="0"/>
+                                  </p:stCondLst>
+                                  <p:endCondLst>
+                                    <p:cond evt="begin" delay="0">
+                                      <p:tn val="5"/>
+                                    </p:cond>
+                                  </p:endCondLst>
+                                  <p:childTnLst>
+                                    <p:set>
+                                      <p:cBhvr>
+                                        <p:cTn id="6" dur="1" fill="hold">
+                                          <p:stCondLst>
+                                            <p:cond delay="0"/>
+                                          </p:stCondLst>
+                                        </p:cTn>
+                                        <p:tgtEl>
+                                          <p:spTgt spid="3">
+                                            <p:txEl>
+                                              <p:pRg st="0" end="0"/>
+                                            </p:txEl>
+                                          </p:spTgt>
+                                        </p:tgtEl>
+                                        <p:attrNameLst>
+                                          <p:attrName>style.visibility</p:attrName>
+                                        </p:attrNameLst>
+                                      </p:cBhvr>
+                                      <p:to>
+                                        <p:strVal val="visible"/>
+                                      </p:to>
+                                    </p:set>
+                                  </p:childTnLst>
+                                </p:cTn>
+                              </p:par>
+                            </p:childTnLst>
+                          </p:cTn>
+                        </p:par>
+                      </p:childTnLst>
+                    </p:cTn>
+                  </p:par>
+                </p:childTnLst>
+              </p:cTn>
+              <p:prevCondLst>
+                <p:cond evt="onPrev" delay="0">
+                  <p:tgtEl>
+                    <p:sldTgt/>
+                  </p:tgtEl>
+                </p:cond>
+              </p:prevCondLst>
+              <p:nextCondLst>
+                <p:cond evt="onNext" delay="0">
+                  <p:tgtEl>
+                    <p:sldTgt/>
+                  </p:tgtEl>
+                </p:cond>
+              </p:nextCondLst>
+            </p:seq>
+          </p:childTnLst>
+        </p:cTn>
+      </p:par>
+    </p:tnLst>
+    <p:bldLst>
+      <p:bldP spid="3" grpId="0" build="p"/>
+    </p:bldLst>
+  </p:timing>
 </p:sld>
 </file>
 
@@ -4979,10 +6189,14 @@
               <a:t>Angular </a:t>
             </a:r>
             <a:r>
-              <a:rPr lang="en-US" dirty="0" err="1"/>
+              <a:rPr lang="en-US" dirty="0" err="1">
+                <a:latin typeface="Courier" pitchFamily="2" charset="0"/>
+              </a:rPr>
               <a:t>TestBed</a:t>
             </a:r>
-            <a:endParaRPr lang="en-US" dirty="0"/>
+            <a:endParaRPr lang="en-US" dirty="0">
+              <a:latin typeface="Courier" pitchFamily="2" charset="0"/>
+            </a:endParaRPr>
           </a:p>
         </p:txBody>
       </p:sp>
@@ -5004,12 +6218,26 @@
         </p:nvSpPr>
         <p:spPr/>
         <p:txBody>
-          <a:bodyPr/>
+          <a:bodyPr>
+            <a:normAutofit/>
+          </a:bodyPr>
           <a:lstStyle/>
           <a:p>
             <a:r>
               <a:rPr lang="en-US" dirty="0"/>
-              <a:t>Primary API for writing unit tests for Angular applications and libraries.</a:t>
+              <a:t>Primary API for writing unit tests for Angular applications and libraries. </a:t>
+            </a:r>
+          </a:p>
+          <a:p>
+            <a:r>
+              <a:rPr lang="en-US" dirty="0"/>
+              <a:t>High-level Angular abstraction that allows us to easily test Angular behaviors.</a:t>
+            </a:r>
+          </a:p>
+          <a:p>
+            <a:r>
+              <a:rPr lang="en-US" dirty="0"/>
+              <a:t>Allows testing parts of our applications if it is being run in the context of a real Angular app.</a:t>
             </a:r>
           </a:p>
           <a:p>
@@ -5018,7 +6246,9 @@
               <a:t>Use the </a:t>
             </a:r>
             <a:r>
-              <a:rPr lang="en-US" dirty="0" err="1"/>
+              <a:rPr lang="en-US" dirty="0" err="1">
+                <a:latin typeface="Courier" pitchFamily="2" charset="0"/>
+              </a:rPr>
               <a:t>TestBed</a:t>
             </a:r>
             <a:r>
@@ -5037,7 +6267,7 @@
             <a:pPr lvl="1"/>
             <a:r>
               <a:rPr lang="en-US" dirty="0"/>
-              <a:t>Optionally create the dependencies. </a:t>
+              <a:t>Optionally create the dependencies, usually as test doubles. </a:t>
             </a:r>
           </a:p>
           <a:p>
@@ -5048,6 +6278,9 @@
             </a:r>
           </a:p>
           <a:p>
+            <a:pPr marL="0" indent="0">
+              <a:buNone/>
+            </a:pPr>
             <a:endParaRPr lang="en-US" dirty="0"/>
           </a:p>
         </p:txBody>
@@ -5062,86 +6295,328 @@
   <p:clrMapOvr>
     <a:masterClrMapping/>
   </p:clrMapOvr>
-</p:sld>
-</file>
-
-<file path=ppt/slides/slide20.xml><?xml version="1.0" encoding="utf-8"?>
-<p:sld xmlns:a="http://schemas.openxmlformats.org/drawingml/2006/main" xmlns:r="http://schemas.openxmlformats.org/officeDocument/2006/relationships" xmlns:p="http://schemas.openxmlformats.org/presentationml/2006/main">
-  <p:cSld>
-    <p:spTree>
-      <p:nvGrpSpPr>
-        <p:cNvPr id="1" name=""/>
-        <p:cNvGrpSpPr/>
-        <p:nvPr/>
-      </p:nvGrpSpPr>
-      <p:grpSpPr>
-        <a:xfrm>
-          <a:off x="0" y="0"/>
-          <a:ext cx="0" cy="0"/>
-          <a:chOff x="0" y="0"/>
-          <a:chExt cx="0" cy="0"/>
-        </a:xfrm>
-      </p:grpSpPr>
-      <p:sp>
-        <p:nvSpPr>
-          <p:cNvPr id="2" name="Title 1">
-            <a:extLst>
-              <a:ext uri="{FF2B5EF4-FFF2-40B4-BE49-F238E27FC236}">
-                <a16:creationId xmlns:a16="http://schemas.microsoft.com/office/drawing/2014/main" id="{B2C54165-ACA0-824C-AE70-28665D25AE96}"/>
-              </a:ext>
-            </a:extLst>
-          </p:cNvPr>
-          <p:cNvSpPr>
-            <a:spLocks noGrp="1"/>
-          </p:cNvSpPr>
-          <p:nvPr>
-            <p:ph type="title"/>
-          </p:nvPr>
-        </p:nvSpPr>
-        <p:spPr/>
-        <p:txBody>
-          <a:bodyPr/>
-          <a:lstStyle/>
-          <a:p>
-            <a:endParaRPr lang="en-US"/>
-          </a:p>
-        </p:txBody>
-      </p:sp>
-      <p:sp>
-        <p:nvSpPr>
-          <p:cNvPr id="3" name="Content Placeholder 2">
-            <a:extLst>
-              <a:ext uri="{FF2B5EF4-FFF2-40B4-BE49-F238E27FC236}">
-                <a16:creationId xmlns:a16="http://schemas.microsoft.com/office/drawing/2014/main" id="{3D0223D8-2EDF-B74E-8015-E56134B8098C}"/>
-              </a:ext>
-            </a:extLst>
-          </p:cNvPr>
-          <p:cNvSpPr>
-            <a:spLocks noGrp="1"/>
-          </p:cNvSpPr>
-          <p:nvPr>
-            <p:ph idx="1"/>
-          </p:nvPr>
-        </p:nvSpPr>
-        <p:spPr/>
-        <p:txBody>
-          <a:bodyPr/>
-          <a:lstStyle/>
-          <a:p>
-            <a:endParaRPr lang="en-US"/>
-          </a:p>
-        </p:txBody>
-      </p:sp>
-    </p:spTree>
-    <p:extLst>
-      <p:ext uri="{BB962C8B-B14F-4D97-AF65-F5344CB8AC3E}">
-        <p14:creationId xmlns:p14="http://schemas.microsoft.com/office/powerpoint/2010/main" val="605900564"/>
-      </p:ext>
-    </p:extLst>
-  </p:cSld>
-  <p:clrMapOvr>
-    <a:masterClrMapping/>
-  </p:clrMapOvr>
+  <p:timing>
+    <p:tnLst>
+      <p:par>
+        <p:cTn id="1" dur="indefinite" restart="never" nodeType="tmRoot">
+          <p:childTnLst>
+            <p:seq concurrent="1" nextAc="seek">
+              <p:cTn id="2" dur="indefinite" nodeType="mainSeq">
+                <p:childTnLst>
+                  <p:par>
+                    <p:cTn id="3" fill="hold">
+                      <p:stCondLst>
+                        <p:cond delay="indefinite"/>
+                      </p:stCondLst>
+                      <p:childTnLst>
+                        <p:par>
+                          <p:cTn id="4" fill="hold">
+                            <p:stCondLst>
+                              <p:cond delay="0"/>
+                            </p:stCondLst>
+                            <p:childTnLst>
+                              <p:par>
+                                <p:cTn id="5" presetID="1" presetClass="entr" presetSubtype="0" fill="hold" grpId="0" nodeType="clickEffect">
+                                  <p:stCondLst>
+                                    <p:cond delay="0"/>
+                                  </p:stCondLst>
+                                  <p:childTnLst>
+                                    <p:set>
+                                      <p:cBhvr>
+                                        <p:cTn id="6" dur="1" fill="hold">
+                                          <p:stCondLst>
+                                            <p:cond delay="0"/>
+                                          </p:stCondLst>
+                                        </p:cTn>
+                                        <p:tgtEl>
+                                          <p:spTgt spid="3">
+                                            <p:txEl>
+                                              <p:pRg st="0" end="0"/>
+                                            </p:txEl>
+                                          </p:spTgt>
+                                        </p:tgtEl>
+                                        <p:attrNameLst>
+                                          <p:attrName>style.visibility</p:attrName>
+                                        </p:attrNameLst>
+                                      </p:cBhvr>
+                                      <p:to>
+                                        <p:strVal val="visible"/>
+                                      </p:to>
+                                    </p:set>
+                                  </p:childTnLst>
+                                </p:cTn>
+                              </p:par>
+                            </p:childTnLst>
+                          </p:cTn>
+                        </p:par>
+                      </p:childTnLst>
+                    </p:cTn>
+                  </p:par>
+                  <p:par>
+                    <p:cTn id="7" fill="hold">
+                      <p:stCondLst>
+                        <p:cond delay="indefinite"/>
+                      </p:stCondLst>
+                      <p:childTnLst>
+                        <p:par>
+                          <p:cTn id="8" fill="hold">
+                            <p:stCondLst>
+                              <p:cond delay="0"/>
+                            </p:stCondLst>
+                            <p:childTnLst>
+                              <p:par>
+                                <p:cTn id="9" presetID="1" presetClass="entr" presetSubtype="0" fill="hold" grpId="0" nodeType="clickEffect">
+                                  <p:stCondLst>
+                                    <p:cond delay="0"/>
+                                  </p:stCondLst>
+                                  <p:childTnLst>
+                                    <p:set>
+                                      <p:cBhvr>
+                                        <p:cTn id="10" dur="1" fill="hold">
+                                          <p:stCondLst>
+                                            <p:cond delay="0"/>
+                                          </p:stCondLst>
+                                        </p:cTn>
+                                        <p:tgtEl>
+                                          <p:spTgt spid="3">
+                                            <p:txEl>
+                                              <p:pRg st="1" end="1"/>
+                                            </p:txEl>
+                                          </p:spTgt>
+                                        </p:tgtEl>
+                                        <p:attrNameLst>
+                                          <p:attrName>style.visibility</p:attrName>
+                                        </p:attrNameLst>
+                                      </p:cBhvr>
+                                      <p:to>
+                                        <p:strVal val="visible"/>
+                                      </p:to>
+                                    </p:set>
+                                  </p:childTnLst>
+                                </p:cTn>
+                              </p:par>
+                            </p:childTnLst>
+                          </p:cTn>
+                        </p:par>
+                      </p:childTnLst>
+                    </p:cTn>
+                  </p:par>
+                  <p:par>
+                    <p:cTn id="11" fill="hold">
+                      <p:stCondLst>
+                        <p:cond delay="indefinite"/>
+                      </p:stCondLst>
+                      <p:childTnLst>
+                        <p:par>
+                          <p:cTn id="12" fill="hold">
+                            <p:stCondLst>
+                              <p:cond delay="0"/>
+                            </p:stCondLst>
+                            <p:childTnLst>
+                              <p:par>
+                                <p:cTn id="13" presetID="1" presetClass="entr" presetSubtype="0" fill="hold" grpId="0" nodeType="clickEffect">
+                                  <p:stCondLst>
+                                    <p:cond delay="0"/>
+                                  </p:stCondLst>
+                                  <p:childTnLst>
+                                    <p:set>
+                                      <p:cBhvr>
+                                        <p:cTn id="14" dur="1" fill="hold">
+                                          <p:stCondLst>
+                                            <p:cond delay="0"/>
+                                          </p:stCondLst>
+                                        </p:cTn>
+                                        <p:tgtEl>
+                                          <p:spTgt spid="3">
+                                            <p:txEl>
+                                              <p:pRg st="2" end="2"/>
+                                            </p:txEl>
+                                          </p:spTgt>
+                                        </p:tgtEl>
+                                        <p:attrNameLst>
+                                          <p:attrName>style.visibility</p:attrName>
+                                        </p:attrNameLst>
+                                      </p:cBhvr>
+                                      <p:to>
+                                        <p:strVal val="visible"/>
+                                      </p:to>
+                                    </p:set>
+                                  </p:childTnLst>
+                                </p:cTn>
+                              </p:par>
+                            </p:childTnLst>
+                          </p:cTn>
+                        </p:par>
+                      </p:childTnLst>
+                    </p:cTn>
+                  </p:par>
+                  <p:par>
+                    <p:cTn id="15" fill="hold">
+                      <p:stCondLst>
+                        <p:cond delay="indefinite"/>
+                      </p:stCondLst>
+                      <p:childTnLst>
+                        <p:par>
+                          <p:cTn id="16" fill="hold">
+                            <p:stCondLst>
+                              <p:cond delay="0"/>
+                            </p:stCondLst>
+                            <p:childTnLst>
+                              <p:par>
+                                <p:cTn id="17" presetID="1" presetClass="entr" presetSubtype="0" fill="hold" grpId="0" nodeType="clickEffect">
+                                  <p:stCondLst>
+                                    <p:cond delay="0"/>
+                                  </p:stCondLst>
+                                  <p:childTnLst>
+                                    <p:set>
+                                      <p:cBhvr>
+                                        <p:cTn id="18" dur="1" fill="hold">
+                                          <p:stCondLst>
+                                            <p:cond delay="0"/>
+                                          </p:stCondLst>
+                                        </p:cTn>
+                                        <p:tgtEl>
+                                          <p:spTgt spid="3">
+                                            <p:txEl>
+                                              <p:pRg st="3" end="3"/>
+                                            </p:txEl>
+                                          </p:spTgt>
+                                        </p:tgtEl>
+                                        <p:attrNameLst>
+                                          <p:attrName>style.visibility</p:attrName>
+                                        </p:attrNameLst>
+                                      </p:cBhvr>
+                                      <p:to>
+                                        <p:strVal val="visible"/>
+                                      </p:to>
+                                    </p:set>
+                                  </p:childTnLst>
+                                </p:cTn>
+                              </p:par>
+                              <p:par>
+                                <p:cTn id="19" presetID="1" presetClass="entr" presetSubtype="0" fill="hold" grpId="0" nodeType="withEffect">
+                                  <p:stCondLst>
+                                    <p:cond delay="0"/>
+                                  </p:stCondLst>
+                                  <p:childTnLst>
+                                    <p:set>
+                                      <p:cBhvr>
+                                        <p:cTn id="20" dur="1" fill="hold">
+                                          <p:stCondLst>
+                                            <p:cond delay="0"/>
+                                          </p:stCondLst>
+                                        </p:cTn>
+                                        <p:tgtEl>
+                                          <p:spTgt spid="3">
+                                            <p:txEl>
+                                              <p:pRg st="4" end="4"/>
+                                            </p:txEl>
+                                          </p:spTgt>
+                                        </p:tgtEl>
+                                        <p:attrNameLst>
+                                          <p:attrName>style.visibility</p:attrName>
+                                        </p:attrNameLst>
+                                      </p:cBhvr>
+                                      <p:to>
+                                        <p:strVal val="visible"/>
+                                      </p:to>
+                                    </p:set>
+                                  </p:childTnLst>
+                                </p:cTn>
+                              </p:par>
+                              <p:par>
+                                <p:cTn id="21" presetID="1" presetClass="entr" presetSubtype="0" fill="hold" grpId="0" nodeType="withEffect">
+                                  <p:stCondLst>
+                                    <p:cond delay="0"/>
+                                  </p:stCondLst>
+                                  <p:childTnLst>
+                                    <p:set>
+                                      <p:cBhvr>
+                                        <p:cTn id="22" dur="1" fill="hold">
+                                          <p:stCondLst>
+                                            <p:cond delay="0"/>
+                                          </p:stCondLst>
+                                        </p:cTn>
+                                        <p:tgtEl>
+                                          <p:spTgt spid="3">
+                                            <p:txEl>
+                                              <p:pRg st="5" end="5"/>
+                                            </p:txEl>
+                                          </p:spTgt>
+                                        </p:tgtEl>
+                                        <p:attrNameLst>
+                                          <p:attrName>style.visibility</p:attrName>
+                                        </p:attrNameLst>
+                                      </p:cBhvr>
+                                      <p:to>
+                                        <p:strVal val="visible"/>
+                                      </p:to>
+                                    </p:set>
+                                  </p:childTnLst>
+                                </p:cTn>
+                              </p:par>
+                              <p:par>
+                                <p:cTn id="23" presetID="1" presetClass="entr" presetSubtype="0" fill="hold" grpId="0" nodeType="withEffect">
+                                  <p:stCondLst>
+                                    <p:cond delay="0"/>
+                                  </p:stCondLst>
+                                  <p:childTnLst>
+                                    <p:set>
+                                      <p:cBhvr>
+                                        <p:cTn id="24" dur="1" fill="hold">
+                                          <p:stCondLst>
+                                            <p:cond delay="0"/>
+                                          </p:stCondLst>
+                                        </p:cTn>
+                                        <p:tgtEl>
+                                          <p:spTgt spid="3">
+                                            <p:txEl>
+                                              <p:pRg st="6" end="6"/>
+                                            </p:txEl>
+                                          </p:spTgt>
+                                        </p:tgtEl>
+                                        <p:attrNameLst>
+                                          <p:attrName>style.visibility</p:attrName>
+                                        </p:attrNameLst>
+                                      </p:cBhvr>
+                                      <p:to>
+                                        <p:strVal val="visible"/>
+                                      </p:to>
+                                    </p:set>
+                                  </p:childTnLst>
+                                </p:cTn>
+                              </p:par>
+                            </p:childTnLst>
+                          </p:cTn>
+                        </p:par>
+                      </p:childTnLst>
+                    </p:cTn>
+                  </p:par>
+                </p:childTnLst>
+              </p:cTn>
+              <p:prevCondLst>
+                <p:cond evt="onPrev" delay="0">
+                  <p:tgtEl>
+                    <p:sldTgt/>
+                  </p:tgtEl>
+                </p:cond>
+              </p:prevCondLst>
+              <p:nextCondLst>
+                <p:cond evt="onNext" delay="0">
+                  <p:tgtEl>
+                    <p:sldTgt/>
+                  </p:tgtEl>
+                </p:cond>
+              </p:nextCondLst>
+            </p:seq>
+          </p:childTnLst>
+        </p:cTn>
+      </p:par>
+    </p:tnLst>
+    <p:bldLst>
+      <p:bldP spid="3" grpId="0" build="p"/>
+    </p:bldLst>
+  </p:timing>
 </p:sld>
 </file>
 
@@ -5167,7 +6642,7 @@
           <p:cNvPr id="2" name="Title 1">
             <a:extLst>
               <a:ext uri="{FF2B5EF4-FFF2-40B4-BE49-F238E27FC236}">
-                <a16:creationId xmlns:a16="http://schemas.microsoft.com/office/drawing/2014/main" id="{38CE9F07-6F0F-764C-AFED-D3EE90B8286F}"/>
+                <a16:creationId xmlns:a16="http://schemas.microsoft.com/office/drawing/2014/main" id="{DBFFE307-923A-EE4C-BD0D-DD14DB8BEDF9}"/>
               </a:ext>
             </a:extLst>
           </p:cNvPr>
@@ -5184,9 +6659,14 @@
           <a:lstStyle/>
           <a:p>
             <a:r>
-              <a:rPr lang="en-US" dirty="0"/>
-              <a:t>Component DOM testing</a:t>
-            </a:r>
+              <a:rPr lang="en-US" dirty="0" err="1">
+                <a:latin typeface="Courier" pitchFamily="2" charset="0"/>
+              </a:rPr>
+              <a:t>TestBed.configureTestingModule</a:t>
+            </a:r>
+            <a:endParaRPr lang="en-US" dirty="0">
+              <a:latin typeface="Courier" pitchFamily="2" charset="0"/>
+            </a:endParaRPr>
           </a:p>
         </p:txBody>
       </p:sp>
@@ -5195,7 +6675,7 @@
           <p:cNvPr id="3" name="Content Placeholder 2">
             <a:extLst>
               <a:ext uri="{FF2B5EF4-FFF2-40B4-BE49-F238E27FC236}">
-                <a16:creationId xmlns:a16="http://schemas.microsoft.com/office/drawing/2014/main" id="{18D0E321-A37C-D34C-B6B9-95357E3726BF}"/>
+                <a16:creationId xmlns:a16="http://schemas.microsoft.com/office/drawing/2014/main" id="{AEAE9877-5FCF-4245-9D59-771910BF17C8}"/>
               </a:ext>
             </a:extLst>
           </p:cNvPr>
@@ -5213,31 +6693,64 @@
           <a:p>
             <a:r>
               <a:rPr lang="en-US" dirty="0"/>
-              <a:t>An Angular component is more than just its class. </a:t>
+              <a:t>Creates a test Angular module. </a:t>
             </a:r>
           </a:p>
           <a:p>
             <a:pPr lvl="1"/>
             <a:r>
               <a:rPr lang="en-US" dirty="0"/>
-              <a:t>A component interacts with the DOM and with other components. </a:t>
+              <a:t>Use this test module to instantiate components for tests, perform dependency injection of services and other tasks.</a:t>
+            </a:r>
+          </a:p>
+          <a:p>
+            <a:r>
+              <a:rPr lang="en-US" dirty="0"/>
+              <a:t>Configure the test module the same way as we would configure a normal </a:t>
+            </a:r>
+            <a:r>
+              <a:rPr lang="en-US" dirty="0" err="1">
+                <a:latin typeface="Courier" pitchFamily="2" charset="0"/>
+              </a:rPr>
+              <a:t>NgModule</a:t>
+            </a:r>
+            <a:r>
+              <a:rPr lang="en-US" dirty="0"/>
+              <a:t>. </a:t>
             </a:r>
           </a:p>
           <a:p>
             <a:pPr lvl="1"/>
             <a:r>
               <a:rPr lang="en-US" dirty="0"/>
-              <a:t>The class-only tests can tell you about class behavior. They cannot tell you if the component is going to render properly, respond to user input and gestures, or integrate with its parent and child components.</a:t>
-            </a:r>
-          </a:p>
-          <a:p>
-            <a:r>
-              <a:rPr lang="en-US" dirty="0" err="1"/>
-              <a:t>TestBed</a:t>
-            </a:r>
-            <a:r>
-              <a:rPr lang="en-US" dirty="0"/>
-              <a:t> provides features for testing the component DOM.</a:t>
+              <a:t>Declare your component via </a:t>
+            </a:r>
+            <a:r>
+              <a:rPr lang="en-US" dirty="0">
+                <a:latin typeface="Courier" pitchFamily="2" charset="0"/>
+              </a:rPr>
+              <a:t>declarations</a:t>
+            </a:r>
+            <a:r>
+              <a:rPr lang="en-US" dirty="0"/>
+              <a:t>.</a:t>
+            </a:r>
+          </a:p>
+          <a:p>
+            <a:pPr lvl="1"/>
+            <a:r>
+              <a:rPr lang="en-US" dirty="0"/>
+              <a:t>Register test doubles as service </a:t>
+            </a:r>
+            <a:r>
+              <a:rPr lang="en-US" dirty="0">
+                <a:latin typeface="Courier" pitchFamily="2" charset="0"/>
+              </a:rPr>
+              <a:t>providers</a:t>
+            </a:r>
+            <a:r>
+              <a:rPr lang="en-US" dirty="0"/>
+              <a:t>.</a:t>
             </a:r>
           </a:p>
         </p:txBody>
@@ -5245,13 +6758,237 @@
     </p:spTree>
     <p:extLst>
       <p:ext uri="{BB962C8B-B14F-4D97-AF65-F5344CB8AC3E}">
-        <p14:creationId xmlns:p14="http://schemas.microsoft.com/office/powerpoint/2010/main" val="2131552231"/>
+        <p14:creationId xmlns:p14="http://schemas.microsoft.com/office/powerpoint/2010/main" val="576944578"/>
       </p:ext>
     </p:extLst>
   </p:cSld>
   <p:clrMapOvr>
     <a:masterClrMapping/>
   </p:clrMapOvr>
+  <p:timing>
+    <p:tnLst>
+      <p:par>
+        <p:cTn id="1" dur="indefinite" restart="never" nodeType="tmRoot">
+          <p:childTnLst>
+            <p:seq concurrent="1" nextAc="seek">
+              <p:cTn id="2" dur="indefinite" nodeType="mainSeq">
+                <p:childTnLst>
+                  <p:par>
+                    <p:cTn id="3" fill="hold">
+                      <p:stCondLst>
+                        <p:cond delay="indefinite"/>
+                      </p:stCondLst>
+                      <p:childTnLst>
+                        <p:par>
+                          <p:cTn id="4" fill="hold">
+                            <p:stCondLst>
+                              <p:cond delay="0"/>
+                            </p:stCondLst>
+                            <p:childTnLst>
+                              <p:par>
+                                <p:cTn id="5" presetID="1" presetClass="entr" presetSubtype="0" fill="hold" grpId="0" nodeType="clickEffect">
+                                  <p:stCondLst>
+                                    <p:cond delay="0"/>
+                                  </p:stCondLst>
+                                  <p:childTnLst>
+                                    <p:set>
+                                      <p:cBhvr>
+                                        <p:cTn id="6" dur="1" fill="hold">
+                                          <p:stCondLst>
+                                            <p:cond delay="0"/>
+                                          </p:stCondLst>
+                                        </p:cTn>
+                                        <p:tgtEl>
+                                          <p:spTgt spid="3">
+                                            <p:txEl>
+                                              <p:pRg st="0" end="0"/>
+                                            </p:txEl>
+                                          </p:spTgt>
+                                        </p:tgtEl>
+                                        <p:attrNameLst>
+                                          <p:attrName>style.visibility</p:attrName>
+                                        </p:attrNameLst>
+                                      </p:cBhvr>
+                                      <p:to>
+                                        <p:strVal val="visible"/>
+                                      </p:to>
+                                    </p:set>
+                                  </p:childTnLst>
+                                </p:cTn>
+                              </p:par>
+                              <p:par>
+                                <p:cTn id="7" presetID="1" presetClass="entr" presetSubtype="0" fill="hold" grpId="0" nodeType="withEffect">
+                                  <p:stCondLst>
+                                    <p:cond delay="0"/>
+                                  </p:stCondLst>
+                                  <p:childTnLst>
+                                    <p:set>
+                                      <p:cBhvr>
+                                        <p:cTn id="8" dur="1" fill="hold">
+                                          <p:stCondLst>
+                                            <p:cond delay="0"/>
+                                          </p:stCondLst>
+                                        </p:cTn>
+                                        <p:tgtEl>
+                                          <p:spTgt spid="3">
+                                            <p:txEl>
+                                              <p:pRg st="1" end="1"/>
+                                            </p:txEl>
+                                          </p:spTgt>
+                                        </p:tgtEl>
+                                        <p:attrNameLst>
+                                          <p:attrName>style.visibility</p:attrName>
+                                        </p:attrNameLst>
+                                      </p:cBhvr>
+                                      <p:to>
+                                        <p:strVal val="visible"/>
+                                      </p:to>
+                                    </p:set>
+                                  </p:childTnLst>
+                                </p:cTn>
+                              </p:par>
+                            </p:childTnLst>
+                          </p:cTn>
+                        </p:par>
+                      </p:childTnLst>
+                    </p:cTn>
+                  </p:par>
+                  <p:par>
+                    <p:cTn id="9" fill="hold">
+                      <p:stCondLst>
+                        <p:cond delay="indefinite"/>
+                      </p:stCondLst>
+                      <p:childTnLst>
+                        <p:par>
+                          <p:cTn id="10" fill="hold">
+                            <p:stCondLst>
+                              <p:cond delay="0"/>
+                            </p:stCondLst>
+                            <p:childTnLst>
+                              <p:par>
+                                <p:cTn id="11" presetID="1" presetClass="entr" presetSubtype="0" fill="hold" grpId="0" nodeType="clickEffect">
+                                  <p:stCondLst>
+                                    <p:cond delay="0"/>
+                                  </p:stCondLst>
+                                  <p:childTnLst>
+                                    <p:set>
+                                      <p:cBhvr>
+                                        <p:cTn id="12" dur="1" fill="hold">
+                                          <p:stCondLst>
+                                            <p:cond delay="0"/>
+                                          </p:stCondLst>
+                                        </p:cTn>
+                                        <p:tgtEl>
+                                          <p:spTgt spid="3">
+                                            <p:txEl>
+                                              <p:pRg st="2" end="2"/>
+                                            </p:txEl>
+                                          </p:spTgt>
+                                        </p:tgtEl>
+                                        <p:attrNameLst>
+                                          <p:attrName>style.visibility</p:attrName>
+                                        </p:attrNameLst>
+                                      </p:cBhvr>
+                                      <p:to>
+                                        <p:strVal val="visible"/>
+                                      </p:to>
+                                    </p:set>
+                                  </p:childTnLst>
+                                </p:cTn>
+                              </p:par>
+                              <p:par>
+                                <p:cTn id="13" presetID="1" presetClass="entr" presetSubtype="0" fill="hold" grpId="0" nodeType="withEffect">
+                                  <p:stCondLst>
+                                    <p:cond delay="0"/>
+                                  </p:stCondLst>
+                                  <p:childTnLst>
+                                    <p:set>
+                                      <p:cBhvr>
+                                        <p:cTn id="14" dur="1" fill="hold">
+                                          <p:stCondLst>
+                                            <p:cond delay="0"/>
+                                          </p:stCondLst>
+                                        </p:cTn>
+                                        <p:tgtEl>
+                                          <p:spTgt spid="3">
+                                            <p:txEl>
+                                              <p:pRg st="3" end="3"/>
+                                            </p:txEl>
+                                          </p:spTgt>
+                                        </p:tgtEl>
+                                        <p:attrNameLst>
+                                          <p:attrName>style.visibility</p:attrName>
+                                        </p:attrNameLst>
+                                      </p:cBhvr>
+                                      <p:to>
+                                        <p:strVal val="visible"/>
+                                      </p:to>
+                                    </p:set>
+                                  </p:childTnLst>
+                                </p:cTn>
+                              </p:par>
+                              <p:par>
+                                <p:cTn id="15" presetID="1" presetClass="entr" presetSubtype="0" fill="hold" grpId="0" nodeType="withEffect">
+                                  <p:stCondLst>
+                                    <p:cond delay="0"/>
+                                  </p:stCondLst>
+                                  <p:childTnLst>
+                                    <p:set>
+                                      <p:cBhvr>
+                                        <p:cTn id="16" dur="1" fill="hold">
+                                          <p:stCondLst>
+                                            <p:cond delay="0"/>
+                                          </p:stCondLst>
+                                        </p:cTn>
+                                        <p:tgtEl>
+                                          <p:spTgt spid="3">
+                                            <p:txEl>
+                                              <p:pRg st="4" end="4"/>
+                                            </p:txEl>
+                                          </p:spTgt>
+                                        </p:tgtEl>
+                                        <p:attrNameLst>
+                                          <p:attrName>style.visibility</p:attrName>
+                                        </p:attrNameLst>
+                                      </p:cBhvr>
+                                      <p:to>
+                                        <p:strVal val="visible"/>
+                                      </p:to>
+                                    </p:set>
+                                  </p:childTnLst>
+                                </p:cTn>
+                              </p:par>
+                            </p:childTnLst>
+                          </p:cTn>
+                        </p:par>
+                      </p:childTnLst>
+                    </p:cTn>
+                  </p:par>
+                </p:childTnLst>
+              </p:cTn>
+              <p:prevCondLst>
+                <p:cond evt="onPrev" delay="0">
+                  <p:tgtEl>
+                    <p:sldTgt/>
+                  </p:tgtEl>
+                </p:cond>
+              </p:prevCondLst>
+              <p:nextCondLst>
+                <p:cond evt="onNext" delay="0">
+                  <p:tgtEl>
+                    <p:sldTgt/>
+                  </p:tgtEl>
+                </p:cond>
+              </p:nextCondLst>
+            </p:seq>
+          </p:childTnLst>
+        </p:cTn>
+      </p:par>
+    </p:tnLst>
+    <p:bldLst>
+      <p:bldP spid="3" grpId="0" build="p"/>
+    </p:bldLst>
+  </p:timing>
 </p:sld>
 </file>
 
@@ -5295,13 +7032,8 @@
           <a:p>
             <a:r>
               <a:rPr lang="en-US" dirty="0"/>
-              <a:t>Example of setting up the </a:t>
-            </a:r>
-            <a:r>
-              <a:rPr lang="en-US" dirty="0" err="1"/>
-              <a:t>TestBed</a:t>
-            </a:r>
-            <a:endParaRPr lang="en-US" dirty="0"/>
+              <a:t>Configuring the testing module</a:t>
+            </a:r>
           </a:p>
         </p:txBody>
       </p:sp>
@@ -5331,6 +7063,11 @@
             </a:pPr>
             <a:r>
               <a:rPr lang="en-US" dirty="0" err="1">
+                <a:solidFill>
+                  <a:schemeClr val="accent2">
+                    <a:lumMod val="75000"/>
+                  </a:schemeClr>
+                </a:solidFill>
                 <a:latin typeface="Courier" pitchFamily="2" charset="0"/>
               </a:rPr>
               <a:t>beforeEach</a:t>
@@ -5356,7 +7093,24 @@
               <a:rPr lang="en-US" dirty="0">
                 <a:latin typeface="Courier" pitchFamily="2" charset="0"/>
               </a:rPr>
-              <a:t>(() =&gt; {</a:t>
+              <a:t>(</a:t>
+            </a:r>
+            <a:r>
+              <a:rPr lang="en-US" dirty="0">
+                <a:solidFill>
+                  <a:schemeClr val="accent2">
+                    <a:lumMod val="75000"/>
+                  </a:schemeClr>
+                </a:solidFill>
+                <a:latin typeface="Courier" pitchFamily="2" charset="0"/>
+              </a:rPr>
+              <a:t>function</a:t>
+            </a:r>
+            <a:r>
+              <a:rPr lang="en-US" dirty="0">
+                <a:latin typeface="Courier" pitchFamily="2" charset="0"/>
+              </a:rPr>
+              <a:t>() {</a:t>
             </a:r>
             <a:br>
               <a:rPr lang="en-US" dirty="0">
@@ -5367,7 +7121,7 @@
               <a:rPr lang="en-US" dirty="0">
                 <a:latin typeface="Courier" pitchFamily="2" charset="0"/>
               </a:rPr>
-              <a:t>   </a:t>
+              <a:t>      </a:t>
             </a:r>
             <a:r>
               <a:rPr lang="en-US" b="1" dirty="0" err="1">
@@ -5395,13 +7149,36 @@
               <a:rPr lang="en-US" dirty="0">
                 <a:latin typeface="Courier" pitchFamily="2" charset="0"/>
               </a:rPr>
-              <a:t>      declarations:[</a:t>
+              <a:t>         declarations:[</a:t>
             </a:r>
             <a:r>
               <a:rPr lang="en-US" dirty="0" err="1">
                 <a:latin typeface="Courier" pitchFamily="2" charset="0"/>
               </a:rPr>
               <a:t>MyAwesomeComponent</a:t>
+            </a:r>
+            <a:r>
+              <a:rPr lang="en-US" dirty="0">
+                <a:latin typeface="Courier" pitchFamily="2" charset="0"/>
+              </a:rPr>
+              <a:t>],</a:t>
+            </a:r>
+            <a:br>
+              <a:rPr lang="en-US" dirty="0">
+                <a:latin typeface="Courier" pitchFamily="2" charset="0"/>
+              </a:rPr>
+            </a:br>
+            <a:r>
+              <a:rPr lang="en-US" dirty="0">
+                <a:latin typeface="Courier" pitchFamily="2" charset="0"/>
+              </a:rPr>
+              <a:t>         providers: [</a:t>
+            </a:r>
+            <a:r>
+              <a:rPr lang="en-US" dirty="0" err="1">
+                <a:latin typeface="Courier" pitchFamily="2" charset="0"/>
+              </a:rPr>
+              <a:t>MyAwesomeService</a:t>
             </a:r>
             <a:r>
               <a:rPr lang="en-US" dirty="0">
@@ -5418,7 +7195,7 @@
               <a:rPr lang="en-US" dirty="0">
                 <a:latin typeface="Courier" pitchFamily="2" charset="0"/>
               </a:rPr>
-              <a:t>   }).</a:t>
+              <a:t>      }).</a:t>
             </a:r>
             <a:r>
               <a:rPr lang="en-US" b="1" dirty="0" err="1">
@@ -5446,7 +7223,18 @@
               <a:rPr lang="en-US" dirty="0">
                 <a:latin typeface="Courier" pitchFamily="2" charset="0"/>
               </a:rPr>
-              <a:t>}));</a:t>
+              <a:t>   })</a:t>
+            </a:r>
+            <a:br>
+              <a:rPr lang="en-US" dirty="0">
+                <a:latin typeface="Courier" pitchFamily="2" charset="0"/>
+              </a:rPr>
+            </a:br>
+            <a:r>
+              <a:rPr lang="en-US" dirty="0">
+                <a:latin typeface="Courier" pitchFamily="2" charset="0"/>
+              </a:rPr>
+              <a:t>);</a:t>
             </a:r>
           </a:p>
         </p:txBody>
@@ -5537,13 +7325,21 @@
           <a:p>
             <a:r>
               <a:rPr lang="en-US" dirty="0"/>
-              <a:t>Wraps a test function in an asynchronous test zone. </a:t>
-            </a:r>
-          </a:p>
-          <a:p>
-            <a:r>
-              <a:rPr lang="en-US" dirty="0"/>
-              <a:t>The test will automatically complete when all asynchronous calls within this zone are done. </a:t>
+              <a:t>Wraps a test function in an </a:t>
+            </a:r>
+            <a:r>
+              <a:rPr lang="en-US" i="1" dirty="0"/>
+              <a:t>asynchronous test zone</a:t>
+            </a:r>
+            <a:r>
+              <a:rPr lang="en-US" dirty="0"/>
+              <a:t>. </a:t>
+            </a:r>
+          </a:p>
+          <a:p>
+            <a:r>
+              <a:rPr lang="en-US" dirty="0"/>
+              <a:t>The test will automatically complete when all asynchronous calls within this zone are completed. </a:t>
             </a:r>
           </a:p>
           <a:p>
@@ -5574,94 +7370,190 @@
   <p:clrMapOvr>
     <a:masterClrMapping/>
   </p:clrMapOvr>
+  <p:timing>
+    <p:tnLst>
+      <p:par>
+        <p:cTn id="1" dur="indefinite" restart="never" nodeType="tmRoot">
+          <p:childTnLst>
+            <p:seq concurrent="1" nextAc="seek">
+              <p:cTn id="2" dur="indefinite" nodeType="mainSeq">
+                <p:childTnLst>
+                  <p:par>
+                    <p:cTn id="3" fill="hold">
+                      <p:stCondLst>
+                        <p:cond delay="indefinite"/>
+                      </p:stCondLst>
+                      <p:childTnLst>
+                        <p:par>
+                          <p:cTn id="4" fill="hold">
+                            <p:stCondLst>
+                              <p:cond delay="0"/>
+                            </p:stCondLst>
+                            <p:childTnLst>
+                              <p:par>
+                                <p:cTn id="5" presetID="1" presetClass="entr" presetSubtype="0" fill="hold" grpId="0" nodeType="clickEffect">
+                                  <p:stCondLst>
+                                    <p:cond delay="0"/>
+                                  </p:stCondLst>
+                                  <p:childTnLst>
+                                    <p:set>
+                                      <p:cBhvr>
+                                        <p:cTn id="6" dur="1" fill="hold">
+                                          <p:stCondLst>
+                                            <p:cond delay="0"/>
+                                          </p:stCondLst>
+                                        </p:cTn>
+                                        <p:tgtEl>
+                                          <p:spTgt spid="3">
+                                            <p:txEl>
+                                              <p:pRg st="0" end="0"/>
+                                            </p:txEl>
+                                          </p:spTgt>
+                                        </p:tgtEl>
+                                        <p:attrNameLst>
+                                          <p:attrName>style.visibility</p:attrName>
+                                        </p:attrNameLst>
+                                      </p:cBhvr>
+                                      <p:to>
+                                        <p:strVal val="visible"/>
+                                      </p:to>
+                                    </p:set>
+                                  </p:childTnLst>
+                                </p:cTn>
+                              </p:par>
+                            </p:childTnLst>
+                          </p:cTn>
+                        </p:par>
+                      </p:childTnLst>
+                    </p:cTn>
+                  </p:par>
+                  <p:par>
+                    <p:cTn id="7" fill="hold">
+                      <p:stCondLst>
+                        <p:cond delay="indefinite"/>
+                      </p:stCondLst>
+                      <p:childTnLst>
+                        <p:par>
+                          <p:cTn id="8" fill="hold">
+                            <p:stCondLst>
+                              <p:cond delay="0"/>
+                            </p:stCondLst>
+                            <p:childTnLst>
+                              <p:par>
+                                <p:cTn id="9" presetID="1" presetClass="entr" presetSubtype="0" fill="hold" grpId="0" nodeType="clickEffect">
+                                  <p:stCondLst>
+                                    <p:cond delay="0"/>
+                                  </p:stCondLst>
+                                  <p:childTnLst>
+                                    <p:set>
+                                      <p:cBhvr>
+                                        <p:cTn id="10" dur="1" fill="hold">
+                                          <p:stCondLst>
+                                            <p:cond delay="0"/>
+                                          </p:stCondLst>
+                                        </p:cTn>
+                                        <p:tgtEl>
+                                          <p:spTgt spid="3">
+                                            <p:txEl>
+                                              <p:pRg st="1" end="1"/>
+                                            </p:txEl>
+                                          </p:spTgt>
+                                        </p:tgtEl>
+                                        <p:attrNameLst>
+                                          <p:attrName>style.visibility</p:attrName>
+                                        </p:attrNameLst>
+                                      </p:cBhvr>
+                                      <p:to>
+                                        <p:strVal val="visible"/>
+                                      </p:to>
+                                    </p:set>
+                                  </p:childTnLst>
+                                </p:cTn>
+                              </p:par>
+                            </p:childTnLst>
+                          </p:cTn>
+                        </p:par>
+                      </p:childTnLst>
+                    </p:cTn>
+                  </p:par>
+                  <p:par>
+                    <p:cTn id="11" fill="hold">
+                      <p:stCondLst>
+                        <p:cond delay="indefinite"/>
+                      </p:stCondLst>
+                      <p:childTnLst>
+                        <p:par>
+                          <p:cTn id="12" fill="hold">
+                            <p:stCondLst>
+                              <p:cond delay="0"/>
+                            </p:stCondLst>
+                            <p:childTnLst>
+                              <p:par>
+                                <p:cTn id="13" presetID="1" presetClass="entr" presetSubtype="0" fill="hold" grpId="0" nodeType="clickEffect">
+                                  <p:stCondLst>
+                                    <p:cond delay="0"/>
+                                  </p:stCondLst>
+                                  <p:childTnLst>
+                                    <p:set>
+                                      <p:cBhvr>
+                                        <p:cTn id="14" dur="1" fill="hold">
+                                          <p:stCondLst>
+                                            <p:cond delay="0"/>
+                                          </p:stCondLst>
+                                        </p:cTn>
+                                        <p:tgtEl>
+                                          <p:spTgt spid="3">
+                                            <p:txEl>
+                                              <p:pRg st="2" end="2"/>
+                                            </p:txEl>
+                                          </p:spTgt>
+                                        </p:tgtEl>
+                                        <p:attrNameLst>
+                                          <p:attrName>style.visibility</p:attrName>
+                                        </p:attrNameLst>
+                                      </p:cBhvr>
+                                      <p:to>
+                                        <p:strVal val="visible"/>
+                                      </p:to>
+                                    </p:set>
+                                  </p:childTnLst>
+                                </p:cTn>
+                              </p:par>
+                            </p:childTnLst>
+                          </p:cTn>
+                        </p:par>
+                      </p:childTnLst>
+                    </p:cTn>
+                  </p:par>
+                </p:childTnLst>
+              </p:cTn>
+              <p:prevCondLst>
+                <p:cond evt="onPrev" delay="0">
+                  <p:tgtEl>
+                    <p:sldTgt/>
+                  </p:tgtEl>
+                </p:cond>
+              </p:prevCondLst>
+              <p:nextCondLst>
+                <p:cond evt="onNext" delay="0">
+                  <p:tgtEl>
+                    <p:sldTgt/>
+                  </p:tgtEl>
+                </p:cond>
+              </p:nextCondLst>
+            </p:seq>
+          </p:childTnLst>
+        </p:cTn>
+      </p:par>
+    </p:tnLst>
+    <p:bldLst>
+      <p:bldP spid="3" grpId="0" build="p"/>
+    </p:bldLst>
+  </p:timing>
 </p:sld>
 </file>
 
 <file path=ppt/slides/slide6.xml><?xml version="1.0" encoding="utf-8"?>
-<p:sld xmlns:a="http://schemas.openxmlformats.org/drawingml/2006/main" xmlns:r="http://schemas.openxmlformats.org/officeDocument/2006/relationships" xmlns:p="http://schemas.openxmlformats.org/presentationml/2006/main">
-  <p:cSld>
-    <p:spTree>
-      <p:nvGrpSpPr>
-        <p:cNvPr id="1" name=""/>
-        <p:cNvGrpSpPr/>
-        <p:nvPr/>
-      </p:nvGrpSpPr>
-      <p:grpSpPr>
-        <a:xfrm>
-          <a:off x="0" y="0"/>
-          <a:ext cx="0" cy="0"/>
-          <a:chOff x="0" y="0"/>
-          <a:chExt cx="0" cy="0"/>
-        </a:xfrm>
-      </p:grpSpPr>
-      <p:sp>
-        <p:nvSpPr>
-          <p:cNvPr id="2" name="Title 1">
-            <a:extLst>
-              <a:ext uri="{FF2B5EF4-FFF2-40B4-BE49-F238E27FC236}">
-                <a16:creationId xmlns:a16="http://schemas.microsoft.com/office/drawing/2014/main" id="{DBFFE307-923A-EE4C-BD0D-DD14DB8BEDF9}"/>
-              </a:ext>
-            </a:extLst>
-          </p:cNvPr>
-          <p:cNvSpPr>
-            <a:spLocks noGrp="1"/>
-          </p:cNvSpPr>
-          <p:nvPr>
-            <p:ph type="title"/>
-          </p:nvPr>
-        </p:nvSpPr>
-        <p:spPr/>
-        <p:txBody>
-          <a:bodyPr/>
-          <a:lstStyle/>
-          <a:p>
-            <a:r>
-              <a:rPr lang="en-US" dirty="0" err="1"/>
-              <a:t>TestBed.configureTestingModule</a:t>
-            </a:r>
-            <a:endParaRPr lang="en-US" dirty="0"/>
-          </a:p>
-        </p:txBody>
-      </p:sp>
-      <p:sp>
-        <p:nvSpPr>
-          <p:cNvPr id="3" name="Content Placeholder 2">
-            <a:extLst>
-              <a:ext uri="{FF2B5EF4-FFF2-40B4-BE49-F238E27FC236}">
-                <a16:creationId xmlns:a16="http://schemas.microsoft.com/office/drawing/2014/main" id="{AEAE9877-5FCF-4245-9D59-771910BF17C8}"/>
-              </a:ext>
-            </a:extLst>
-          </p:cNvPr>
-          <p:cNvSpPr>
-            <a:spLocks noGrp="1"/>
-          </p:cNvSpPr>
-          <p:nvPr>
-            <p:ph idx="1"/>
-          </p:nvPr>
-        </p:nvSpPr>
-        <p:spPr/>
-        <p:txBody>
-          <a:bodyPr/>
-          <a:lstStyle/>
-          <a:p>
-            <a:endParaRPr lang="en-US"/>
-          </a:p>
-        </p:txBody>
-      </p:sp>
-    </p:spTree>
-    <p:extLst>
-      <p:ext uri="{BB962C8B-B14F-4D97-AF65-F5344CB8AC3E}">
-        <p14:creationId xmlns:p14="http://schemas.microsoft.com/office/powerpoint/2010/main" val="576944578"/>
-      </p:ext>
-    </p:extLst>
-  </p:cSld>
-  <p:clrMapOvr>
-    <a:masterClrMapping/>
-  </p:clrMapOvr>
-</p:sld>
-</file>
-
-<file path=ppt/slides/slide7.xml><?xml version="1.0" encoding="utf-8"?>
 <p:sld xmlns:a="http://schemas.openxmlformats.org/drawingml/2006/main" xmlns:r="http://schemas.openxmlformats.org/officeDocument/2006/relationships" xmlns:p="http://schemas.openxmlformats.org/presentationml/2006/main">
   <p:cSld>
     <p:spTree>
@@ -5700,10 +7592,14 @@
           <a:lstStyle/>
           <a:p>
             <a:r>
-              <a:rPr lang="en-US" dirty="0" err="1"/>
+              <a:rPr lang="en-US" dirty="0" err="1">
+                <a:latin typeface="Courier" pitchFamily="2" charset="0"/>
+              </a:rPr>
               <a:t>TestBed.compileComponents</a:t>
             </a:r>
-            <a:endParaRPr lang="en-US" dirty="0"/>
+            <a:endParaRPr lang="en-US" dirty="0">
+              <a:latin typeface="Courier" pitchFamily="2" charset="0"/>
+            </a:endParaRPr>
           </a:p>
         </p:txBody>
       </p:sp>
@@ -5728,7 +7624,79 @@
           <a:bodyPr/>
           <a:lstStyle/>
           <a:p>
-            <a:endParaRPr lang="en-US"/>
+            <a:r>
+              <a:rPr lang="en-US" dirty="0"/>
+              <a:t>Components typically require external files (HTML and stylesheets).</a:t>
+            </a:r>
+          </a:p>
+          <a:p>
+            <a:r>
+              <a:rPr lang="en-US" dirty="0"/>
+              <a:t>The Angular compiler must read these files from the file system, an inherently </a:t>
+            </a:r>
+            <a:r>
+              <a:rPr lang="en-US" i="1" dirty="0"/>
+              <a:t>asynchronous</a:t>
+            </a:r>
+            <a:r>
+              <a:rPr lang="en-US" dirty="0"/>
+              <a:t> operation.</a:t>
+            </a:r>
+          </a:p>
+          <a:p>
+            <a:r>
+              <a:rPr lang="en-US" dirty="0"/>
+              <a:t>Calling </a:t>
+            </a:r>
+            <a:r>
+              <a:rPr lang="en-US" dirty="0" err="1">
+                <a:latin typeface="Courier" pitchFamily="2" charset="0"/>
+              </a:rPr>
+              <a:t>compileComponents</a:t>
+            </a:r>
+            <a:r>
+              <a:rPr lang="en-US" dirty="0">
+                <a:latin typeface="Courier" pitchFamily="2" charset="0"/>
+              </a:rPr>
+              <a:t>()</a:t>
+            </a:r>
+            <a:r>
+              <a:rPr lang="en-US" dirty="0"/>
+              <a:t> must be executed within an asynchronous test function.</a:t>
+            </a:r>
+          </a:p>
+          <a:p>
+            <a:pPr lvl="1"/>
+            <a:r>
+              <a:rPr lang="en-US" dirty="0"/>
+              <a:t>Use </a:t>
+            </a:r>
+            <a:r>
+              <a:rPr lang="en-US" dirty="0" err="1">
+                <a:latin typeface="Courier" pitchFamily="2" charset="0"/>
+              </a:rPr>
+              <a:t>waitForAsync</a:t>
+            </a:r>
+            <a:r>
+              <a:rPr lang="en-US" dirty="0"/>
+              <a:t> function to solve this issue.</a:t>
+            </a:r>
+          </a:p>
+          <a:p>
+            <a:r>
+              <a:rPr lang="en-US" dirty="0"/>
+              <a:t>See </a:t>
+            </a:r>
+            <a:r>
+              <a:rPr lang="en-US" dirty="0">
+                <a:hlinkClick r:id="rId2"/>
+              </a:rPr>
+              <a:t>https://angular.io/guide/testing-components-scenarios#compile-components</a:t>
+            </a:r>
+            <a:r>
+              <a:rPr lang="en-US" dirty="0"/>
+              <a:t> for a very detailed explanation of why this function is important and issues that may occur when it is not executed.</a:t>
+            </a:r>
           </a:p>
         </p:txBody>
       </p:sp>
@@ -5742,10 +7710,270 @@
   <p:clrMapOvr>
     <a:masterClrMapping/>
   </p:clrMapOvr>
+  <p:timing>
+    <p:tnLst>
+      <p:par>
+        <p:cTn id="1" dur="indefinite" restart="never" nodeType="tmRoot">
+          <p:childTnLst>
+            <p:seq concurrent="1" nextAc="seek">
+              <p:cTn id="2" dur="indefinite" nodeType="mainSeq">
+                <p:childTnLst>
+                  <p:par>
+                    <p:cTn id="3" fill="hold">
+                      <p:stCondLst>
+                        <p:cond delay="indefinite"/>
+                      </p:stCondLst>
+                      <p:childTnLst>
+                        <p:par>
+                          <p:cTn id="4" fill="hold">
+                            <p:stCondLst>
+                              <p:cond delay="0"/>
+                            </p:stCondLst>
+                            <p:childTnLst>
+                              <p:par>
+                                <p:cTn id="5" presetID="1" presetClass="entr" presetSubtype="0" fill="hold" grpId="0" nodeType="clickEffect">
+                                  <p:stCondLst>
+                                    <p:cond delay="0"/>
+                                  </p:stCondLst>
+                                  <p:childTnLst>
+                                    <p:set>
+                                      <p:cBhvr>
+                                        <p:cTn id="6" dur="1" fill="hold">
+                                          <p:stCondLst>
+                                            <p:cond delay="0"/>
+                                          </p:stCondLst>
+                                        </p:cTn>
+                                        <p:tgtEl>
+                                          <p:spTgt spid="3">
+                                            <p:txEl>
+                                              <p:pRg st="0" end="0"/>
+                                            </p:txEl>
+                                          </p:spTgt>
+                                        </p:tgtEl>
+                                        <p:attrNameLst>
+                                          <p:attrName>style.visibility</p:attrName>
+                                        </p:attrNameLst>
+                                      </p:cBhvr>
+                                      <p:to>
+                                        <p:strVal val="visible"/>
+                                      </p:to>
+                                    </p:set>
+                                  </p:childTnLst>
+                                </p:cTn>
+                              </p:par>
+                            </p:childTnLst>
+                          </p:cTn>
+                        </p:par>
+                      </p:childTnLst>
+                    </p:cTn>
+                  </p:par>
+                  <p:par>
+                    <p:cTn id="7" fill="hold">
+                      <p:stCondLst>
+                        <p:cond delay="indefinite"/>
+                      </p:stCondLst>
+                      <p:childTnLst>
+                        <p:par>
+                          <p:cTn id="8" fill="hold">
+                            <p:stCondLst>
+                              <p:cond delay="0"/>
+                            </p:stCondLst>
+                            <p:childTnLst>
+                              <p:par>
+                                <p:cTn id="9" presetID="1" presetClass="entr" presetSubtype="0" fill="hold" grpId="0" nodeType="clickEffect">
+                                  <p:stCondLst>
+                                    <p:cond delay="0"/>
+                                  </p:stCondLst>
+                                  <p:childTnLst>
+                                    <p:set>
+                                      <p:cBhvr>
+                                        <p:cTn id="10" dur="1" fill="hold">
+                                          <p:stCondLst>
+                                            <p:cond delay="0"/>
+                                          </p:stCondLst>
+                                        </p:cTn>
+                                        <p:tgtEl>
+                                          <p:spTgt spid="3">
+                                            <p:txEl>
+                                              <p:pRg st="1" end="1"/>
+                                            </p:txEl>
+                                          </p:spTgt>
+                                        </p:tgtEl>
+                                        <p:attrNameLst>
+                                          <p:attrName>style.visibility</p:attrName>
+                                        </p:attrNameLst>
+                                      </p:cBhvr>
+                                      <p:to>
+                                        <p:strVal val="visible"/>
+                                      </p:to>
+                                    </p:set>
+                                  </p:childTnLst>
+                                </p:cTn>
+                              </p:par>
+                            </p:childTnLst>
+                          </p:cTn>
+                        </p:par>
+                      </p:childTnLst>
+                    </p:cTn>
+                  </p:par>
+                  <p:par>
+                    <p:cTn id="11" fill="hold">
+                      <p:stCondLst>
+                        <p:cond delay="indefinite"/>
+                      </p:stCondLst>
+                      <p:childTnLst>
+                        <p:par>
+                          <p:cTn id="12" fill="hold">
+                            <p:stCondLst>
+                              <p:cond delay="0"/>
+                            </p:stCondLst>
+                            <p:childTnLst>
+                              <p:par>
+                                <p:cTn id="13" presetID="1" presetClass="entr" presetSubtype="0" fill="hold" grpId="0" nodeType="clickEffect">
+                                  <p:stCondLst>
+                                    <p:cond delay="0"/>
+                                  </p:stCondLst>
+                                  <p:childTnLst>
+                                    <p:set>
+                                      <p:cBhvr>
+                                        <p:cTn id="14" dur="1" fill="hold">
+                                          <p:stCondLst>
+                                            <p:cond delay="0"/>
+                                          </p:stCondLst>
+                                        </p:cTn>
+                                        <p:tgtEl>
+                                          <p:spTgt spid="3">
+                                            <p:txEl>
+                                              <p:pRg st="2" end="2"/>
+                                            </p:txEl>
+                                          </p:spTgt>
+                                        </p:tgtEl>
+                                        <p:attrNameLst>
+                                          <p:attrName>style.visibility</p:attrName>
+                                        </p:attrNameLst>
+                                      </p:cBhvr>
+                                      <p:to>
+                                        <p:strVal val="visible"/>
+                                      </p:to>
+                                    </p:set>
+                                  </p:childTnLst>
+                                </p:cTn>
+                              </p:par>
+                              <p:par>
+                                <p:cTn id="15" presetID="1" presetClass="entr" presetSubtype="0" fill="hold" grpId="0" nodeType="withEffect">
+                                  <p:stCondLst>
+                                    <p:cond delay="0"/>
+                                  </p:stCondLst>
+                                  <p:childTnLst>
+                                    <p:set>
+                                      <p:cBhvr>
+                                        <p:cTn id="16" dur="1" fill="hold">
+                                          <p:stCondLst>
+                                            <p:cond delay="0"/>
+                                          </p:stCondLst>
+                                        </p:cTn>
+                                        <p:tgtEl>
+                                          <p:spTgt spid="3">
+                                            <p:txEl>
+                                              <p:pRg st="3" end="3"/>
+                                            </p:txEl>
+                                          </p:spTgt>
+                                        </p:tgtEl>
+                                        <p:attrNameLst>
+                                          <p:attrName>style.visibility</p:attrName>
+                                        </p:attrNameLst>
+                                      </p:cBhvr>
+                                      <p:to>
+                                        <p:strVal val="visible"/>
+                                      </p:to>
+                                    </p:set>
+                                  </p:childTnLst>
+                                </p:cTn>
+                              </p:par>
+                            </p:childTnLst>
+                          </p:cTn>
+                        </p:par>
+                      </p:childTnLst>
+                    </p:cTn>
+                  </p:par>
+                  <p:par>
+                    <p:cTn id="17" fill="hold">
+                      <p:stCondLst>
+                        <p:cond delay="indefinite"/>
+                      </p:stCondLst>
+                      <p:childTnLst>
+                        <p:par>
+                          <p:cTn id="18" fill="hold">
+                            <p:stCondLst>
+                              <p:cond delay="0"/>
+                            </p:stCondLst>
+                            <p:childTnLst>
+                              <p:par>
+                                <p:cTn id="19" presetID="1" presetClass="entr" presetSubtype="0" fill="hold" grpId="0" nodeType="clickEffect">
+                                  <p:stCondLst>
+                                    <p:cond delay="0"/>
+                                  </p:stCondLst>
+                                  <p:childTnLst>
+                                    <p:set>
+                                      <p:cBhvr>
+                                        <p:cTn id="20" dur="1" fill="hold">
+                                          <p:stCondLst>
+                                            <p:cond delay="0"/>
+                                          </p:stCondLst>
+                                        </p:cTn>
+                                        <p:tgtEl>
+                                          <p:spTgt spid="3">
+                                            <p:txEl>
+                                              <p:pRg st="4" end="4"/>
+                                            </p:txEl>
+                                          </p:spTgt>
+                                        </p:tgtEl>
+                                        <p:attrNameLst>
+                                          <p:attrName>style.visibility</p:attrName>
+                                        </p:attrNameLst>
+                                      </p:cBhvr>
+                                      <p:to>
+                                        <p:strVal val="visible"/>
+                                      </p:to>
+                                    </p:set>
+                                  </p:childTnLst>
+                                </p:cTn>
+                              </p:par>
+                            </p:childTnLst>
+                          </p:cTn>
+                        </p:par>
+                      </p:childTnLst>
+                    </p:cTn>
+                  </p:par>
+                </p:childTnLst>
+              </p:cTn>
+              <p:prevCondLst>
+                <p:cond evt="onPrev" delay="0">
+                  <p:tgtEl>
+                    <p:sldTgt/>
+                  </p:tgtEl>
+                </p:cond>
+              </p:prevCondLst>
+              <p:nextCondLst>
+                <p:cond evt="onNext" delay="0">
+                  <p:tgtEl>
+                    <p:sldTgt/>
+                  </p:tgtEl>
+                </p:cond>
+              </p:nextCondLst>
+            </p:seq>
+          </p:childTnLst>
+        </p:cTn>
+      </p:par>
+    </p:tnLst>
+    <p:bldLst>
+      <p:bldP spid="3" grpId="0" build="p"/>
+    </p:bldLst>
+  </p:timing>
 </p:sld>
 </file>
 
-<file path=ppt/slides/slide8.xml><?xml version="1.0" encoding="utf-8"?>
+<file path=ppt/slides/slide7.xml><?xml version="1.0" encoding="utf-8"?>
 <p:sld xmlns:a="http://schemas.openxmlformats.org/drawingml/2006/main" xmlns:r="http://schemas.openxmlformats.org/officeDocument/2006/relationships" xmlns:p="http://schemas.openxmlformats.org/presentationml/2006/main">
   <p:cSld>
     <p:spTree>
@@ -5784,10 +8012,11 @@
           <a:lstStyle/>
           <a:p>
             <a:r>
-              <a:rPr lang="en-US" dirty="0" err="1"/>
-              <a:t>TestBed.inject</a:t>
-            </a:r>
-            <a:endParaRPr lang="en-US" dirty="0"/>
+              <a:rPr lang="en-US" dirty="0">
+                <a:latin typeface="Courier" pitchFamily="2" charset="0"/>
+              </a:rPr>
+              <a:t>inject</a:t>
+            </a:r>
           </a:p>
         </p:txBody>
       </p:sp>
@@ -5809,10 +8038,253 @@
         </p:nvSpPr>
         <p:spPr/>
         <p:txBody>
-          <a:bodyPr/>
+          <a:bodyPr>
+            <a:normAutofit fontScale="85000" lnSpcReduction="20000"/>
+          </a:bodyPr>
           <a:lstStyle/>
           <a:p>
-            <a:endParaRPr lang="en-US"/>
+            <a:r>
+              <a:rPr lang="en-US" dirty="0"/>
+              <a:t>Injects dependencies from </a:t>
+            </a:r>
+            <a:r>
+              <a:rPr lang="en-US" dirty="0" err="1"/>
+              <a:t>TestBed</a:t>
+            </a:r>
+            <a:r>
+              <a:rPr lang="en-US" dirty="0"/>
+              <a:t> into </a:t>
+            </a:r>
+            <a:r>
+              <a:rPr lang="en-US" dirty="0" err="1">
+                <a:latin typeface="Courier" pitchFamily="2" charset="0"/>
+              </a:rPr>
+              <a:t>beforeEach</a:t>
+            </a:r>
+            <a:r>
+              <a:rPr lang="en-US" dirty="0">
+                <a:latin typeface="Courier" pitchFamily="2" charset="0"/>
+              </a:rPr>
+              <a:t>()</a:t>
+            </a:r>
+            <a:r>
+              <a:rPr lang="en-US" dirty="0"/>
+              <a:t> and </a:t>
+            </a:r>
+            <a:r>
+              <a:rPr lang="en-US" dirty="0">
+                <a:latin typeface="Courier" pitchFamily="2" charset="0"/>
+              </a:rPr>
+              <a:t>it()</a:t>
+            </a:r>
+            <a:r>
+              <a:rPr lang="en-US" dirty="0"/>
+              <a:t>.</a:t>
+            </a:r>
+          </a:p>
+          <a:p>
+            <a:pPr marL="0" indent="0">
+              <a:buNone/>
+            </a:pPr>
+            <a:br>
+              <a:rPr lang="en-US" dirty="0"/>
+            </a:br>
+            <a:r>
+              <a:rPr lang="en-US" dirty="0" err="1">
+                <a:solidFill>
+                  <a:schemeClr val="accent2">
+                    <a:lumMod val="75000"/>
+                  </a:schemeClr>
+                </a:solidFill>
+                <a:latin typeface="Courier" pitchFamily="2" charset="0"/>
+              </a:rPr>
+              <a:t>beforeEach</a:t>
+            </a:r>
+            <a:r>
+              <a:rPr lang="en-US" dirty="0">
+                <a:latin typeface="Courier" pitchFamily="2" charset="0"/>
+              </a:rPr>
+              <a:t>(</a:t>
+            </a:r>
+            <a:r>
+              <a:rPr lang="en-US" b="1" dirty="0">
+                <a:solidFill>
+                  <a:srgbClr val="7030A0"/>
+                </a:solidFill>
+                <a:latin typeface="Courier" pitchFamily="2" charset="0"/>
+              </a:rPr>
+              <a:t>inject</a:t>
+            </a:r>
+            <a:r>
+              <a:rPr lang="en-US" dirty="0">
+                <a:latin typeface="Courier" pitchFamily="2" charset="0"/>
+              </a:rPr>
+              <a:t>([Dependency, </a:t>
+            </a:r>
+            <a:r>
+              <a:rPr lang="en-US" dirty="0" err="1">
+                <a:latin typeface="Courier" pitchFamily="2" charset="0"/>
+              </a:rPr>
+              <a:t>AClass</a:t>
+            </a:r>
+            <a:r>
+              <a:rPr lang="en-US" dirty="0">
+                <a:latin typeface="Courier" pitchFamily="2" charset="0"/>
+              </a:rPr>
+              <a:t>], (dep, object) =&gt; {</a:t>
+            </a:r>
+          </a:p>
+          <a:p>
+            <a:pPr marL="0" indent="0">
+              <a:buNone/>
+            </a:pPr>
+            <a:r>
+              <a:rPr lang="en-US" dirty="0">
+                <a:latin typeface="Courier" pitchFamily="2" charset="0"/>
+              </a:rPr>
+              <a:t>  // some code that uses `dep` and `object`</a:t>
+            </a:r>
+          </a:p>
+          <a:p>
+            <a:pPr marL="0" indent="0">
+              <a:buNone/>
+            </a:pPr>
+            <a:r>
+              <a:rPr lang="en-US" dirty="0">
+                <a:latin typeface="Courier" pitchFamily="2" charset="0"/>
+              </a:rPr>
+              <a:t>  // ...</a:t>
+            </a:r>
+          </a:p>
+          <a:p>
+            <a:pPr marL="0" indent="0">
+              <a:buNone/>
+            </a:pPr>
+            <a:r>
+              <a:rPr lang="en-US" dirty="0">
+                <a:latin typeface="Courier" pitchFamily="2" charset="0"/>
+              </a:rPr>
+              <a:t>}));</a:t>
+            </a:r>
+          </a:p>
+          <a:p>
+            <a:pPr marL="0" indent="0">
+              <a:buNone/>
+            </a:pPr>
+            <a:endParaRPr lang="en-US" dirty="0">
+              <a:latin typeface="Courier" pitchFamily="2" charset="0"/>
+            </a:endParaRPr>
+          </a:p>
+          <a:p>
+            <a:pPr marL="0" indent="0">
+              <a:buNone/>
+            </a:pPr>
+            <a:r>
+              <a:rPr lang="en-US" dirty="0">
+                <a:solidFill>
+                  <a:schemeClr val="accent2">
+                    <a:lumMod val="75000"/>
+                  </a:schemeClr>
+                </a:solidFill>
+                <a:latin typeface="Courier" pitchFamily="2" charset="0"/>
+              </a:rPr>
+              <a:t>it</a:t>
+            </a:r>
+            <a:r>
+              <a:rPr lang="en-US" dirty="0">
+                <a:latin typeface="Courier" pitchFamily="2" charset="0"/>
+              </a:rPr>
+              <a:t>('...', </a:t>
+            </a:r>
+            <a:r>
+              <a:rPr lang="en-US" b="1" dirty="0">
+                <a:solidFill>
+                  <a:srgbClr val="7030A0"/>
+                </a:solidFill>
+                <a:latin typeface="Courier" pitchFamily="2" charset="0"/>
+              </a:rPr>
+              <a:t>inject</a:t>
+            </a:r>
+            <a:r>
+              <a:rPr lang="en-US" dirty="0">
+                <a:latin typeface="Courier" pitchFamily="2" charset="0"/>
+              </a:rPr>
+              <a:t>([</a:t>
+            </a:r>
+            <a:r>
+              <a:rPr lang="en-US" dirty="0" err="1">
+                <a:latin typeface="Courier" pitchFamily="2" charset="0"/>
+              </a:rPr>
+              <a:t>AClass</a:t>
+            </a:r>
+            <a:r>
+              <a:rPr lang="en-US" dirty="0">
+                <a:latin typeface="Courier" pitchFamily="2" charset="0"/>
+              </a:rPr>
+              <a:t>], (object) =&gt; {</a:t>
+            </a:r>
+          </a:p>
+          <a:p>
+            <a:pPr marL="0" indent="0">
+              <a:buNone/>
+            </a:pPr>
+            <a:r>
+              <a:rPr lang="en-US" dirty="0">
+                <a:latin typeface="Courier" pitchFamily="2" charset="0"/>
+              </a:rPr>
+              <a:t>  </a:t>
+            </a:r>
+            <a:r>
+              <a:rPr lang="en-US" dirty="0" err="1">
+                <a:latin typeface="Courier" pitchFamily="2" charset="0"/>
+              </a:rPr>
+              <a:t>object.doSomething</a:t>
+            </a:r>
+            <a:r>
+              <a:rPr lang="en-US" dirty="0">
+                <a:latin typeface="Courier" pitchFamily="2" charset="0"/>
+              </a:rPr>
+              <a:t>();</a:t>
+            </a:r>
+          </a:p>
+          <a:p>
+            <a:pPr marL="0" indent="0">
+              <a:buNone/>
+            </a:pPr>
+            <a:r>
+              <a:rPr lang="en-US" dirty="0">
+                <a:latin typeface="Courier" pitchFamily="2" charset="0"/>
+              </a:rPr>
+              <a:t>  </a:t>
+            </a:r>
+            <a:r>
+              <a:rPr lang="en-US" dirty="0">
+                <a:solidFill>
+                  <a:schemeClr val="accent2">
+                    <a:lumMod val="75000"/>
+                  </a:schemeClr>
+                </a:solidFill>
+                <a:latin typeface="Courier" pitchFamily="2" charset="0"/>
+              </a:rPr>
+              <a:t>expect</a:t>
+            </a:r>
+            <a:r>
+              <a:rPr lang="en-US" dirty="0">
+                <a:latin typeface="Courier" pitchFamily="2" charset="0"/>
+              </a:rPr>
+              <a:t>(...);</a:t>
+            </a:r>
+          </a:p>
+          <a:p>
+            <a:pPr marL="0" indent="0">
+              <a:buNone/>
+            </a:pPr>
+            <a:r>
+              <a:rPr lang="en-US" dirty="0">
+                <a:latin typeface="Courier" pitchFamily="2" charset="0"/>
+              </a:rPr>
+              <a:t>})</a:t>
+            </a:r>
           </a:p>
         </p:txBody>
       </p:sp>
@@ -5826,10 +8298,484 @@
   <p:clrMapOvr>
     <a:masterClrMapping/>
   </p:clrMapOvr>
+  <p:timing>
+    <p:tnLst>
+      <p:par>
+        <p:cTn id="1" dur="indefinite" restart="never" nodeType="tmRoot">
+          <p:childTnLst>
+            <p:seq concurrent="1" nextAc="seek">
+              <p:cTn id="2" dur="indefinite" nodeType="mainSeq">
+                <p:childTnLst>
+                  <p:par>
+                    <p:cTn id="3" fill="hold">
+                      <p:stCondLst>
+                        <p:cond delay="indefinite"/>
+                      </p:stCondLst>
+                      <p:childTnLst>
+                        <p:par>
+                          <p:cTn id="4" fill="hold">
+                            <p:stCondLst>
+                              <p:cond delay="0"/>
+                            </p:stCondLst>
+                            <p:childTnLst>
+                              <p:par>
+                                <p:cTn id="5" presetID="1" presetClass="entr" presetSubtype="0" fill="hold" grpId="0" nodeType="clickEffect">
+                                  <p:stCondLst>
+                                    <p:cond delay="0"/>
+                                  </p:stCondLst>
+                                  <p:childTnLst>
+                                    <p:set>
+                                      <p:cBhvr>
+                                        <p:cTn id="6" dur="1" fill="hold">
+                                          <p:stCondLst>
+                                            <p:cond delay="0"/>
+                                          </p:stCondLst>
+                                        </p:cTn>
+                                        <p:tgtEl>
+                                          <p:spTgt spid="3">
+                                            <p:txEl>
+                                              <p:pRg st="0" end="0"/>
+                                            </p:txEl>
+                                          </p:spTgt>
+                                        </p:tgtEl>
+                                        <p:attrNameLst>
+                                          <p:attrName>style.visibility</p:attrName>
+                                        </p:attrNameLst>
+                                      </p:cBhvr>
+                                      <p:to>
+                                        <p:strVal val="visible"/>
+                                      </p:to>
+                                    </p:set>
+                                  </p:childTnLst>
+                                </p:cTn>
+                              </p:par>
+                            </p:childTnLst>
+                          </p:cTn>
+                        </p:par>
+                      </p:childTnLst>
+                    </p:cTn>
+                  </p:par>
+                  <p:par>
+                    <p:cTn id="7" fill="hold">
+                      <p:stCondLst>
+                        <p:cond delay="indefinite"/>
+                      </p:stCondLst>
+                      <p:childTnLst>
+                        <p:par>
+                          <p:cTn id="8" fill="hold">
+                            <p:stCondLst>
+                              <p:cond delay="0"/>
+                            </p:stCondLst>
+                            <p:childTnLst>
+                              <p:par>
+                                <p:cTn id="9" presetID="1" presetClass="entr" presetSubtype="0" fill="hold" grpId="0" nodeType="clickEffect">
+                                  <p:stCondLst>
+                                    <p:cond delay="0"/>
+                                  </p:stCondLst>
+                                  <p:childTnLst>
+                                    <p:set>
+                                      <p:cBhvr>
+                                        <p:cTn id="10" dur="1" fill="hold">
+                                          <p:stCondLst>
+                                            <p:cond delay="0"/>
+                                          </p:stCondLst>
+                                        </p:cTn>
+                                        <p:tgtEl>
+                                          <p:spTgt spid="3">
+                                            <p:txEl>
+                                              <p:pRg st="1" end="1"/>
+                                            </p:txEl>
+                                          </p:spTgt>
+                                        </p:tgtEl>
+                                        <p:attrNameLst>
+                                          <p:attrName>style.visibility</p:attrName>
+                                        </p:attrNameLst>
+                                      </p:cBhvr>
+                                      <p:to>
+                                        <p:strVal val="visible"/>
+                                      </p:to>
+                                    </p:set>
+                                  </p:childTnLst>
+                                </p:cTn>
+                              </p:par>
+                            </p:childTnLst>
+                          </p:cTn>
+                        </p:par>
+                      </p:childTnLst>
+                    </p:cTn>
+                  </p:par>
+                  <p:par>
+                    <p:cTn id="11" fill="hold">
+                      <p:stCondLst>
+                        <p:cond delay="indefinite"/>
+                      </p:stCondLst>
+                      <p:childTnLst>
+                        <p:par>
+                          <p:cTn id="12" fill="hold">
+                            <p:stCondLst>
+                              <p:cond delay="0"/>
+                            </p:stCondLst>
+                            <p:childTnLst>
+                              <p:par>
+                                <p:cTn id="13" presetID="1" presetClass="entr" presetSubtype="0" fill="hold" grpId="0" nodeType="clickEffect">
+                                  <p:stCondLst>
+                                    <p:cond delay="0"/>
+                                  </p:stCondLst>
+                                  <p:childTnLst>
+                                    <p:set>
+                                      <p:cBhvr>
+                                        <p:cTn id="14" dur="1" fill="hold">
+                                          <p:stCondLst>
+                                            <p:cond delay="0"/>
+                                          </p:stCondLst>
+                                        </p:cTn>
+                                        <p:tgtEl>
+                                          <p:spTgt spid="3">
+                                            <p:txEl>
+                                              <p:pRg st="2" end="2"/>
+                                            </p:txEl>
+                                          </p:spTgt>
+                                        </p:tgtEl>
+                                        <p:attrNameLst>
+                                          <p:attrName>style.visibility</p:attrName>
+                                        </p:attrNameLst>
+                                      </p:cBhvr>
+                                      <p:to>
+                                        <p:strVal val="visible"/>
+                                      </p:to>
+                                    </p:set>
+                                  </p:childTnLst>
+                                </p:cTn>
+                              </p:par>
+                            </p:childTnLst>
+                          </p:cTn>
+                        </p:par>
+                      </p:childTnLst>
+                    </p:cTn>
+                  </p:par>
+                  <p:par>
+                    <p:cTn id="15" fill="hold">
+                      <p:stCondLst>
+                        <p:cond delay="indefinite"/>
+                      </p:stCondLst>
+                      <p:childTnLst>
+                        <p:par>
+                          <p:cTn id="16" fill="hold">
+                            <p:stCondLst>
+                              <p:cond delay="0"/>
+                            </p:stCondLst>
+                            <p:childTnLst>
+                              <p:par>
+                                <p:cTn id="17" presetID="1" presetClass="entr" presetSubtype="0" fill="hold" grpId="0" nodeType="clickEffect">
+                                  <p:stCondLst>
+                                    <p:cond delay="0"/>
+                                  </p:stCondLst>
+                                  <p:childTnLst>
+                                    <p:set>
+                                      <p:cBhvr>
+                                        <p:cTn id="18" dur="1" fill="hold">
+                                          <p:stCondLst>
+                                            <p:cond delay="0"/>
+                                          </p:stCondLst>
+                                        </p:cTn>
+                                        <p:tgtEl>
+                                          <p:spTgt spid="3">
+                                            <p:txEl>
+                                              <p:pRg st="3" end="3"/>
+                                            </p:txEl>
+                                          </p:spTgt>
+                                        </p:tgtEl>
+                                        <p:attrNameLst>
+                                          <p:attrName>style.visibility</p:attrName>
+                                        </p:attrNameLst>
+                                      </p:cBhvr>
+                                      <p:to>
+                                        <p:strVal val="visible"/>
+                                      </p:to>
+                                    </p:set>
+                                  </p:childTnLst>
+                                </p:cTn>
+                              </p:par>
+                            </p:childTnLst>
+                          </p:cTn>
+                        </p:par>
+                      </p:childTnLst>
+                    </p:cTn>
+                  </p:par>
+                  <p:par>
+                    <p:cTn id="19" fill="hold">
+                      <p:stCondLst>
+                        <p:cond delay="indefinite"/>
+                      </p:stCondLst>
+                      <p:childTnLst>
+                        <p:par>
+                          <p:cTn id="20" fill="hold">
+                            <p:stCondLst>
+                              <p:cond delay="0"/>
+                            </p:stCondLst>
+                            <p:childTnLst>
+                              <p:par>
+                                <p:cTn id="21" presetID="1" presetClass="entr" presetSubtype="0" fill="hold" grpId="0" nodeType="clickEffect">
+                                  <p:stCondLst>
+                                    <p:cond delay="0"/>
+                                  </p:stCondLst>
+                                  <p:childTnLst>
+                                    <p:set>
+                                      <p:cBhvr>
+                                        <p:cTn id="22" dur="1" fill="hold">
+                                          <p:stCondLst>
+                                            <p:cond delay="0"/>
+                                          </p:stCondLst>
+                                        </p:cTn>
+                                        <p:tgtEl>
+                                          <p:spTgt spid="3">
+                                            <p:txEl>
+                                              <p:pRg st="4" end="4"/>
+                                            </p:txEl>
+                                          </p:spTgt>
+                                        </p:tgtEl>
+                                        <p:attrNameLst>
+                                          <p:attrName>style.visibility</p:attrName>
+                                        </p:attrNameLst>
+                                      </p:cBhvr>
+                                      <p:to>
+                                        <p:strVal val="visible"/>
+                                      </p:to>
+                                    </p:set>
+                                  </p:childTnLst>
+                                </p:cTn>
+                              </p:par>
+                            </p:childTnLst>
+                          </p:cTn>
+                        </p:par>
+                      </p:childTnLst>
+                    </p:cTn>
+                  </p:par>
+                  <p:par>
+                    <p:cTn id="23" fill="hold">
+                      <p:stCondLst>
+                        <p:cond delay="indefinite"/>
+                      </p:stCondLst>
+                      <p:childTnLst>
+                        <p:par>
+                          <p:cTn id="24" fill="hold">
+                            <p:stCondLst>
+                              <p:cond delay="0"/>
+                            </p:stCondLst>
+                            <p:childTnLst>
+                              <p:par>
+                                <p:cTn id="25" presetID="1" presetClass="entr" presetSubtype="0" fill="hold" grpId="0" nodeType="clickEffect">
+                                  <p:stCondLst>
+                                    <p:cond delay="0"/>
+                                  </p:stCondLst>
+                                  <p:childTnLst>
+                                    <p:set>
+                                      <p:cBhvr>
+                                        <p:cTn id="26" dur="1" fill="hold">
+                                          <p:stCondLst>
+                                            <p:cond delay="0"/>
+                                          </p:stCondLst>
+                                        </p:cTn>
+                                        <p:tgtEl>
+                                          <p:spTgt spid="3">
+                                            <p:txEl>
+                                              <p:pRg st="6" end="6"/>
+                                            </p:txEl>
+                                          </p:spTgt>
+                                        </p:tgtEl>
+                                        <p:attrNameLst>
+                                          <p:attrName>style.visibility</p:attrName>
+                                        </p:attrNameLst>
+                                      </p:cBhvr>
+                                      <p:to>
+                                        <p:strVal val="visible"/>
+                                      </p:to>
+                                    </p:set>
+                                  </p:childTnLst>
+                                </p:cTn>
+                              </p:par>
+                            </p:childTnLst>
+                          </p:cTn>
+                        </p:par>
+                      </p:childTnLst>
+                    </p:cTn>
+                  </p:par>
+                  <p:par>
+                    <p:cTn id="27" fill="hold">
+                      <p:stCondLst>
+                        <p:cond delay="indefinite"/>
+                      </p:stCondLst>
+                      <p:childTnLst>
+                        <p:par>
+                          <p:cTn id="28" fill="hold">
+                            <p:stCondLst>
+                              <p:cond delay="0"/>
+                            </p:stCondLst>
+                            <p:childTnLst>
+                              <p:par>
+                                <p:cTn id="29" presetID="1" presetClass="entr" presetSubtype="0" fill="hold" grpId="0" nodeType="clickEffect">
+                                  <p:stCondLst>
+                                    <p:cond delay="0"/>
+                                  </p:stCondLst>
+                                  <p:childTnLst>
+                                    <p:set>
+                                      <p:cBhvr>
+                                        <p:cTn id="30" dur="1" fill="hold">
+                                          <p:stCondLst>
+                                            <p:cond delay="0"/>
+                                          </p:stCondLst>
+                                        </p:cTn>
+                                        <p:tgtEl>
+                                          <p:spTgt spid="3">
+                                            <p:txEl>
+                                              <p:pRg st="7" end="7"/>
+                                            </p:txEl>
+                                          </p:spTgt>
+                                        </p:tgtEl>
+                                        <p:attrNameLst>
+                                          <p:attrName>style.visibility</p:attrName>
+                                        </p:attrNameLst>
+                                      </p:cBhvr>
+                                      <p:to>
+                                        <p:strVal val="visible"/>
+                                      </p:to>
+                                    </p:set>
+                                  </p:childTnLst>
+                                </p:cTn>
+                              </p:par>
+                            </p:childTnLst>
+                          </p:cTn>
+                        </p:par>
+                      </p:childTnLst>
+                    </p:cTn>
+                  </p:par>
+                  <p:par>
+                    <p:cTn id="31" fill="hold">
+                      <p:stCondLst>
+                        <p:cond delay="indefinite"/>
+                      </p:stCondLst>
+                      <p:childTnLst>
+                        <p:par>
+                          <p:cTn id="32" fill="hold">
+                            <p:stCondLst>
+                              <p:cond delay="0"/>
+                            </p:stCondLst>
+                            <p:childTnLst>
+                              <p:par>
+                                <p:cTn id="33" presetID="1" presetClass="entr" presetSubtype="0" fill="hold" grpId="0" nodeType="clickEffect">
+                                  <p:stCondLst>
+                                    <p:cond delay="0"/>
+                                  </p:stCondLst>
+                                  <p:childTnLst>
+                                    <p:set>
+                                      <p:cBhvr>
+                                        <p:cTn id="34" dur="1" fill="hold">
+                                          <p:stCondLst>
+                                            <p:cond delay="0"/>
+                                          </p:stCondLst>
+                                        </p:cTn>
+                                        <p:tgtEl>
+                                          <p:spTgt spid="3">
+                                            <p:txEl>
+                                              <p:pRg st="8" end="8"/>
+                                            </p:txEl>
+                                          </p:spTgt>
+                                        </p:tgtEl>
+                                        <p:attrNameLst>
+                                          <p:attrName>style.visibility</p:attrName>
+                                        </p:attrNameLst>
+                                      </p:cBhvr>
+                                      <p:to>
+                                        <p:strVal val="visible"/>
+                                      </p:to>
+                                    </p:set>
+                                  </p:childTnLst>
+                                </p:cTn>
+                              </p:par>
+                            </p:childTnLst>
+                          </p:cTn>
+                        </p:par>
+                      </p:childTnLst>
+                    </p:cTn>
+                  </p:par>
+                  <p:par>
+                    <p:cTn id="35" fill="hold">
+                      <p:stCondLst>
+                        <p:cond delay="indefinite"/>
+                      </p:stCondLst>
+                      <p:childTnLst>
+                        <p:par>
+                          <p:cTn id="36" fill="hold">
+                            <p:stCondLst>
+                              <p:cond delay="0"/>
+                            </p:stCondLst>
+                            <p:childTnLst>
+                              <p:par>
+                                <p:cTn id="37" presetID="1" presetClass="entr" presetSubtype="0" fill="hold" grpId="0" nodeType="clickEffect">
+                                  <p:stCondLst>
+                                    <p:cond delay="0"/>
+                                  </p:stCondLst>
+                                  <p:childTnLst>
+                                    <p:set>
+                                      <p:cBhvr>
+                                        <p:cTn id="38" dur="1" fill="hold">
+                                          <p:stCondLst>
+                                            <p:cond delay="0"/>
+                                          </p:stCondLst>
+                                        </p:cTn>
+                                        <p:tgtEl>
+                                          <p:spTgt spid="3">
+                                            <p:txEl>
+                                              <p:pRg st="9" end="9"/>
+                                            </p:txEl>
+                                          </p:spTgt>
+                                        </p:tgtEl>
+                                        <p:attrNameLst>
+                                          <p:attrName>style.visibility</p:attrName>
+                                        </p:attrNameLst>
+                                      </p:cBhvr>
+                                      <p:to>
+                                        <p:strVal val="visible"/>
+                                      </p:to>
+                                    </p:set>
+                                  </p:childTnLst>
+                                </p:cTn>
+                              </p:par>
+                            </p:childTnLst>
+                          </p:cTn>
+                        </p:par>
+                      </p:childTnLst>
+                    </p:cTn>
+                  </p:par>
+                </p:childTnLst>
+              </p:cTn>
+              <p:prevCondLst>
+                <p:cond evt="onPrev" delay="0">
+                  <p:tgtEl>
+                    <p:sldTgt/>
+                  </p:tgtEl>
+                </p:cond>
+              </p:prevCondLst>
+              <p:nextCondLst>
+                <p:cond evt="onNext" delay="0">
+                  <p:tgtEl>
+                    <p:sldTgt/>
+                  </p:tgtEl>
+                </p:cond>
+              </p:nextCondLst>
+            </p:seq>
+          </p:childTnLst>
+        </p:cTn>
+      </p:par>
+    </p:tnLst>
+    <p:bldLst>
+      <p:bldP spid="3" grpId="0" build="p"/>
+    </p:bldLst>
+  </p:timing>
 </p:sld>
 </file>
 
-<file path=ppt/slides/slide9.xml><?xml version="1.0" encoding="utf-8"?>
+<file path=ppt/slides/slide8.xml><?xml version="1.0" encoding="utf-8"?>
 <p:sld xmlns:a="http://schemas.openxmlformats.org/drawingml/2006/main" xmlns:r="http://schemas.openxmlformats.org/officeDocument/2006/relationships" xmlns:p="http://schemas.openxmlformats.org/presentationml/2006/main">
   <p:cSld>
     <p:spTree>
@@ -5896,7 +8842,54 @@
           <a:bodyPr/>
           <a:lstStyle/>
           <a:p>
-            <a:endParaRPr lang="en-US"/>
+            <a:r>
+              <a:rPr lang="en-US" dirty="0"/>
+              <a:t>Using a configured </a:t>
+            </a:r>
+            <a:r>
+              <a:rPr lang="en-US" dirty="0" err="1"/>
+              <a:t>TestBed</a:t>
+            </a:r>
+            <a:r>
+              <a:rPr lang="en-US" dirty="0"/>
+              <a:t>, the </a:t>
+            </a:r>
+            <a:r>
+              <a:rPr lang="en-US" dirty="0" err="1">
+                <a:latin typeface="Courier" pitchFamily="2" charset="0"/>
+              </a:rPr>
+              <a:t>createComponent</a:t>
+            </a:r>
+            <a:r>
+              <a:rPr lang="en-US" dirty="0"/>
+              <a:t> function creates a </a:t>
+            </a:r>
+            <a:r>
+              <a:rPr lang="en-US" dirty="0" err="1">
+                <a:latin typeface="Courier" pitchFamily="2" charset="0"/>
+              </a:rPr>
+              <a:t>ComponentFixture</a:t>
+            </a:r>
+            <a:r>
+              <a:rPr lang="en-US" dirty="0"/>
+              <a:t> for the desired component type.</a:t>
+            </a:r>
+          </a:p>
+          <a:p>
+            <a:r>
+              <a:rPr lang="en-US" dirty="0"/>
+              <a:t>The </a:t>
+            </a:r>
+            <a:r>
+              <a:rPr lang="en-US" dirty="0" err="1">
+                <a:latin typeface="Courier" pitchFamily="2" charset="0"/>
+              </a:rPr>
+              <a:t>ComponentFixture</a:t>
+            </a:r>
+            <a:r>
+              <a:rPr lang="en-US" dirty="0"/>
+              <a:t> is a fixture for debugging and testing a component.</a:t>
+            </a:r>
           </a:p>
         </p:txBody>
       </p:sp>
@@ -5910,6 +8903,440 @@
   <p:clrMapOvr>
     <a:masterClrMapping/>
   </p:clrMapOvr>
+  <p:timing>
+    <p:tnLst>
+      <p:par>
+        <p:cTn id="1" dur="indefinite" restart="never" nodeType="tmRoot">
+          <p:childTnLst>
+            <p:seq concurrent="1" nextAc="seek">
+              <p:cTn id="2" dur="indefinite" nodeType="mainSeq">
+                <p:childTnLst>
+                  <p:par>
+                    <p:cTn id="3" fill="hold">
+                      <p:stCondLst>
+                        <p:cond delay="indefinite"/>
+                      </p:stCondLst>
+                      <p:childTnLst>
+                        <p:par>
+                          <p:cTn id="4" fill="hold">
+                            <p:stCondLst>
+                              <p:cond delay="0"/>
+                            </p:stCondLst>
+                            <p:childTnLst>
+                              <p:par>
+                                <p:cTn id="5" presetID="1" presetClass="entr" presetSubtype="0" fill="hold" grpId="0" nodeType="clickEffect">
+                                  <p:stCondLst>
+                                    <p:cond delay="0"/>
+                                  </p:stCondLst>
+                                  <p:childTnLst>
+                                    <p:set>
+                                      <p:cBhvr>
+                                        <p:cTn id="6" dur="1" fill="hold">
+                                          <p:stCondLst>
+                                            <p:cond delay="0"/>
+                                          </p:stCondLst>
+                                        </p:cTn>
+                                        <p:tgtEl>
+                                          <p:spTgt spid="3">
+                                            <p:txEl>
+                                              <p:pRg st="0" end="0"/>
+                                            </p:txEl>
+                                          </p:spTgt>
+                                        </p:tgtEl>
+                                        <p:attrNameLst>
+                                          <p:attrName>style.visibility</p:attrName>
+                                        </p:attrNameLst>
+                                      </p:cBhvr>
+                                      <p:to>
+                                        <p:strVal val="visible"/>
+                                      </p:to>
+                                    </p:set>
+                                  </p:childTnLst>
+                                </p:cTn>
+                              </p:par>
+                            </p:childTnLst>
+                          </p:cTn>
+                        </p:par>
+                      </p:childTnLst>
+                    </p:cTn>
+                  </p:par>
+                  <p:par>
+                    <p:cTn id="7" fill="hold">
+                      <p:stCondLst>
+                        <p:cond delay="indefinite"/>
+                      </p:stCondLst>
+                      <p:childTnLst>
+                        <p:par>
+                          <p:cTn id="8" fill="hold">
+                            <p:stCondLst>
+                              <p:cond delay="0"/>
+                            </p:stCondLst>
+                            <p:childTnLst>
+                              <p:par>
+                                <p:cTn id="9" presetID="1" presetClass="entr" presetSubtype="0" fill="hold" grpId="0" nodeType="clickEffect">
+                                  <p:stCondLst>
+                                    <p:cond delay="0"/>
+                                  </p:stCondLst>
+                                  <p:childTnLst>
+                                    <p:set>
+                                      <p:cBhvr>
+                                        <p:cTn id="10" dur="1" fill="hold">
+                                          <p:stCondLst>
+                                            <p:cond delay="0"/>
+                                          </p:stCondLst>
+                                        </p:cTn>
+                                        <p:tgtEl>
+                                          <p:spTgt spid="3">
+                                            <p:txEl>
+                                              <p:pRg st="1" end="1"/>
+                                            </p:txEl>
+                                          </p:spTgt>
+                                        </p:tgtEl>
+                                        <p:attrNameLst>
+                                          <p:attrName>style.visibility</p:attrName>
+                                        </p:attrNameLst>
+                                      </p:cBhvr>
+                                      <p:to>
+                                        <p:strVal val="visible"/>
+                                      </p:to>
+                                    </p:set>
+                                  </p:childTnLst>
+                                </p:cTn>
+                              </p:par>
+                            </p:childTnLst>
+                          </p:cTn>
+                        </p:par>
+                      </p:childTnLst>
+                    </p:cTn>
+                  </p:par>
+                </p:childTnLst>
+              </p:cTn>
+              <p:prevCondLst>
+                <p:cond evt="onPrev" delay="0">
+                  <p:tgtEl>
+                    <p:sldTgt/>
+                  </p:tgtEl>
+                </p:cond>
+              </p:prevCondLst>
+              <p:nextCondLst>
+                <p:cond evt="onNext" delay="0">
+                  <p:tgtEl>
+                    <p:sldTgt/>
+                  </p:tgtEl>
+                </p:cond>
+              </p:nextCondLst>
+            </p:seq>
+          </p:childTnLst>
+        </p:cTn>
+      </p:par>
+    </p:tnLst>
+    <p:bldLst>
+      <p:bldP spid="3" grpId="0" build="p"/>
+    </p:bldLst>
+  </p:timing>
+</p:sld>
+</file>
+
+<file path=ppt/slides/slide9.xml><?xml version="1.0" encoding="utf-8"?>
+<p:sld xmlns:a="http://schemas.openxmlformats.org/drawingml/2006/main" xmlns:r="http://schemas.openxmlformats.org/officeDocument/2006/relationships" xmlns:p="http://schemas.openxmlformats.org/presentationml/2006/main">
+  <p:cSld>
+    <p:spTree>
+      <p:nvGrpSpPr>
+        <p:cNvPr id="1" name=""/>
+        <p:cNvGrpSpPr/>
+        <p:nvPr/>
+      </p:nvGrpSpPr>
+      <p:grpSpPr>
+        <a:xfrm>
+          <a:off x="0" y="0"/>
+          <a:ext cx="0" cy="0"/>
+          <a:chOff x="0" y="0"/>
+          <a:chExt cx="0" cy="0"/>
+        </a:xfrm>
+      </p:grpSpPr>
+      <p:sp>
+        <p:nvSpPr>
+          <p:cNvPr id="2" name="Title 1">
+            <a:extLst>
+              <a:ext uri="{FF2B5EF4-FFF2-40B4-BE49-F238E27FC236}">
+                <a16:creationId xmlns:a16="http://schemas.microsoft.com/office/drawing/2014/main" id="{38CE9F07-6F0F-764C-AFED-D3EE90B8286F}"/>
+              </a:ext>
+            </a:extLst>
+          </p:cNvPr>
+          <p:cNvSpPr>
+            <a:spLocks noGrp="1"/>
+          </p:cNvSpPr>
+          <p:nvPr>
+            <p:ph type="title"/>
+          </p:nvPr>
+        </p:nvSpPr>
+        <p:spPr/>
+        <p:txBody>
+          <a:bodyPr/>
+          <a:lstStyle/>
+          <a:p>
+            <a:r>
+              <a:rPr lang="en-US" dirty="0"/>
+              <a:t>Component DOM testing</a:t>
+            </a:r>
+          </a:p>
+        </p:txBody>
+      </p:sp>
+      <p:sp>
+        <p:nvSpPr>
+          <p:cNvPr id="3" name="Content Placeholder 2">
+            <a:extLst>
+              <a:ext uri="{FF2B5EF4-FFF2-40B4-BE49-F238E27FC236}">
+                <a16:creationId xmlns:a16="http://schemas.microsoft.com/office/drawing/2014/main" id="{18D0E321-A37C-D34C-B6B9-95357E3726BF}"/>
+              </a:ext>
+            </a:extLst>
+          </p:cNvPr>
+          <p:cNvSpPr>
+            <a:spLocks noGrp="1"/>
+          </p:cNvSpPr>
+          <p:nvPr>
+            <p:ph idx="1"/>
+          </p:nvPr>
+        </p:nvSpPr>
+        <p:spPr/>
+        <p:txBody>
+          <a:bodyPr/>
+          <a:lstStyle/>
+          <a:p>
+            <a:r>
+              <a:rPr lang="en-US" dirty="0"/>
+              <a:t>An Angular component is more than just its class. </a:t>
+            </a:r>
+          </a:p>
+          <a:p>
+            <a:pPr lvl="1"/>
+            <a:r>
+              <a:rPr lang="en-US" dirty="0"/>
+              <a:t>A component interacts with the DOM and with other components. </a:t>
+            </a:r>
+          </a:p>
+          <a:p>
+            <a:pPr lvl="1"/>
+            <a:r>
+              <a:rPr lang="en-US" dirty="0"/>
+              <a:t>The class-only tests can tell you about class behavior. They cannot tell you if the component is going to render properly, respond to user input and gestures, or integrate with its parent and child components.</a:t>
+            </a:r>
+          </a:p>
+          <a:p>
+            <a:r>
+              <a:rPr lang="en-US" dirty="0" err="1"/>
+              <a:t>TestBed</a:t>
+            </a:r>
+            <a:r>
+              <a:rPr lang="en-US" dirty="0"/>
+              <a:t> provides features for testing the component DOM.</a:t>
+            </a:r>
+          </a:p>
+        </p:txBody>
+      </p:sp>
+    </p:spTree>
+    <p:extLst>
+      <p:ext uri="{BB962C8B-B14F-4D97-AF65-F5344CB8AC3E}">
+        <p14:creationId xmlns:p14="http://schemas.microsoft.com/office/powerpoint/2010/main" val="2131552231"/>
+      </p:ext>
+    </p:extLst>
+  </p:cSld>
+  <p:clrMapOvr>
+    <a:masterClrMapping/>
+  </p:clrMapOvr>
+  <p:timing>
+    <p:tnLst>
+      <p:par>
+        <p:cTn id="1" dur="indefinite" restart="never" nodeType="tmRoot">
+          <p:childTnLst>
+            <p:seq concurrent="1" nextAc="seek">
+              <p:cTn id="2" dur="indefinite" nodeType="mainSeq">
+                <p:childTnLst>
+                  <p:par>
+                    <p:cTn id="3" fill="hold">
+                      <p:stCondLst>
+                        <p:cond delay="indefinite"/>
+                      </p:stCondLst>
+                      <p:childTnLst>
+                        <p:par>
+                          <p:cTn id="4" fill="hold">
+                            <p:stCondLst>
+                              <p:cond delay="0"/>
+                            </p:stCondLst>
+                            <p:childTnLst>
+                              <p:par>
+                                <p:cTn id="5" presetID="1" presetClass="entr" presetSubtype="0" fill="hold" grpId="0" nodeType="clickEffect">
+                                  <p:stCondLst>
+                                    <p:cond delay="0"/>
+                                  </p:stCondLst>
+                                  <p:childTnLst>
+                                    <p:set>
+                                      <p:cBhvr>
+                                        <p:cTn id="6" dur="1" fill="hold">
+                                          <p:stCondLst>
+                                            <p:cond delay="0"/>
+                                          </p:stCondLst>
+                                        </p:cTn>
+                                        <p:tgtEl>
+                                          <p:spTgt spid="3">
+                                            <p:txEl>
+                                              <p:pRg st="0" end="0"/>
+                                            </p:txEl>
+                                          </p:spTgt>
+                                        </p:tgtEl>
+                                        <p:attrNameLst>
+                                          <p:attrName>style.visibility</p:attrName>
+                                        </p:attrNameLst>
+                                      </p:cBhvr>
+                                      <p:to>
+                                        <p:strVal val="visible"/>
+                                      </p:to>
+                                    </p:set>
+                                  </p:childTnLst>
+                                </p:cTn>
+                              </p:par>
+                              <p:par>
+                                <p:cTn id="7" presetID="1" presetClass="entr" presetSubtype="0" fill="hold" grpId="0" nodeType="withEffect">
+                                  <p:stCondLst>
+                                    <p:cond delay="0"/>
+                                  </p:stCondLst>
+                                  <p:childTnLst>
+                                    <p:set>
+                                      <p:cBhvr>
+                                        <p:cTn id="8" dur="1" fill="hold">
+                                          <p:stCondLst>
+                                            <p:cond delay="0"/>
+                                          </p:stCondLst>
+                                        </p:cTn>
+                                        <p:tgtEl>
+                                          <p:spTgt spid="3">
+                                            <p:txEl>
+                                              <p:pRg st="1" end="1"/>
+                                            </p:txEl>
+                                          </p:spTgt>
+                                        </p:tgtEl>
+                                        <p:attrNameLst>
+                                          <p:attrName>style.visibility</p:attrName>
+                                        </p:attrNameLst>
+                                      </p:cBhvr>
+                                      <p:to>
+                                        <p:strVal val="visible"/>
+                                      </p:to>
+                                    </p:set>
+                                  </p:childTnLst>
+                                </p:cTn>
+                              </p:par>
+                              <p:par>
+                                <p:cTn id="9" presetID="1" presetClass="entr" presetSubtype="0" fill="hold" grpId="0" nodeType="withEffect">
+                                  <p:stCondLst>
+                                    <p:cond delay="0"/>
+                                  </p:stCondLst>
+                                  <p:childTnLst>
+                                    <p:set>
+                                      <p:cBhvr>
+                                        <p:cTn id="10" dur="1" fill="hold">
+                                          <p:stCondLst>
+                                            <p:cond delay="0"/>
+                                          </p:stCondLst>
+                                        </p:cTn>
+                                        <p:tgtEl>
+                                          <p:spTgt spid="3">
+                                            <p:txEl>
+                                              <p:pRg st="2" end="2"/>
+                                            </p:txEl>
+                                          </p:spTgt>
+                                        </p:tgtEl>
+                                        <p:attrNameLst>
+                                          <p:attrName>style.visibility</p:attrName>
+                                        </p:attrNameLst>
+                                      </p:cBhvr>
+                                      <p:to>
+                                        <p:strVal val="visible"/>
+                                      </p:to>
+                                    </p:set>
+                                  </p:childTnLst>
+                                </p:cTn>
+                              </p:par>
+                            </p:childTnLst>
+                          </p:cTn>
+                        </p:par>
+                      </p:childTnLst>
+                    </p:cTn>
+                  </p:par>
+                  <p:par>
+                    <p:cTn id="11" fill="hold">
+                      <p:stCondLst>
+                        <p:cond delay="indefinite"/>
+                      </p:stCondLst>
+                      <p:childTnLst>
+                        <p:par>
+                          <p:cTn id="12" fill="hold">
+                            <p:stCondLst>
+                              <p:cond delay="0"/>
+                            </p:stCondLst>
+                            <p:childTnLst>
+                              <p:par>
+                                <p:cTn id="13" presetID="1" presetClass="entr" presetSubtype="0" fill="hold" grpId="0" nodeType="clickEffect">
+                                  <p:stCondLst>
+                                    <p:cond delay="0"/>
+                                  </p:stCondLst>
+                                  <p:childTnLst>
+                                    <p:set>
+                                      <p:cBhvr>
+                                        <p:cTn id="14" dur="1" fill="hold">
+                                          <p:stCondLst>
+                                            <p:cond delay="0"/>
+                                          </p:stCondLst>
+                                        </p:cTn>
+                                        <p:tgtEl>
+                                          <p:spTgt spid="3">
+                                            <p:txEl>
+                                              <p:pRg st="3" end="3"/>
+                                            </p:txEl>
+                                          </p:spTgt>
+                                        </p:tgtEl>
+                                        <p:attrNameLst>
+                                          <p:attrName>style.visibility</p:attrName>
+                                        </p:attrNameLst>
+                                      </p:cBhvr>
+                                      <p:to>
+                                        <p:strVal val="visible"/>
+                                      </p:to>
+                                    </p:set>
+                                  </p:childTnLst>
+                                </p:cTn>
+                              </p:par>
+                            </p:childTnLst>
+                          </p:cTn>
+                        </p:par>
+                      </p:childTnLst>
+                    </p:cTn>
+                  </p:par>
+                </p:childTnLst>
+              </p:cTn>
+              <p:prevCondLst>
+                <p:cond evt="onPrev" delay="0">
+                  <p:tgtEl>
+                    <p:sldTgt/>
+                  </p:tgtEl>
+                </p:cond>
+              </p:prevCondLst>
+              <p:nextCondLst>
+                <p:cond evt="onNext" delay="0">
+                  <p:tgtEl>
+                    <p:sldTgt/>
+                  </p:tgtEl>
+                </p:cond>
+              </p:nextCondLst>
+            </p:seq>
+          </p:childTnLst>
+        </p:cTn>
+      </p:par>
+    </p:tnLst>
+    <p:bldLst>
+      <p:bldP spid="3" grpId="0" build="p"/>
+    </p:bldLst>
+  </p:timing>
 </p:sld>
 </file>
 

--- a/presentations/Introduction to Angular Unit Testing.pptx
+++ b/presentations/Introduction to Angular Unit Testing.pptx
@@ -20,7 +20,6 @@
     <p:sldId id="275" r:id="rId14"/>
     <p:sldId id="268" r:id="rId15"/>
     <p:sldId id="269" r:id="rId16"/>
-    <p:sldId id="279" r:id="rId17"/>
   </p:sldIdLst>
   <p:sldSz cx="12192000" cy="6858000"/>
   <p:notesSz cx="6858000" cy="9144000"/>
@@ -5931,173 +5930,6 @@
                                           <p:spTgt spid="3">
                                             <p:txEl>
                                               <p:pRg st="4" end="4"/>
-                                            </p:txEl>
-                                          </p:spTgt>
-                                        </p:tgtEl>
-                                        <p:attrNameLst>
-                                          <p:attrName>style.visibility</p:attrName>
-                                        </p:attrNameLst>
-                                      </p:cBhvr>
-                                      <p:to>
-                                        <p:strVal val="visible"/>
-                                      </p:to>
-                                    </p:set>
-                                  </p:childTnLst>
-                                </p:cTn>
-                              </p:par>
-                            </p:childTnLst>
-                          </p:cTn>
-                        </p:par>
-                      </p:childTnLst>
-                    </p:cTn>
-                  </p:par>
-                </p:childTnLst>
-              </p:cTn>
-              <p:prevCondLst>
-                <p:cond evt="onPrev" delay="0">
-                  <p:tgtEl>
-                    <p:sldTgt/>
-                  </p:tgtEl>
-                </p:cond>
-              </p:prevCondLst>
-              <p:nextCondLst>
-                <p:cond evt="onNext" delay="0">
-                  <p:tgtEl>
-                    <p:sldTgt/>
-                  </p:tgtEl>
-                </p:cond>
-              </p:nextCondLst>
-            </p:seq>
-          </p:childTnLst>
-        </p:cTn>
-      </p:par>
-    </p:tnLst>
-    <p:bldLst>
-      <p:bldP spid="3" grpId="0" build="p"/>
-    </p:bldLst>
-  </p:timing>
-</p:sld>
-</file>
-
-<file path=ppt/slides/slide16.xml><?xml version="1.0" encoding="utf-8"?>
-<p:sld xmlns:a="http://schemas.openxmlformats.org/drawingml/2006/main" xmlns:r="http://schemas.openxmlformats.org/officeDocument/2006/relationships" xmlns:p="http://schemas.openxmlformats.org/presentationml/2006/main">
-  <p:cSld>
-    <p:spTree>
-      <p:nvGrpSpPr>
-        <p:cNvPr id="1" name=""/>
-        <p:cNvGrpSpPr/>
-        <p:nvPr/>
-      </p:nvGrpSpPr>
-      <p:grpSpPr>
-        <a:xfrm>
-          <a:off x="0" y="0"/>
-          <a:ext cx="0" cy="0"/>
-          <a:chOff x="0" y="0"/>
-          <a:chExt cx="0" cy="0"/>
-        </a:xfrm>
-      </p:grpSpPr>
-      <p:sp>
-        <p:nvSpPr>
-          <p:cNvPr id="2" name="Title 1">
-            <a:extLst>
-              <a:ext uri="{FF2B5EF4-FFF2-40B4-BE49-F238E27FC236}">
-                <a16:creationId xmlns:a16="http://schemas.microsoft.com/office/drawing/2014/main" id="{B2C54165-ACA0-824C-AE70-28665D25AE96}"/>
-              </a:ext>
-            </a:extLst>
-          </p:cNvPr>
-          <p:cNvSpPr>
-            <a:spLocks noGrp="1"/>
-          </p:cNvSpPr>
-          <p:nvPr>
-            <p:ph type="title"/>
-          </p:nvPr>
-        </p:nvSpPr>
-        <p:spPr/>
-        <p:txBody>
-          <a:bodyPr/>
-          <a:lstStyle/>
-          <a:p>
-            <a:endParaRPr lang="en-US"/>
-          </a:p>
-        </p:txBody>
-      </p:sp>
-      <p:sp>
-        <p:nvSpPr>
-          <p:cNvPr id="3" name="Content Placeholder 2">
-            <a:extLst>
-              <a:ext uri="{FF2B5EF4-FFF2-40B4-BE49-F238E27FC236}">
-                <a16:creationId xmlns:a16="http://schemas.microsoft.com/office/drawing/2014/main" id="{3D0223D8-2EDF-B74E-8015-E56134B8098C}"/>
-              </a:ext>
-            </a:extLst>
-          </p:cNvPr>
-          <p:cNvSpPr>
-            <a:spLocks noGrp="1"/>
-          </p:cNvSpPr>
-          <p:nvPr>
-            <p:ph idx="1"/>
-          </p:nvPr>
-        </p:nvSpPr>
-        <p:spPr/>
-        <p:txBody>
-          <a:bodyPr/>
-          <a:lstStyle/>
-          <a:p>
-            <a:endParaRPr lang="en-US" dirty="0"/>
-          </a:p>
-        </p:txBody>
-      </p:sp>
-    </p:spTree>
-    <p:extLst>
-      <p:ext uri="{BB962C8B-B14F-4D97-AF65-F5344CB8AC3E}">
-        <p14:creationId xmlns:p14="http://schemas.microsoft.com/office/powerpoint/2010/main" val="2895332702"/>
-      </p:ext>
-    </p:extLst>
-  </p:cSld>
-  <p:clrMapOvr>
-    <a:masterClrMapping/>
-  </p:clrMapOvr>
-  <p:timing>
-    <p:tnLst>
-      <p:par>
-        <p:cTn id="1" dur="indefinite" restart="never" nodeType="tmRoot">
-          <p:childTnLst>
-            <p:seq concurrent="1" nextAc="seek">
-              <p:cTn id="2" dur="indefinite" nodeType="mainSeq">
-                <p:childTnLst>
-                  <p:par>
-                    <p:cTn id="3" fill="hold">
-                      <p:stCondLst>
-                        <p:cond delay="indefinite"/>
-                      </p:stCondLst>
-                      <p:childTnLst>
-                        <p:par>
-                          <p:cTn id="4" fill="hold">
-                            <p:stCondLst>
-                              <p:cond delay="0"/>
-                            </p:stCondLst>
-                            <p:childTnLst>
-                              <p:par>
-                                <p:cTn id="5" presetID="1" presetClass="entr" presetSubtype="0" fill="hold" grpId="0" nodeType="clickEffect" nodePh="1">
-                                  <p:stCondLst>
-                                    <p:cond delay="0"/>
-                                  </p:stCondLst>
-                                  <p:endCondLst>
-                                    <p:cond evt="begin" delay="0">
-                                      <p:tn val="5"/>
-                                    </p:cond>
-                                  </p:endCondLst>
-                                  <p:childTnLst>
-                                    <p:set>
-                                      <p:cBhvr>
-                                        <p:cTn id="6" dur="1" fill="hold">
-                                          <p:stCondLst>
-                                            <p:cond delay="0"/>
-                                          </p:stCondLst>
-                                        </p:cTn>
-                                        <p:tgtEl>
-                                          <p:spTgt spid="3">
-                                            <p:txEl>
-                                              <p:pRg st="0" end="0"/>
                                             </p:txEl>
                                           </p:spTgt>
                                         </p:tgtEl>

--- a/presentations/Introduction to Angular Unit Testing.pptx
+++ b/presentations/Introduction to Angular Unit Testing.pptx
@@ -20,6 +20,9 @@
     <p:sldId id="275" r:id="rId14"/>
     <p:sldId id="268" r:id="rId15"/>
     <p:sldId id="269" r:id="rId16"/>
+    <p:sldId id="276" r:id="rId17"/>
+    <p:sldId id="277" r:id="rId18"/>
+    <p:sldId id="278" r:id="rId19"/>
   </p:sldIdLst>
   <p:sldSz cx="12192000" cy="6858000"/>
   <p:notesSz cx="6858000" cy="9144000"/>
@@ -273,7 +276,7 @@
           <a:p>
             <a:fld id="{B38EF465-D677-F140-82CD-891C0463380E}" type="datetimeFigureOut">
               <a:rPr lang="en-US" smtClean="0"/>
-              <a:t>11/16/21</a:t>
+              <a:t>11/17/21</a:t>
             </a:fld>
             <a:endParaRPr lang="en-US"/>
           </a:p>
@@ -471,7 +474,7 @@
           <a:p>
             <a:fld id="{B38EF465-D677-F140-82CD-891C0463380E}" type="datetimeFigureOut">
               <a:rPr lang="en-US" smtClean="0"/>
-              <a:t>11/16/21</a:t>
+              <a:t>11/17/21</a:t>
             </a:fld>
             <a:endParaRPr lang="en-US"/>
           </a:p>
@@ -679,7 +682,7 @@
           <a:p>
             <a:fld id="{B38EF465-D677-F140-82CD-891C0463380E}" type="datetimeFigureOut">
               <a:rPr lang="en-US" smtClean="0"/>
-              <a:t>11/16/21</a:t>
+              <a:t>11/17/21</a:t>
             </a:fld>
             <a:endParaRPr lang="en-US"/>
           </a:p>
@@ -877,7 +880,7 @@
           <a:p>
             <a:fld id="{B38EF465-D677-F140-82CD-891C0463380E}" type="datetimeFigureOut">
               <a:rPr lang="en-US" smtClean="0"/>
-              <a:t>11/16/21</a:t>
+              <a:t>11/17/21</a:t>
             </a:fld>
             <a:endParaRPr lang="en-US"/>
           </a:p>
@@ -1152,7 +1155,7 @@
           <a:p>
             <a:fld id="{B38EF465-D677-F140-82CD-891C0463380E}" type="datetimeFigureOut">
               <a:rPr lang="en-US" smtClean="0"/>
-              <a:t>11/16/21</a:t>
+              <a:t>11/17/21</a:t>
             </a:fld>
             <a:endParaRPr lang="en-US"/>
           </a:p>
@@ -1417,7 +1420,7 @@
           <a:p>
             <a:fld id="{B38EF465-D677-F140-82CD-891C0463380E}" type="datetimeFigureOut">
               <a:rPr lang="en-US" smtClean="0"/>
-              <a:t>11/16/21</a:t>
+              <a:t>11/17/21</a:t>
             </a:fld>
             <a:endParaRPr lang="en-US"/>
           </a:p>
@@ -1829,7 +1832,7 @@
           <a:p>
             <a:fld id="{B38EF465-D677-F140-82CD-891C0463380E}" type="datetimeFigureOut">
               <a:rPr lang="en-US" smtClean="0"/>
-              <a:t>11/16/21</a:t>
+              <a:t>11/17/21</a:t>
             </a:fld>
             <a:endParaRPr lang="en-US"/>
           </a:p>
@@ -1970,7 +1973,7 @@
           <a:p>
             <a:fld id="{B38EF465-D677-F140-82CD-891C0463380E}" type="datetimeFigureOut">
               <a:rPr lang="en-US" smtClean="0"/>
-              <a:t>11/16/21</a:t>
+              <a:t>11/17/21</a:t>
             </a:fld>
             <a:endParaRPr lang="en-US"/>
           </a:p>
@@ -2083,7 +2086,7 @@
           <a:p>
             <a:fld id="{B38EF465-D677-F140-82CD-891C0463380E}" type="datetimeFigureOut">
               <a:rPr lang="en-US" smtClean="0"/>
-              <a:t>11/16/21</a:t>
+              <a:t>11/17/21</a:t>
             </a:fld>
             <a:endParaRPr lang="en-US"/>
           </a:p>
@@ -2394,7 +2397,7 @@
           <a:p>
             <a:fld id="{B38EF465-D677-F140-82CD-891C0463380E}" type="datetimeFigureOut">
               <a:rPr lang="en-US" smtClean="0"/>
-              <a:t>11/16/21</a:t>
+              <a:t>11/17/21</a:t>
             </a:fld>
             <a:endParaRPr lang="en-US"/>
           </a:p>
@@ -2682,7 +2685,7 @@
           <a:p>
             <a:fld id="{B38EF465-D677-F140-82CD-891C0463380E}" type="datetimeFigureOut">
               <a:rPr lang="en-US" smtClean="0"/>
-              <a:t>11/16/21</a:t>
+              <a:t>11/17/21</a:t>
             </a:fld>
             <a:endParaRPr lang="en-US"/>
           </a:p>
@@ -2923,7 +2926,7 @@
           <a:p>
             <a:fld id="{B38EF465-D677-F140-82CD-891C0463380E}" type="datetimeFigureOut">
               <a:rPr lang="en-US" smtClean="0"/>
-              <a:t>11/16/21</a:t>
+              <a:t>11/17/21</a:t>
             </a:fld>
             <a:endParaRPr lang="en-US"/>
           </a:p>
@@ -5975,6 +5978,1086 @@
       <p:bldP spid="3" grpId="0" build="p"/>
     </p:bldLst>
   </p:timing>
+</p:sld>
+</file>
+
+<file path=ppt/slides/slide16.xml><?xml version="1.0" encoding="utf-8"?>
+<p:sld xmlns:a="http://schemas.openxmlformats.org/drawingml/2006/main" xmlns:r="http://schemas.openxmlformats.org/officeDocument/2006/relationships" xmlns:p="http://schemas.openxmlformats.org/presentationml/2006/main">
+  <p:cSld>
+    <p:spTree>
+      <p:nvGrpSpPr>
+        <p:cNvPr id="1" name=""/>
+        <p:cNvGrpSpPr/>
+        <p:nvPr/>
+      </p:nvGrpSpPr>
+      <p:grpSpPr>
+        <a:xfrm>
+          <a:off x="0" y="0"/>
+          <a:ext cx="0" cy="0"/>
+          <a:chOff x="0" y="0"/>
+          <a:chExt cx="0" cy="0"/>
+        </a:xfrm>
+      </p:grpSpPr>
+      <p:sp>
+        <p:nvSpPr>
+          <p:cNvPr id="2" name="Title 1">
+            <a:extLst>
+              <a:ext uri="{FF2B5EF4-FFF2-40B4-BE49-F238E27FC236}">
+                <a16:creationId xmlns:a16="http://schemas.microsoft.com/office/drawing/2014/main" id="{B2C54165-ACA0-824C-AE70-28665D25AE96}"/>
+              </a:ext>
+            </a:extLst>
+          </p:cNvPr>
+          <p:cNvSpPr>
+            <a:spLocks noGrp="1"/>
+          </p:cNvSpPr>
+          <p:nvPr>
+            <p:ph type="title"/>
+          </p:nvPr>
+        </p:nvSpPr>
+        <p:spPr/>
+        <p:txBody>
+          <a:bodyPr/>
+          <a:lstStyle/>
+          <a:p>
+            <a:r>
+              <a:rPr lang="en-US" dirty="0" err="1"/>
+              <a:t>HttpClientTestingModule</a:t>
+            </a:r>
+            <a:endParaRPr lang="en-US" dirty="0">
+              <a:latin typeface="Courier" pitchFamily="2" charset="0"/>
+            </a:endParaRPr>
+          </a:p>
+        </p:txBody>
+      </p:sp>
+      <p:sp>
+        <p:nvSpPr>
+          <p:cNvPr id="3" name="Content Placeholder 2">
+            <a:extLst>
+              <a:ext uri="{FF2B5EF4-FFF2-40B4-BE49-F238E27FC236}">
+                <a16:creationId xmlns:a16="http://schemas.microsoft.com/office/drawing/2014/main" id="{3D0223D8-2EDF-B74E-8015-E56134B8098C}"/>
+              </a:ext>
+            </a:extLst>
+          </p:cNvPr>
+          <p:cNvSpPr>
+            <a:spLocks noGrp="1"/>
+          </p:cNvSpPr>
+          <p:nvPr>
+            <p:ph idx="1"/>
+          </p:nvPr>
+        </p:nvSpPr>
+        <p:spPr/>
+        <p:txBody>
+          <a:bodyPr>
+            <a:normAutofit/>
+          </a:bodyPr>
+          <a:lstStyle/>
+          <a:p>
+            <a:r>
+              <a:rPr lang="en-US" dirty="0"/>
+              <a:t>Configures </a:t>
+            </a:r>
+            <a:r>
+              <a:rPr lang="en-US" dirty="0" err="1">
+                <a:latin typeface="Courier" pitchFamily="2" charset="0"/>
+              </a:rPr>
+              <a:t>HttpClientTestingBackend</a:t>
+            </a:r>
+            <a:r>
+              <a:rPr lang="en-US" dirty="0"/>
+              <a:t> as the </a:t>
+            </a:r>
+            <a:r>
+              <a:rPr lang="en-US" dirty="0" err="1">
+                <a:latin typeface="Courier" pitchFamily="2" charset="0"/>
+              </a:rPr>
+              <a:t>HttpBackend</a:t>
+            </a:r>
+            <a:r>
+              <a:rPr lang="en-US" dirty="0"/>
+              <a:t> used by </a:t>
+            </a:r>
+            <a:r>
+              <a:rPr lang="en-US" dirty="0" err="1">
+                <a:latin typeface="Courier" pitchFamily="2" charset="0"/>
+              </a:rPr>
+              <a:t>HttpClient</a:t>
+            </a:r>
+            <a:r>
+              <a:rPr lang="en-US" dirty="0"/>
+              <a:t>.</a:t>
+            </a:r>
+          </a:p>
+          <a:p>
+            <a:r>
+              <a:rPr lang="en-US" dirty="0" err="1"/>
+              <a:t>Angular's</a:t>
+            </a:r>
+            <a:r>
+              <a:rPr lang="en-US" dirty="0"/>
+              <a:t> HTTP testing library is designed for a pattern of testing: </a:t>
+            </a:r>
+          </a:p>
+          <a:p>
+            <a:pPr lvl="1"/>
+            <a:r>
+              <a:rPr lang="en-US" dirty="0"/>
+              <a:t>The app executes code and makes requests first. </a:t>
+            </a:r>
+          </a:p>
+          <a:p>
+            <a:pPr lvl="1"/>
+            <a:r>
+              <a:rPr lang="en-US" dirty="0"/>
+              <a:t>The test then expects that certain requests have or have not been made, performs assertions against those requests, and finally provides responses by "flushing" each expected request.</a:t>
+            </a:r>
+          </a:p>
+          <a:p>
+            <a:pPr lvl="1"/>
+            <a:r>
+              <a:rPr lang="en-US" dirty="0"/>
+              <a:t>At the end, tests can verify that the app made no unexpected requests.</a:t>
+            </a:r>
+          </a:p>
+          <a:p>
+            <a:r>
+              <a:rPr lang="en-US" dirty="0"/>
+              <a:t>The </a:t>
+            </a:r>
+            <a:r>
+              <a:rPr lang="en-US" dirty="0" err="1">
+                <a:latin typeface="Courier" pitchFamily="2" charset="0"/>
+              </a:rPr>
+              <a:t>HttpTestingController</a:t>
+            </a:r>
+            <a:r>
+              <a:rPr lang="en-US" dirty="0"/>
+              <a:t> is the mocking controller.</a:t>
+            </a:r>
+          </a:p>
+        </p:txBody>
+      </p:sp>
+    </p:spTree>
+    <p:extLst>
+      <p:ext uri="{BB962C8B-B14F-4D97-AF65-F5344CB8AC3E}">
+        <p14:creationId xmlns:p14="http://schemas.microsoft.com/office/powerpoint/2010/main" val="2502507513"/>
+      </p:ext>
+    </p:extLst>
+  </p:cSld>
+  <p:clrMapOvr>
+    <a:masterClrMapping/>
+  </p:clrMapOvr>
+</p:sld>
+</file>
+
+<file path=ppt/slides/slide17.xml><?xml version="1.0" encoding="utf-8"?>
+<p:sld xmlns:a="http://schemas.openxmlformats.org/drawingml/2006/main" xmlns:r="http://schemas.openxmlformats.org/officeDocument/2006/relationships" xmlns:p="http://schemas.openxmlformats.org/presentationml/2006/main">
+  <p:cSld>
+    <p:spTree>
+      <p:nvGrpSpPr>
+        <p:cNvPr id="1" name=""/>
+        <p:cNvGrpSpPr/>
+        <p:nvPr/>
+      </p:nvGrpSpPr>
+      <p:grpSpPr>
+        <a:xfrm>
+          <a:off x="0" y="0"/>
+          <a:ext cx="0" cy="0"/>
+          <a:chOff x="0" y="0"/>
+          <a:chExt cx="0" cy="0"/>
+        </a:xfrm>
+      </p:grpSpPr>
+      <p:sp>
+        <p:nvSpPr>
+          <p:cNvPr id="3" name="Content Placeholder 2">
+            <a:extLst>
+              <a:ext uri="{FF2B5EF4-FFF2-40B4-BE49-F238E27FC236}">
+                <a16:creationId xmlns:a16="http://schemas.microsoft.com/office/drawing/2014/main" id="{9B8707AB-0505-AC4A-81E0-0C8FA850253A}"/>
+              </a:ext>
+            </a:extLst>
+          </p:cNvPr>
+          <p:cNvSpPr>
+            <a:spLocks noGrp="1"/>
+          </p:cNvSpPr>
+          <p:nvPr>
+            <p:ph idx="1"/>
+          </p:nvPr>
+        </p:nvSpPr>
+        <p:spPr/>
+        <p:txBody>
+          <a:bodyPr>
+            <a:normAutofit fontScale="92500" lnSpcReduction="10000"/>
+          </a:bodyPr>
+          <a:lstStyle/>
+          <a:p>
+            <a:pPr marL="0" indent="0">
+              <a:buNone/>
+            </a:pPr>
+            <a:r>
+              <a:rPr lang="en-US" sz="2400" dirty="0">
+                <a:solidFill>
+                  <a:schemeClr val="accent1"/>
+                </a:solidFill>
+                <a:latin typeface="Courier" pitchFamily="2" charset="0"/>
+              </a:rPr>
+              <a:t>import</a:t>
+            </a:r>
+            <a:r>
+              <a:rPr lang="en-US" sz="2400" dirty="0">
+                <a:latin typeface="Courier" pitchFamily="2" charset="0"/>
+              </a:rPr>
+              <a:t> { </a:t>
+            </a:r>
+            <a:br>
+              <a:rPr lang="en-US" sz="2400" dirty="0">
+                <a:latin typeface="Courier" pitchFamily="2" charset="0"/>
+              </a:rPr>
+            </a:br>
+            <a:r>
+              <a:rPr lang="en-US" sz="2400" dirty="0">
+                <a:latin typeface="Courier" pitchFamily="2" charset="0"/>
+              </a:rPr>
+              <a:t>   </a:t>
+            </a:r>
+            <a:r>
+              <a:rPr lang="en-US" sz="2400" dirty="0" err="1">
+                <a:latin typeface="Courier" pitchFamily="2" charset="0"/>
+              </a:rPr>
+              <a:t>HttpClientTestingModule</a:t>
+            </a:r>
+            <a:r>
+              <a:rPr lang="en-US" sz="2400" dirty="0">
+                <a:latin typeface="Courier" pitchFamily="2" charset="0"/>
+              </a:rPr>
+              <a:t>, </a:t>
+            </a:r>
+            <a:br>
+              <a:rPr lang="en-US" sz="2400" dirty="0">
+                <a:latin typeface="Courier" pitchFamily="2" charset="0"/>
+              </a:rPr>
+            </a:br>
+            <a:r>
+              <a:rPr lang="en-US" sz="2400" dirty="0">
+                <a:latin typeface="Courier" pitchFamily="2" charset="0"/>
+              </a:rPr>
+              <a:t>   </a:t>
+            </a:r>
+            <a:r>
+              <a:rPr lang="en-US" sz="2400" dirty="0" err="1">
+                <a:latin typeface="Courier" pitchFamily="2" charset="0"/>
+              </a:rPr>
+              <a:t>HttpTestingController</a:t>
+            </a:r>
+            <a:r>
+              <a:rPr lang="en-US" sz="2400" dirty="0">
+                <a:latin typeface="Courier" pitchFamily="2" charset="0"/>
+              </a:rPr>
+              <a:t> </a:t>
+            </a:r>
+            <a:br>
+              <a:rPr lang="en-US" sz="2400" dirty="0">
+                <a:latin typeface="Courier" pitchFamily="2" charset="0"/>
+              </a:rPr>
+            </a:br>
+            <a:r>
+              <a:rPr lang="en-US" sz="2400" dirty="0">
+                <a:latin typeface="Courier" pitchFamily="2" charset="0"/>
+              </a:rPr>
+              <a:t>} </a:t>
+            </a:r>
+            <a:r>
+              <a:rPr lang="en-US" sz="2400" dirty="0">
+                <a:solidFill>
+                  <a:schemeClr val="accent1"/>
+                </a:solidFill>
+                <a:latin typeface="Courier" pitchFamily="2" charset="0"/>
+              </a:rPr>
+              <a:t>from</a:t>
+            </a:r>
+            <a:r>
+              <a:rPr lang="en-US" sz="2400" dirty="0">
+                <a:latin typeface="Courier" pitchFamily="2" charset="0"/>
+              </a:rPr>
+              <a:t> </a:t>
+            </a:r>
+            <a:r>
+              <a:rPr lang="en-US" sz="2400" dirty="0">
+                <a:solidFill>
+                  <a:schemeClr val="accent6">
+                    <a:lumMod val="75000"/>
+                  </a:schemeClr>
+                </a:solidFill>
+                <a:latin typeface="Courier" pitchFamily="2" charset="0"/>
+              </a:rPr>
+              <a:t>'@angular/common/http/testing’</a:t>
+            </a:r>
+            <a:r>
+              <a:rPr lang="en-US" sz="2400" dirty="0">
+                <a:latin typeface="Courier" pitchFamily="2" charset="0"/>
+              </a:rPr>
+              <a:t>;</a:t>
+            </a:r>
+          </a:p>
+          <a:p>
+            <a:pPr marL="0" indent="0">
+              <a:buNone/>
+            </a:pPr>
+            <a:br>
+              <a:rPr lang="en-US" sz="2400" dirty="0">
+                <a:latin typeface="Courier" pitchFamily="2" charset="0"/>
+              </a:rPr>
+            </a:br>
+            <a:r>
+              <a:rPr lang="en-US" sz="2400" dirty="0" err="1">
+                <a:solidFill>
+                  <a:schemeClr val="accent2">
+                    <a:lumMod val="75000"/>
+                  </a:schemeClr>
+                </a:solidFill>
+                <a:latin typeface="Courier" pitchFamily="2" charset="0"/>
+              </a:rPr>
+              <a:t>beforeEach</a:t>
+            </a:r>
+            <a:r>
+              <a:rPr lang="en-US" sz="2400" dirty="0">
+                <a:latin typeface="Courier" pitchFamily="2" charset="0"/>
+              </a:rPr>
+              <a:t>(() =&gt; {</a:t>
+            </a:r>
+            <a:br>
+              <a:rPr lang="en-US" sz="2400" dirty="0">
+                <a:latin typeface="Courier" pitchFamily="2" charset="0"/>
+              </a:rPr>
+            </a:br>
+            <a:r>
+              <a:rPr lang="en-US" sz="2400" dirty="0">
+                <a:latin typeface="Courier" pitchFamily="2" charset="0"/>
+              </a:rPr>
+              <a:t>   </a:t>
+            </a:r>
+            <a:r>
+              <a:rPr lang="en-US" sz="2400" dirty="0" err="1">
+                <a:latin typeface="Courier" pitchFamily="2" charset="0"/>
+              </a:rPr>
+              <a:t>TestBed.configureTestingModule</a:t>
+            </a:r>
+            <a:r>
+              <a:rPr lang="en-US" sz="2400" dirty="0">
+                <a:latin typeface="Courier" pitchFamily="2" charset="0"/>
+              </a:rPr>
+              <a:t>({</a:t>
+            </a:r>
+            <a:br>
+              <a:rPr lang="en-US" sz="2400" dirty="0">
+                <a:latin typeface="Courier" pitchFamily="2" charset="0"/>
+              </a:rPr>
+            </a:br>
+            <a:r>
+              <a:rPr lang="en-US" sz="2400" dirty="0">
+                <a:latin typeface="Courier" pitchFamily="2" charset="0"/>
+              </a:rPr>
+              <a:t>      </a:t>
+            </a:r>
+            <a:r>
+              <a:rPr lang="en-US" sz="2400" b="1" dirty="0">
+                <a:solidFill>
+                  <a:schemeClr val="accent1">
+                    <a:lumMod val="75000"/>
+                  </a:schemeClr>
+                </a:solidFill>
+                <a:latin typeface="Courier" pitchFamily="2" charset="0"/>
+              </a:rPr>
+              <a:t>imports: [</a:t>
+            </a:r>
+            <a:r>
+              <a:rPr lang="en-US" sz="2400" b="1" dirty="0" err="1">
+                <a:solidFill>
+                  <a:srgbClr val="7030A0"/>
+                </a:solidFill>
+                <a:latin typeface="Courier" pitchFamily="2" charset="0"/>
+              </a:rPr>
+              <a:t>HttpClientTestingModule</a:t>
+            </a:r>
+            <a:r>
+              <a:rPr lang="en-US" sz="2400" b="1" dirty="0">
+                <a:solidFill>
+                  <a:schemeClr val="accent1">
+                    <a:lumMod val="75000"/>
+                  </a:schemeClr>
+                </a:solidFill>
+                <a:latin typeface="Courier" pitchFamily="2" charset="0"/>
+              </a:rPr>
+              <a:t>]</a:t>
+            </a:r>
+            <a:r>
+              <a:rPr lang="en-US" sz="2400" dirty="0">
+                <a:latin typeface="Courier" pitchFamily="2" charset="0"/>
+              </a:rPr>
+              <a:t>, </a:t>
+            </a:r>
+            <a:br>
+              <a:rPr lang="en-US" sz="2400" dirty="0">
+                <a:latin typeface="Courier" pitchFamily="2" charset="0"/>
+              </a:rPr>
+            </a:br>
+            <a:r>
+              <a:rPr lang="en-US" sz="2400" dirty="0">
+                <a:latin typeface="Courier" pitchFamily="2" charset="0"/>
+              </a:rPr>
+              <a:t>      providers: [</a:t>
+            </a:r>
+            <a:r>
+              <a:rPr lang="en-US" sz="2400" dirty="0" err="1">
+                <a:latin typeface="Courier" pitchFamily="2" charset="0"/>
+              </a:rPr>
+              <a:t>EarthquakeDataService</a:t>
+            </a:r>
+            <a:r>
+              <a:rPr lang="en-US" sz="2400" dirty="0">
+                <a:latin typeface="Courier" pitchFamily="2" charset="0"/>
+              </a:rPr>
+              <a:t>],</a:t>
+            </a:r>
+            <a:br>
+              <a:rPr lang="en-US" sz="2400" dirty="0">
+                <a:latin typeface="Courier" pitchFamily="2" charset="0"/>
+              </a:rPr>
+            </a:br>
+            <a:r>
+              <a:rPr lang="en-US" sz="2400" dirty="0">
+                <a:latin typeface="Courier" pitchFamily="2" charset="0"/>
+              </a:rPr>
+              <a:t>   }); </a:t>
+            </a:r>
+            <a:br>
+              <a:rPr lang="en-US" sz="2400" dirty="0">
+                <a:latin typeface="Courier" pitchFamily="2" charset="0"/>
+              </a:rPr>
+            </a:br>
+            <a:r>
+              <a:rPr lang="en-US" sz="2400" dirty="0">
+                <a:latin typeface="Courier" pitchFamily="2" charset="0"/>
+              </a:rPr>
+              <a:t>   service = </a:t>
+            </a:r>
+            <a:r>
+              <a:rPr lang="en-US" sz="2400" b="1" dirty="0" err="1">
+                <a:solidFill>
+                  <a:schemeClr val="accent1">
+                    <a:lumMod val="75000"/>
+                  </a:schemeClr>
+                </a:solidFill>
+                <a:latin typeface="Courier" pitchFamily="2" charset="0"/>
+              </a:rPr>
+              <a:t>TestBed.inject</a:t>
+            </a:r>
+            <a:r>
+              <a:rPr lang="en-US" sz="2400" dirty="0">
+                <a:latin typeface="Courier" pitchFamily="2" charset="0"/>
+              </a:rPr>
+              <a:t>(</a:t>
+            </a:r>
+            <a:r>
+              <a:rPr lang="en-US" sz="2400" dirty="0" err="1">
+                <a:latin typeface="Courier" pitchFamily="2" charset="0"/>
+              </a:rPr>
+              <a:t>EarthquakeDataService</a:t>
+            </a:r>
+            <a:r>
+              <a:rPr lang="en-US" sz="2400" dirty="0">
+                <a:latin typeface="Courier" pitchFamily="2" charset="0"/>
+              </a:rPr>
+              <a:t>); </a:t>
+            </a:r>
+            <a:br>
+              <a:rPr lang="en-US" sz="2400" dirty="0">
+                <a:latin typeface="Courier" pitchFamily="2" charset="0"/>
+              </a:rPr>
+            </a:br>
+            <a:r>
+              <a:rPr lang="en-US" sz="2400" dirty="0">
+                <a:latin typeface="Courier" pitchFamily="2" charset="0"/>
+              </a:rPr>
+              <a:t>   </a:t>
+            </a:r>
+            <a:r>
+              <a:rPr lang="en-US" sz="2400" dirty="0" err="1">
+                <a:latin typeface="Courier" pitchFamily="2" charset="0"/>
+              </a:rPr>
+              <a:t>httpTestingController</a:t>
+            </a:r>
+            <a:r>
+              <a:rPr lang="en-US" sz="2400" dirty="0">
+                <a:latin typeface="Courier" pitchFamily="2" charset="0"/>
+              </a:rPr>
+              <a:t> = </a:t>
+            </a:r>
+            <a:br>
+              <a:rPr lang="en-US" sz="2400" dirty="0">
+                <a:latin typeface="Courier" pitchFamily="2" charset="0"/>
+              </a:rPr>
+            </a:br>
+            <a:r>
+              <a:rPr lang="en-US" sz="2400" dirty="0">
+                <a:latin typeface="Courier" pitchFamily="2" charset="0"/>
+              </a:rPr>
+              <a:t>		</a:t>
+            </a:r>
+            <a:r>
+              <a:rPr lang="en-US" sz="2400" b="1" dirty="0" err="1">
+                <a:solidFill>
+                  <a:schemeClr val="accent1">
+                    <a:lumMod val="75000"/>
+                  </a:schemeClr>
+                </a:solidFill>
+                <a:latin typeface="Courier" pitchFamily="2" charset="0"/>
+              </a:rPr>
+              <a:t>TestBed.inject</a:t>
+            </a:r>
+            <a:r>
+              <a:rPr lang="en-US" sz="2400" dirty="0">
+                <a:latin typeface="Courier" pitchFamily="2" charset="0"/>
+              </a:rPr>
+              <a:t>(</a:t>
+            </a:r>
+            <a:r>
+              <a:rPr lang="en-US" sz="2400" b="1" dirty="0" err="1">
+                <a:solidFill>
+                  <a:srgbClr val="7030A0"/>
+                </a:solidFill>
+                <a:latin typeface="Courier" pitchFamily="2" charset="0"/>
+              </a:rPr>
+              <a:t>HttpTestingController</a:t>
+            </a:r>
+            <a:r>
+              <a:rPr lang="en-US" sz="2400" dirty="0">
+                <a:latin typeface="Courier" pitchFamily="2" charset="0"/>
+              </a:rPr>
+              <a:t>);</a:t>
+            </a:r>
+            <a:br>
+              <a:rPr lang="en-US" sz="2400" dirty="0">
+                <a:latin typeface="Courier" pitchFamily="2" charset="0"/>
+              </a:rPr>
+            </a:br>
+            <a:r>
+              <a:rPr lang="en-US" sz="2400" dirty="0">
+                <a:latin typeface="Courier" pitchFamily="2" charset="0"/>
+              </a:rPr>
+              <a:t>});</a:t>
+            </a:r>
+          </a:p>
+        </p:txBody>
+      </p:sp>
+      <p:sp>
+        <p:nvSpPr>
+          <p:cNvPr id="2" name="Title 1">
+            <a:extLst>
+              <a:ext uri="{FF2B5EF4-FFF2-40B4-BE49-F238E27FC236}">
+                <a16:creationId xmlns:a16="http://schemas.microsoft.com/office/drawing/2014/main" id="{83E142E2-C28C-DF46-841B-A0B2C39B71FA}"/>
+              </a:ext>
+            </a:extLst>
+          </p:cNvPr>
+          <p:cNvSpPr>
+            <a:spLocks noGrp="1"/>
+          </p:cNvSpPr>
+          <p:nvPr>
+            <p:ph type="title"/>
+          </p:nvPr>
+        </p:nvSpPr>
+        <p:spPr/>
+        <p:txBody>
+          <a:bodyPr/>
+          <a:lstStyle/>
+          <a:p>
+            <a:r>
+              <a:rPr lang="en-US" dirty="0"/>
+              <a:t>Using the </a:t>
+            </a:r>
+            <a:r>
+              <a:rPr lang="en-US" dirty="0" err="1">
+                <a:latin typeface="Courier" pitchFamily="2" charset="0"/>
+              </a:rPr>
+              <a:t>HttpClientTestingModule</a:t>
+            </a:r>
+            <a:endParaRPr lang="en-US" dirty="0">
+              <a:latin typeface="Courier" pitchFamily="2" charset="0"/>
+            </a:endParaRPr>
+          </a:p>
+        </p:txBody>
+      </p:sp>
+    </p:spTree>
+    <p:extLst>
+      <p:ext uri="{BB962C8B-B14F-4D97-AF65-F5344CB8AC3E}">
+        <p14:creationId xmlns:p14="http://schemas.microsoft.com/office/powerpoint/2010/main" val="529304857"/>
+      </p:ext>
+    </p:extLst>
+  </p:cSld>
+  <p:clrMapOvr>
+    <a:masterClrMapping/>
+  </p:clrMapOvr>
+</p:sld>
+</file>
+
+<file path=ppt/slides/slide18.xml><?xml version="1.0" encoding="utf-8"?>
+<p:sld xmlns:a="http://schemas.openxmlformats.org/drawingml/2006/main" xmlns:r="http://schemas.openxmlformats.org/officeDocument/2006/relationships" xmlns:p="http://schemas.openxmlformats.org/presentationml/2006/main">
+  <p:cSld>
+    <p:spTree>
+      <p:nvGrpSpPr>
+        <p:cNvPr id="1" name=""/>
+        <p:cNvGrpSpPr/>
+        <p:nvPr/>
+      </p:nvGrpSpPr>
+      <p:grpSpPr>
+        <a:xfrm>
+          <a:off x="0" y="0"/>
+          <a:ext cx="0" cy="0"/>
+          <a:chOff x="0" y="0"/>
+          <a:chExt cx="0" cy="0"/>
+        </a:xfrm>
+      </p:grpSpPr>
+      <p:sp>
+        <p:nvSpPr>
+          <p:cNvPr id="2" name="Title 1">
+            <a:extLst>
+              <a:ext uri="{FF2B5EF4-FFF2-40B4-BE49-F238E27FC236}">
+                <a16:creationId xmlns:a16="http://schemas.microsoft.com/office/drawing/2014/main" id="{83E142E2-C28C-DF46-841B-A0B2C39B71FA}"/>
+              </a:ext>
+            </a:extLst>
+          </p:cNvPr>
+          <p:cNvSpPr>
+            <a:spLocks noGrp="1"/>
+          </p:cNvSpPr>
+          <p:nvPr>
+            <p:ph type="title"/>
+          </p:nvPr>
+        </p:nvSpPr>
+        <p:spPr/>
+        <p:txBody>
+          <a:bodyPr/>
+          <a:lstStyle/>
+          <a:p>
+            <a:r>
+              <a:rPr lang="en-US" dirty="0"/>
+              <a:t>Using the </a:t>
+            </a:r>
+            <a:r>
+              <a:rPr lang="en-US" dirty="0" err="1">
+                <a:latin typeface="Courier" pitchFamily="2" charset="0"/>
+              </a:rPr>
+              <a:t>HttpTestingController</a:t>
+            </a:r>
+            <a:endParaRPr lang="en-US" dirty="0">
+              <a:latin typeface="Courier" pitchFamily="2" charset="0"/>
+            </a:endParaRPr>
+          </a:p>
+        </p:txBody>
+      </p:sp>
+      <p:sp>
+        <p:nvSpPr>
+          <p:cNvPr id="3" name="Content Placeholder 2">
+            <a:extLst>
+              <a:ext uri="{FF2B5EF4-FFF2-40B4-BE49-F238E27FC236}">
+                <a16:creationId xmlns:a16="http://schemas.microsoft.com/office/drawing/2014/main" id="{9B8707AB-0505-AC4A-81E0-0C8FA850253A}"/>
+              </a:ext>
+            </a:extLst>
+          </p:cNvPr>
+          <p:cNvSpPr>
+            <a:spLocks noGrp="1"/>
+          </p:cNvSpPr>
+          <p:nvPr>
+            <p:ph idx="1"/>
+          </p:nvPr>
+        </p:nvSpPr>
+        <p:spPr/>
+        <p:txBody>
+          <a:bodyPr>
+            <a:normAutofit lnSpcReduction="10000"/>
+          </a:bodyPr>
+          <a:lstStyle/>
+          <a:p>
+            <a:pPr marL="0" indent="0">
+              <a:buNone/>
+            </a:pPr>
+            <a:r>
+              <a:rPr lang="en-US" sz="2400" dirty="0" err="1">
+                <a:solidFill>
+                  <a:schemeClr val="accent2">
+                    <a:lumMod val="75000"/>
+                  </a:schemeClr>
+                </a:solidFill>
+                <a:latin typeface="Courier" pitchFamily="2" charset="0"/>
+              </a:rPr>
+              <a:t>afterEach</a:t>
+            </a:r>
+            <a:r>
+              <a:rPr lang="en-US" sz="2400" dirty="0">
+                <a:latin typeface="Courier" pitchFamily="2" charset="0"/>
+              </a:rPr>
+              <a:t>(() =&gt; { </a:t>
+            </a:r>
+            <a:r>
+              <a:rPr lang="en-US" sz="2400" b="1" dirty="0" err="1">
+                <a:solidFill>
+                  <a:schemeClr val="accent1">
+                    <a:lumMod val="75000"/>
+                  </a:schemeClr>
+                </a:solidFill>
+                <a:latin typeface="Courier" pitchFamily="2" charset="0"/>
+              </a:rPr>
+              <a:t>httpTestingController.verify</a:t>
+            </a:r>
+            <a:r>
+              <a:rPr lang="en-US" sz="2400" b="1" dirty="0">
+                <a:solidFill>
+                  <a:schemeClr val="accent1">
+                    <a:lumMod val="75000"/>
+                  </a:schemeClr>
+                </a:solidFill>
+                <a:latin typeface="Courier" pitchFamily="2" charset="0"/>
+              </a:rPr>
+              <a:t>()</a:t>
+            </a:r>
+            <a:r>
+              <a:rPr lang="en-US" sz="2400" dirty="0">
+                <a:latin typeface="Courier" pitchFamily="2" charset="0"/>
+              </a:rPr>
+              <a:t>; });</a:t>
+            </a:r>
+            <a:br>
+              <a:rPr lang="en-US" sz="2400" dirty="0">
+                <a:latin typeface="Courier" pitchFamily="2" charset="0"/>
+              </a:rPr>
+            </a:br>
+            <a:br>
+              <a:rPr lang="en-US" sz="2400" dirty="0">
+                <a:latin typeface="Courier" pitchFamily="2" charset="0"/>
+              </a:rPr>
+            </a:br>
+            <a:r>
+              <a:rPr lang="en-US" sz="2400" dirty="0" err="1">
+                <a:solidFill>
+                  <a:schemeClr val="accent2">
+                    <a:lumMod val="75000"/>
+                  </a:schemeClr>
+                </a:solidFill>
+                <a:latin typeface="Courier" pitchFamily="2" charset="0"/>
+              </a:rPr>
+              <a:t>beforeEach</a:t>
+            </a:r>
+            <a:r>
+              <a:rPr lang="en-US" sz="2400" dirty="0">
+                <a:latin typeface="Courier" pitchFamily="2" charset="0"/>
+              </a:rPr>
+              <a:t>((done: </a:t>
+            </a:r>
+            <a:r>
+              <a:rPr lang="en-US" sz="2400" dirty="0" err="1">
+                <a:solidFill>
+                  <a:srgbClr val="7030A0"/>
+                </a:solidFill>
+                <a:latin typeface="Courier" pitchFamily="2" charset="0"/>
+              </a:rPr>
+              <a:t>DoneFn</a:t>
+            </a:r>
+            <a:r>
+              <a:rPr lang="en-US" sz="2400" dirty="0">
+                <a:latin typeface="Courier" pitchFamily="2" charset="0"/>
+              </a:rPr>
+              <a:t>) =&gt; {</a:t>
+            </a:r>
+            <a:br>
+              <a:rPr lang="en-US" sz="2400" dirty="0">
+                <a:latin typeface="Courier" pitchFamily="2" charset="0"/>
+              </a:rPr>
+            </a:br>
+            <a:r>
+              <a:rPr lang="en-US" sz="2400" dirty="0">
+                <a:latin typeface="Courier" pitchFamily="2" charset="0"/>
+              </a:rPr>
+              <a:t>   </a:t>
+            </a:r>
+            <a:r>
+              <a:rPr lang="en-US" sz="2400" dirty="0">
+                <a:solidFill>
+                  <a:schemeClr val="bg1">
+                    <a:lumMod val="65000"/>
+                  </a:schemeClr>
+                </a:solidFill>
+                <a:latin typeface="Courier" pitchFamily="2" charset="0"/>
+              </a:rPr>
+              <a:t>// Execute the SUT, subscribing to Observable</a:t>
+            </a:r>
+            <a:br>
+              <a:rPr lang="en-US" sz="2400" dirty="0">
+                <a:solidFill>
+                  <a:schemeClr val="bg1">
+                    <a:lumMod val="65000"/>
+                  </a:schemeClr>
+                </a:solidFill>
+                <a:latin typeface="Courier" pitchFamily="2" charset="0"/>
+              </a:rPr>
+            </a:br>
+            <a:r>
+              <a:rPr lang="en-US" sz="2400" dirty="0">
+                <a:latin typeface="Courier" pitchFamily="2" charset="0"/>
+              </a:rPr>
+              <a:t>   </a:t>
+            </a:r>
+            <a:r>
+              <a:rPr lang="en-US" sz="2400" dirty="0" err="1">
+                <a:latin typeface="Courier" pitchFamily="2" charset="0"/>
+              </a:rPr>
+              <a:t>service.query</a:t>
+            </a:r>
+            <a:r>
+              <a:rPr lang="en-US" sz="2400" dirty="0">
+                <a:latin typeface="Courier" pitchFamily="2" charset="0"/>
+              </a:rPr>
+              <a:t>(</a:t>
+            </a:r>
+            <a:r>
+              <a:rPr lang="en-US" sz="2400" dirty="0" err="1">
+                <a:latin typeface="Courier" pitchFamily="2" charset="0"/>
+              </a:rPr>
+              <a:t>startDateTime</a:t>
+            </a:r>
+            <a:r>
+              <a:rPr lang="en-US" sz="2400" dirty="0">
+                <a:latin typeface="Courier" pitchFamily="2" charset="0"/>
+              </a:rPr>
+              <a:t>, </a:t>
+            </a:r>
+            <a:r>
+              <a:rPr lang="en-US" sz="2400" dirty="0" err="1">
+                <a:latin typeface="Courier" pitchFamily="2" charset="0"/>
+              </a:rPr>
+              <a:t>endDateTime</a:t>
+            </a:r>
+            <a:r>
+              <a:rPr lang="en-US" sz="2400" dirty="0">
+                <a:latin typeface="Courier" pitchFamily="2" charset="0"/>
+              </a:rPr>
+              <a:t>).subscribe(</a:t>
+            </a:r>
+            <a:br>
+              <a:rPr lang="en-US" sz="2400" dirty="0">
+                <a:latin typeface="Courier" pitchFamily="2" charset="0"/>
+              </a:rPr>
+            </a:br>
+            <a:r>
+              <a:rPr lang="en-US" sz="2400" dirty="0">
+                <a:latin typeface="Courier" pitchFamily="2" charset="0"/>
+              </a:rPr>
+              <a:t>      (data) =&gt; { captured = data; done(); },</a:t>
+            </a:r>
+            <a:br>
+              <a:rPr lang="en-US" sz="2400" dirty="0">
+                <a:latin typeface="Courier" pitchFamily="2" charset="0"/>
+              </a:rPr>
+            </a:br>
+            <a:r>
+              <a:rPr lang="en-US" sz="2400" dirty="0">
+                <a:latin typeface="Courier" pitchFamily="2" charset="0"/>
+              </a:rPr>
+              <a:t>      (error) =&gt; { </a:t>
+            </a:r>
+            <a:r>
+              <a:rPr lang="en-US" sz="2400" dirty="0" err="1">
+                <a:latin typeface="Courier" pitchFamily="2" charset="0"/>
+              </a:rPr>
+              <a:t>capturedError</a:t>
+            </a:r>
+            <a:r>
+              <a:rPr lang="en-US" sz="2400" dirty="0">
+                <a:latin typeface="Courier" pitchFamily="2" charset="0"/>
+              </a:rPr>
+              <a:t> = error; done(); }</a:t>
+            </a:r>
+            <a:br>
+              <a:rPr lang="en-US" sz="2400" dirty="0">
+                <a:latin typeface="Courier" pitchFamily="2" charset="0"/>
+              </a:rPr>
+            </a:br>
+            <a:r>
+              <a:rPr lang="en-US" sz="2400" dirty="0">
+                <a:latin typeface="Courier" pitchFamily="2" charset="0"/>
+              </a:rPr>
+              <a:t>   );</a:t>
+            </a:r>
+            <a:br>
+              <a:rPr lang="en-US" sz="2400" dirty="0">
+                <a:latin typeface="Courier" pitchFamily="2" charset="0"/>
+              </a:rPr>
+            </a:br>
+            <a:r>
+              <a:rPr lang="en-US" sz="2400" dirty="0">
+                <a:latin typeface="Courier" pitchFamily="2" charset="0"/>
+              </a:rPr>
+              <a:t>   </a:t>
+            </a:r>
+            <a:r>
+              <a:rPr lang="en-US" sz="2400" dirty="0">
+                <a:solidFill>
+                  <a:schemeClr val="bg1">
+                    <a:lumMod val="65000"/>
+                  </a:schemeClr>
+                </a:solidFill>
+                <a:latin typeface="Courier" pitchFamily="2" charset="0"/>
+              </a:rPr>
+              <a:t>// Set expectation on the </a:t>
+            </a:r>
+            <a:r>
+              <a:rPr lang="en-US" sz="2400" dirty="0" err="1">
+                <a:solidFill>
+                  <a:schemeClr val="bg1">
+                    <a:lumMod val="65000"/>
+                  </a:schemeClr>
+                </a:solidFill>
+                <a:latin typeface="Courier" pitchFamily="2" charset="0"/>
+              </a:rPr>
+              <a:t>HttpTestingController</a:t>
+            </a:r>
+            <a:br>
+              <a:rPr lang="en-US" sz="2400" dirty="0">
+                <a:solidFill>
+                  <a:schemeClr val="bg1">
+                    <a:lumMod val="65000"/>
+                  </a:schemeClr>
+                </a:solidFill>
+                <a:latin typeface="Courier" pitchFamily="2" charset="0"/>
+              </a:rPr>
+            </a:br>
+            <a:r>
+              <a:rPr lang="en-US" sz="2400" dirty="0">
+                <a:solidFill>
+                  <a:schemeClr val="bg1">
+                    <a:lumMod val="65000"/>
+                  </a:schemeClr>
+                </a:solidFill>
+                <a:latin typeface="Courier" pitchFamily="2" charset="0"/>
+              </a:rPr>
+              <a:t>   // and flush the Observable from the </a:t>
+            </a:r>
+            <a:r>
+              <a:rPr lang="en-US" sz="2400" dirty="0" err="1">
+                <a:solidFill>
+                  <a:schemeClr val="bg1">
+                    <a:lumMod val="65000"/>
+                  </a:schemeClr>
+                </a:solidFill>
+                <a:latin typeface="Courier" pitchFamily="2" charset="0"/>
+              </a:rPr>
+              <a:t>HttpClient</a:t>
+            </a:r>
+            <a:br>
+              <a:rPr lang="en-US" sz="2400" dirty="0">
+                <a:solidFill>
+                  <a:schemeClr val="bg1">
+                    <a:lumMod val="65000"/>
+                  </a:schemeClr>
+                </a:solidFill>
+                <a:latin typeface="Courier" pitchFamily="2" charset="0"/>
+              </a:rPr>
+            </a:br>
+            <a:r>
+              <a:rPr lang="en-US" sz="2400" dirty="0">
+                <a:latin typeface="Courier" pitchFamily="2" charset="0"/>
+              </a:rPr>
+              <a:t>   </a:t>
+            </a:r>
+            <a:r>
+              <a:rPr lang="en-US" sz="2400" b="1" dirty="0" err="1">
+                <a:solidFill>
+                  <a:schemeClr val="accent1">
+                    <a:lumMod val="75000"/>
+                  </a:schemeClr>
+                </a:solidFill>
+                <a:latin typeface="Courier" pitchFamily="2" charset="0"/>
+              </a:rPr>
+              <a:t>httpTestingController.expectOne</a:t>
+            </a:r>
+            <a:r>
+              <a:rPr lang="en-US" sz="2400" dirty="0">
+                <a:latin typeface="Courier" pitchFamily="2" charset="0"/>
+              </a:rPr>
+              <a:t>(</a:t>
+            </a:r>
+            <a:r>
+              <a:rPr lang="en-US" sz="2400" dirty="0" err="1">
+                <a:latin typeface="Courier" pitchFamily="2" charset="0"/>
+              </a:rPr>
+              <a:t>expectedUrl</a:t>
+            </a:r>
+            <a:r>
+              <a:rPr lang="en-US" sz="2400" dirty="0">
+                <a:latin typeface="Courier" pitchFamily="2" charset="0"/>
+              </a:rPr>
+              <a:t>)</a:t>
+            </a:r>
+            <a:br>
+              <a:rPr lang="en-US" sz="2400" dirty="0">
+                <a:latin typeface="Courier" pitchFamily="2" charset="0"/>
+              </a:rPr>
+            </a:br>
+            <a:r>
+              <a:rPr lang="en-US" sz="2400" dirty="0">
+                <a:latin typeface="Courier" pitchFamily="2" charset="0"/>
+              </a:rPr>
+              <a:t>     </a:t>
+            </a:r>
+            <a:r>
+              <a:rPr lang="en-US" sz="2400" b="1" dirty="0">
+                <a:solidFill>
+                  <a:schemeClr val="accent1">
+                    <a:lumMod val="75000"/>
+                  </a:schemeClr>
+                </a:solidFill>
+                <a:latin typeface="Courier" pitchFamily="2" charset="0"/>
+              </a:rPr>
+              <a:t>.flush</a:t>
+            </a:r>
+            <a:r>
+              <a:rPr lang="en-US" sz="2400" dirty="0">
+                <a:latin typeface="Courier" pitchFamily="2" charset="0"/>
+              </a:rPr>
+              <a:t>(</a:t>
+            </a:r>
+            <a:r>
+              <a:rPr lang="en-US" sz="2400" dirty="0" err="1">
+                <a:latin typeface="Courier" pitchFamily="2" charset="0"/>
+              </a:rPr>
+              <a:t>featureCollection</a:t>
+            </a:r>
+            <a:r>
+              <a:rPr lang="en-US" sz="2400" dirty="0">
+                <a:latin typeface="Courier" pitchFamily="2" charset="0"/>
+              </a:rPr>
+              <a:t>);</a:t>
+            </a:r>
+            <a:br>
+              <a:rPr lang="en-US" sz="2400" dirty="0">
+                <a:latin typeface="Courier" pitchFamily="2" charset="0"/>
+              </a:rPr>
+            </a:br>
+            <a:r>
+              <a:rPr lang="en-US" sz="2400" dirty="0">
+                <a:latin typeface="Courier" pitchFamily="2" charset="0"/>
+              </a:rPr>
+              <a:t>});</a:t>
+            </a:r>
+          </a:p>
+        </p:txBody>
+      </p:sp>
+    </p:spTree>
+    <p:extLst>
+      <p:ext uri="{BB962C8B-B14F-4D97-AF65-F5344CB8AC3E}">
+        <p14:creationId xmlns:p14="http://schemas.microsoft.com/office/powerpoint/2010/main" val="1494877104"/>
+      </p:ext>
+    </p:extLst>
+  </p:cSld>
+  <p:clrMapOvr>
+    <a:masterClrMapping/>
+  </p:clrMapOvr>
 </p:sld>
 </file>
 

--- a/presentations/Introduction to Angular Unit Testing.pptx
+++ b/presentations/Introduction to Angular Unit Testing.pptx
@@ -6146,6 +6146,279 @@
   <p:clrMapOvr>
     <a:masterClrMapping/>
   </p:clrMapOvr>
+  <p:timing>
+    <p:tnLst>
+      <p:par>
+        <p:cTn id="1" dur="indefinite" restart="never" nodeType="tmRoot">
+          <p:childTnLst>
+            <p:seq concurrent="1" nextAc="seek">
+              <p:cTn id="2" dur="indefinite" nodeType="mainSeq">
+                <p:childTnLst>
+                  <p:par>
+                    <p:cTn id="3" fill="hold">
+                      <p:stCondLst>
+                        <p:cond delay="indefinite"/>
+                      </p:stCondLst>
+                      <p:childTnLst>
+                        <p:par>
+                          <p:cTn id="4" fill="hold">
+                            <p:stCondLst>
+                              <p:cond delay="0"/>
+                            </p:stCondLst>
+                            <p:childTnLst>
+                              <p:par>
+                                <p:cTn id="5" presetID="1" presetClass="entr" presetSubtype="0" fill="hold" grpId="0" nodeType="clickEffect">
+                                  <p:stCondLst>
+                                    <p:cond delay="0"/>
+                                  </p:stCondLst>
+                                  <p:childTnLst>
+                                    <p:set>
+                                      <p:cBhvr>
+                                        <p:cTn id="6" dur="1" fill="hold">
+                                          <p:stCondLst>
+                                            <p:cond delay="0"/>
+                                          </p:stCondLst>
+                                        </p:cTn>
+                                        <p:tgtEl>
+                                          <p:spTgt spid="3">
+                                            <p:txEl>
+                                              <p:pRg st="0" end="0"/>
+                                            </p:txEl>
+                                          </p:spTgt>
+                                        </p:tgtEl>
+                                        <p:attrNameLst>
+                                          <p:attrName>style.visibility</p:attrName>
+                                        </p:attrNameLst>
+                                      </p:cBhvr>
+                                      <p:to>
+                                        <p:strVal val="visible"/>
+                                      </p:to>
+                                    </p:set>
+                                  </p:childTnLst>
+                                </p:cTn>
+                              </p:par>
+                            </p:childTnLst>
+                          </p:cTn>
+                        </p:par>
+                      </p:childTnLst>
+                    </p:cTn>
+                  </p:par>
+                  <p:par>
+                    <p:cTn id="7" fill="hold">
+                      <p:stCondLst>
+                        <p:cond delay="indefinite"/>
+                      </p:stCondLst>
+                      <p:childTnLst>
+                        <p:par>
+                          <p:cTn id="8" fill="hold">
+                            <p:stCondLst>
+                              <p:cond delay="0"/>
+                            </p:stCondLst>
+                            <p:childTnLst>
+                              <p:par>
+                                <p:cTn id="9" presetID="1" presetClass="entr" presetSubtype="0" fill="hold" grpId="0" nodeType="clickEffect">
+                                  <p:stCondLst>
+                                    <p:cond delay="0"/>
+                                  </p:stCondLst>
+                                  <p:childTnLst>
+                                    <p:set>
+                                      <p:cBhvr>
+                                        <p:cTn id="10" dur="1" fill="hold">
+                                          <p:stCondLst>
+                                            <p:cond delay="0"/>
+                                          </p:stCondLst>
+                                        </p:cTn>
+                                        <p:tgtEl>
+                                          <p:spTgt spid="3">
+                                            <p:txEl>
+                                              <p:pRg st="1" end="1"/>
+                                            </p:txEl>
+                                          </p:spTgt>
+                                        </p:tgtEl>
+                                        <p:attrNameLst>
+                                          <p:attrName>style.visibility</p:attrName>
+                                        </p:attrNameLst>
+                                      </p:cBhvr>
+                                      <p:to>
+                                        <p:strVal val="visible"/>
+                                      </p:to>
+                                    </p:set>
+                                  </p:childTnLst>
+                                </p:cTn>
+                              </p:par>
+                              <p:par>
+                                <p:cTn id="11" presetID="1" presetClass="entr" presetSubtype="0" fill="hold" grpId="0" nodeType="withEffect">
+                                  <p:stCondLst>
+                                    <p:cond delay="0"/>
+                                  </p:stCondLst>
+                                  <p:childTnLst>
+                                    <p:set>
+                                      <p:cBhvr>
+                                        <p:cTn id="12" dur="1" fill="hold">
+                                          <p:stCondLst>
+                                            <p:cond delay="0"/>
+                                          </p:stCondLst>
+                                        </p:cTn>
+                                        <p:tgtEl>
+                                          <p:spTgt spid="3">
+                                            <p:txEl>
+                                              <p:pRg st="2" end="2"/>
+                                            </p:txEl>
+                                          </p:spTgt>
+                                        </p:tgtEl>
+                                        <p:attrNameLst>
+                                          <p:attrName>style.visibility</p:attrName>
+                                        </p:attrNameLst>
+                                      </p:cBhvr>
+                                      <p:to>
+                                        <p:strVal val="visible"/>
+                                      </p:to>
+                                    </p:set>
+                                  </p:childTnLst>
+                                </p:cTn>
+                              </p:par>
+                              <p:par>
+                                <p:cTn id="13" presetID="1" presetClass="entr" presetSubtype="0" fill="hold" grpId="0" nodeType="withEffect">
+                                  <p:stCondLst>
+                                    <p:cond delay="0"/>
+                                  </p:stCondLst>
+                                  <p:childTnLst>
+                                    <p:set>
+                                      <p:cBhvr>
+                                        <p:cTn id="14" dur="1" fill="hold">
+                                          <p:stCondLst>
+                                            <p:cond delay="0"/>
+                                          </p:stCondLst>
+                                        </p:cTn>
+                                        <p:tgtEl>
+                                          <p:spTgt spid="3">
+                                            <p:txEl>
+                                              <p:pRg st="3" end="3"/>
+                                            </p:txEl>
+                                          </p:spTgt>
+                                        </p:tgtEl>
+                                        <p:attrNameLst>
+                                          <p:attrName>style.visibility</p:attrName>
+                                        </p:attrNameLst>
+                                      </p:cBhvr>
+                                      <p:to>
+                                        <p:strVal val="visible"/>
+                                      </p:to>
+                                    </p:set>
+                                  </p:childTnLst>
+                                </p:cTn>
+                              </p:par>
+                              <p:par>
+                                <p:cTn id="15" presetID="1" presetClass="entr" presetSubtype="0" fill="hold" grpId="0" nodeType="withEffect">
+                                  <p:stCondLst>
+                                    <p:cond delay="0"/>
+                                  </p:stCondLst>
+                                  <p:childTnLst>
+                                    <p:set>
+                                      <p:cBhvr>
+                                        <p:cTn id="16" dur="1" fill="hold">
+                                          <p:stCondLst>
+                                            <p:cond delay="0"/>
+                                          </p:stCondLst>
+                                        </p:cTn>
+                                        <p:tgtEl>
+                                          <p:spTgt spid="3">
+                                            <p:txEl>
+                                              <p:pRg st="4" end="4"/>
+                                            </p:txEl>
+                                          </p:spTgt>
+                                        </p:tgtEl>
+                                        <p:attrNameLst>
+                                          <p:attrName>style.visibility</p:attrName>
+                                        </p:attrNameLst>
+                                      </p:cBhvr>
+                                      <p:to>
+                                        <p:strVal val="visible"/>
+                                      </p:to>
+                                    </p:set>
+                                  </p:childTnLst>
+                                </p:cTn>
+                              </p:par>
+                            </p:childTnLst>
+                          </p:cTn>
+                        </p:par>
+                      </p:childTnLst>
+                    </p:cTn>
+                  </p:par>
+                  <p:par>
+                    <p:cTn id="17" fill="hold">
+                      <p:stCondLst>
+                        <p:cond delay="indefinite"/>
+                      </p:stCondLst>
+                      <p:childTnLst>
+                        <p:par>
+                          <p:cTn id="18" fill="hold">
+                            <p:stCondLst>
+                              <p:cond delay="0"/>
+                            </p:stCondLst>
+                            <p:childTnLst>
+                              <p:par>
+                                <p:cTn id="19" presetID="1" presetClass="entr" presetSubtype="0" fill="hold" grpId="0" nodeType="clickEffect">
+                                  <p:stCondLst>
+                                    <p:cond delay="0"/>
+                                  </p:stCondLst>
+                                  <p:childTnLst>
+                                    <p:set>
+                                      <p:cBhvr>
+                                        <p:cTn id="20" dur="1" fill="hold">
+                                          <p:stCondLst>
+                                            <p:cond delay="0"/>
+                                          </p:stCondLst>
+                                        </p:cTn>
+                                        <p:tgtEl>
+                                          <p:spTgt spid="3">
+                                            <p:txEl>
+                                              <p:pRg st="5" end="5"/>
+                                            </p:txEl>
+                                          </p:spTgt>
+                                        </p:tgtEl>
+                                        <p:attrNameLst>
+                                          <p:attrName>style.visibility</p:attrName>
+                                        </p:attrNameLst>
+                                      </p:cBhvr>
+                                      <p:to>
+                                        <p:strVal val="visible"/>
+                                      </p:to>
+                                    </p:set>
+                                  </p:childTnLst>
+                                </p:cTn>
+                              </p:par>
+                            </p:childTnLst>
+                          </p:cTn>
+                        </p:par>
+                      </p:childTnLst>
+                    </p:cTn>
+                  </p:par>
+                </p:childTnLst>
+              </p:cTn>
+              <p:prevCondLst>
+                <p:cond evt="onPrev" delay="0">
+                  <p:tgtEl>
+                    <p:sldTgt/>
+                  </p:tgtEl>
+                </p:cond>
+              </p:prevCondLst>
+              <p:nextCondLst>
+                <p:cond evt="onNext" delay="0">
+                  <p:tgtEl>
+                    <p:sldTgt/>
+                  </p:tgtEl>
+                </p:cond>
+              </p:nextCondLst>
+            </p:seq>
+          </p:childTnLst>
+        </p:cTn>
+      </p:par>
+    </p:tnLst>
+    <p:bldLst>
+      <p:bldP spid="3" grpId="0" build="p"/>
+    </p:bldLst>
+  </p:timing>
 </p:sld>
 </file>
 
